--- a/CommandLineProgrammingInPython.pptx
+++ b/CommandLineProgrammingInPython.pptx
@@ -253,7 +253,7 @@
           <a:p>
             <a:fld id="{DC30FEC9-C862-405F-8D4A-014241D1EC29}" type="datetimeFigureOut">
               <a:rPr lang="en-US" smtClean="0"/>
-              <a:t>9/4/2019</a:t>
+              <a:t>9/5/2019</a:t>
             </a:fld>
             <a:endParaRPr lang="en-US" dirty="0"/>
           </a:p>
@@ -10179,7 +10179,7 @@
           <a:p>
             <a:fld id="{B12E675B-F03E-430B-8E50-EA8BC510A8FD}" type="datetime1">
               <a:rPr lang="en-US" smtClean="0"/>
-              <a:t>9/4/2019</a:t>
+              <a:t>9/5/2019</a:t>
             </a:fld>
             <a:endParaRPr lang="en-US" dirty="0"/>
           </a:p>
@@ -10368,7 +10368,7 @@
           <a:p>
             <a:fld id="{6AD60591-38D0-4CB9-89F8-BD77F799F0A8}" type="datetime1">
               <a:rPr lang="en-US" smtClean="0"/>
-              <a:t>9/4/2019</a:t>
+              <a:t>9/5/2019</a:t>
             </a:fld>
             <a:endParaRPr lang="en-US" dirty="0"/>
           </a:p>
@@ -10566,7 +10566,7 @@
           <a:p>
             <a:fld id="{A285E8C6-AF37-4EBE-993F-78CFC53C58DF}" type="datetime1">
               <a:rPr lang="en-US" smtClean="0"/>
-              <a:t>9/4/2019</a:t>
+              <a:t>9/5/2019</a:t>
             </a:fld>
             <a:endParaRPr lang="en-US" dirty="0"/>
           </a:p>
@@ -10754,7 +10754,7 @@
           <a:p>
             <a:fld id="{EE6825D7-9829-419E-95D7-B3E2B3E29485}" type="datetime1">
               <a:rPr lang="en-US" smtClean="0"/>
-              <a:t>9/4/2019</a:t>
+              <a:t>9/5/2019</a:t>
             </a:fld>
             <a:endParaRPr lang="en-US" dirty="0"/>
           </a:p>
@@ -10964,7 +10964,7 @@
           <a:p>
             <a:fld id="{2D5CFD69-9079-4E6A-9B50-28446D2E1F3A}" type="datetime1">
               <a:rPr lang="en-US" smtClean="0"/>
-              <a:t>9/4/2019</a:t>
+              <a:t>9/5/2019</a:t>
             </a:fld>
             <a:endParaRPr lang="en-US" dirty="0"/>
           </a:p>
@@ -11270,7 +11270,7 @@
           <a:p>
             <a:fld id="{402AA658-388C-427E-8117-3802C676B041}" type="datetime1">
               <a:rPr lang="en-US" smtClean="0"/>
-              <a:t>9/4/2019</a:t>
+              <a:t>9/5/2019</a:t>
             </a:fld>
             <a:endParaRPr lang="en-US" dirty="0"/>
           </a:p>
@@ -11715,7 +11715,7 @@
           <a:p>
             <a:fld id="{472064D1-781B-4699-B7FC-18D72CC81A75}" type="datetime1">
               <a:rPr lang="en-US" smtClean="0"/>
-              <a:t>9/4/2019</a:t>
+              <a:t>9/5/2019</a:t>
             </a:fld>
             <a:endParaRPr lang="en-US" dirty="0"/>
           </a:p>
@@ -11851,7 +11851,7 @@
           <a:p>
             <a:fld id="{3319E406-D71E-4EEB-850C-C98DB5AEA354}" type="datetime1">
               <a:rPr lang="en-US" smtClean="0"/>
-              <a:t>9/4/2019</a:t>
+              <a:t>9/5/2019</a:t>
             </a:fld>
             <a:endParaRPr lang="en-US" dirty="0"/>
           </a:p>
@@ -11964,7 +11964,7 @@
           <a:p>
             <a:fld id="{D7451AA9-33D0-4C2D-A917-32E2781899C0}" type="datetime1">
               <a:rPr lang="en-US" smtClean="0"/>
-              <a:t>9/4/2019</a:t>
+              <a:t>9/5/2019</a:t>
             </a:fld>
             <a:endParaRPr lang="en-US" dirty="0"/>
           </a:p>
@@ -12259,7 +12259,7 @@
           <a:p>
             <a:fld id="{DD31E3FF-C33A-4B78-819E-E64880EE8183}" type="datetime1">
               <a:rPr lang="en-US" smtClean="0"/>
-              <a:t>9/4/2019</a:t>
+              <a:t>9/5/2019</a:t>
             </a:fld>
             <a:endParaRPr lang="en-US" dirty="0"/>
           </a:p>
@@ -12534,7 +12534,7 @@
           <a:p>
             <a:fld id="{87E69290-F738-44BE-AD13-1000CF75D719}" type="datetime1">
               <a:rPr lang="en-US" smtClean="0"/>
-              <a:t>9/4/2019</a:t>
+              <a:t>9/5/2019</a:t>
             </a:fld>
             <a:endParaRPr lang="en-US" dirty="0"/>
           </a:p>
@@ -12821,7 +12821,7 @@
           <a:p>
             <a:fld id="{D5D0FA23-5092-496E-8318-BD0C0E195D54}" type="datetime1">
               <a:rPr lang="en-US" smtClean="0"/>
-              <a:t>9/4/2019</a:t>
+              <a:t>9/5/2019</a:t>
             </a:fld>
             <a:endParaRPr lang="en-US" dirty="0"/>
           </a:p>
@@ -24172,11 +24172,7 @@
           <a:p>
             <a:r>
               <a:rPr lang="en-US" dirty="0" smtClean="0"/>
-              <a:t>Download, and extract files </a:t>
-            </a:r>
-            <a:r>
-              <a:rPr lang="en-US" dirty="0" smtClean="0"/>
-              <a:t>from</a:t>
+              <a:t>Download, and extract files from</a:t>
             </a:r>
           </a:p>
           <a:p>
@@ -24243,10 +24239,6 @@
               </a:rPr>
               <a:t>\Downloads</a:t>
             </a:r>
-            <a:endParaRPr lang="en-US" dirty="0" smtClean="0">
-              <a:latin typeface="Courier New" panose="02070309020205020404" pitchFamily="49" charset="0"/>
-              <a:cs typeface="Courier New" panose="02070309020205020404" pitchFamily="49" charset="0"/>
-            </a:endParaRPr>
           </a:p>
           <a:p>
             <a:r>
@@ -24259,30 +24251,13 @@
             </a:r>
             <a:r>
               <a:rPr lang="en-US" dirty="0" smtClean="0"/>
-              <a:t>above</a:t>
-            </a:r>
+              <a:t>above at DOS command prompt </a:t>
+            </a:r>
+          </a:p>
+          <a:p>
             <a:r>
               <a:rPr lang="en-US" dirty="0" smtClean="0"/>
-              <a:t> at DOS </a:t>
-            </a:r>
-            <a:r>
-              <a:rPr lang="en-US" dirty="0" smtClean="0"/>
-              <a:t>command prompt </a:t>
-            </a:r>
-            <a:endParaRPr lang="en-US" dirty="0" smtClean="0"/>
-          </a:p>
-          <a:p>
-            <a:r>
-              <a:rPr lang="en-US" dirty="0" smtClean="0"/>
-              <a:t>Move </a:t>
-            </a:r>
-            <a:r>
-              <a:rPr lang="en-US" dirty="0" smtClean="0"/>
-              <a:t>up one </a:t>
-            </a:r>
-            <a:r>
-              <a:rPr lang="en-US" dirty="0" smtClean="0"/>
-              <a:t>folder with </a:t>
+              <a:t>Move up one folder with </a:t>
             </a:r>
             <a:r>
               <a:rPr lang="en-US" dirty="0" smtClean="0">
@@ -24295,15 +24270,12 @@
               <a:rPr lang="en-US" dirty="0" smtClean="0"/>
               <a:t>      </a:t>
             </a:r>
+            <a:endParaRPr lang="en-US" dirty="0" smtClean="0"/>
           </a:p>
           <a:p>
             <a:r>
               <a:rPr lang="en-US" dirty="0" smtClean="0"/>
-              <a:t>C</a:t>
-            </a:r>
-            <a:r>
-              <a:rPr lang="en-US" dirty="0" smtClean="0"/>
-              <a:t>reate </a:t>
+              <a:t>Create </a:t>
             </a:r>
             <a:r>
               <a:rPr lang="en-US" dirty="0" smtClean="0">
@@ -24314,11 +24286,7 @@
             </a:r>
             <a:r>
               <a:rPr lang="en-US" dirty="0" smtClean="0"/>
-              <a:t> </a:t>
-            </a:r>
-            <a:r>
-              <a:rPr lang="en-US" dirty="0" smtClean="0"/>
-              <a:t>subfolder</a:t>
+              <a:t> subfolder</a:t>
             </a:r>
           </a:p>
           <a:p>
@@ -24334,7 +24302,6 @@
               <a:rPr lang="en-US" dirty="0" smtClean="0"/>
               <a:t>     </a:t>
             </a:r>
-            <a:endParaRPr lang="en-US" dirty="0" smtClean="0"/>
           </a:p>
           <a:p>
             <a:pPr lvl="1"/>
@@ -24491,13 +24458,14 @@
           <a:bodyPr/>
           <a:lstStyle/>
           <a:p>
+            <a:pPr>
+              <a:spcBef>
+                <a:spcPts val="0"/>
+              </a:spcBef>
+            </a:pPr>
             <a:r>
               <a:rPr lang="en-US" dirty="0" smtClean="0"/>
-              <a:t>Move </a:t>
-            </a:r>
-            <a:r>
-              <a:rPr lang="en-US" dirty="0" smtClean="0"/>
-              <a:t>back to </a:t>
+              <a:t>Move back to </a:t>
             </a:r>
             <a:r>
               <a:rPr lang="en-US" dirty="0" smtClean="0">
@@ -24508,15 +24476,15 @@
             </a:r>
             <a:r>
               <a:rPr lang="en-US" dirty="0" smtClean="0"/>
-              <a:t> </a:t>
-            </a:r>
-            <a:r>
-              <a:rPr lang="en-US" dirty="0" smtClean="0"/>
-              <a:t>folder</a:t>
-            </a:r>
-          </a:p>
-          <a:p>
-            <a:pPr lvl="1"/>
+              <a:t> folder</a:t>
+            </a:r>
+          </a:p>
+          <a:p>
+            <a:pPr lvl="1">
+              <a:spcBef>
+                <a:spcPts val="0"/>
+              </a:spcBef>
+            </a:pPr>
             <a:r>
               <a:rPr lang="en-US" dirty="0" smtClean="0">
                 <a:latin typeface="Courier New" panose="02070309020205020404" pitchFamily="49" charset="0"/>
@@ -24526,7 +24494,11 @@
             </a:r>
           </a:p>
           <a:p>
-            <a:pPr lvl="1"/>
+            <a:pPr lvl="1">
+              <a:spcBef>
+                <a:spcPts val="0"/>
+              </a:spcBef>
+            </a:pPr>
             <a:r>
               <a:rPr lang="en-US" dirty="0" smtClean="0">
                 <a:latin typeface="Courier New" panose="02070309020205020404" pitchFamily="49" charset="0"/>
@@ -24534,12 +24506,13 @@
               </a:rPr>
               <a:t>cd downloads</a:t>
             </a:r>
-            <a:endParaRPr lang="en-US" dirty="0" smtClean="0">
-              <a:latin typeface="Courier New" panose="02070309020205020404" pitchFamily="49" charset="0"/>
-              <a:cs typeface="Courier New" panose="02070309020205020404" pitchFamily="49" charset="0"/>
-            </a:endParaRPr>
-          </a:p>
-          <a:p>
+          </a:p>
+          <a:p>
+            <a:pPr>
+              <a:spcBef>
+                <a:spcPts val="0"/>
+              </a:spcBef>
+            </a:pPr>
             <a:r>
               <a:rPr lang="en-US" dirty="0" smtClean="0"/>
               <a:t>Move all files to </a:t>
@@ -24553,16 +24526,15 @@
             </a:r>
             <a:r>
               <a:rPr lang="en-US" dirty="0" smtClean="0"/>
-              <a:t> </a:t>
-            </a:r>
-            <a:r>
-              <a:rPr lang="en-US" dirty="0" smtClean="0"/>
-              <a:t>subfolder</a:t>
-            </a:r>
-            <a:endParaRPr lang="en-US" dirty="0" smtClean="0"/>
-          </a:p>
-          <a:p>
-            <a:pPr lvl="1"/>
+              <a:t> subfolder</a:t>
+            </a:r>
+          </a:p>
+          <a:p>
+            <a:pPr lvl="1">
+              <a:spcBef>
+                <a:spcPts val="0"/>
+              </a:spcBef>
+            </a:pPr>
             <a:r>
               <a:rPr lang="en-US" dirty="0" smtClean="0"/>
               <a:t>Use </a:t>
@@ -24576,18 +24548,161 @@
             </a:r>
             <a:r>
               <a:rPr lang="en-US" dirty="0" smtClean="0"/>
-              <a:t> command</a:t>
-            </a:r>
-          </a:p>
-          <a:p>
-            <a:pPr lvl="1"/>
+              <a:t> </a:t>
+            </a:r>
+            <a:r>
+              <a:rPr lang="en-US" dirty="0" smtClean="0"/>
+              <a:t>command</a:t>
+            </a:r>
+          </a:p>
+          <a:p>
+            <a:pPr lvl="1">
+              <a:spcBef>
+                <a:spcPts val="0"/>
+              </a:spcBef>
+            </a:pPr>
+            <a:r>
+              <a:rPr lang="en-US" dirty="0" smtClean="0"/>
+              <a:t>Files are in </a:t>
+            </a:r>
+          </a:p>
+          <a:p>
+            <a:pPr lvl="2">
+              <a:spcBef>
+                <a:spcPts val="0"/>
+              </a:spcBef>
+            </a:pPr>
+            <a:r>
+              <a:rPr lang="en-US" sz="1800" dirty="0" smtClean="0">
+                <a:latin typeface="Courier New" panose="02070309020205020404" pitchFamily="49" charset="0"/>
+                <a:cs typeface="Courier New" panose="02070309020205020404" pitchFamily="49" charset="0"/>
+              </a:rPr>
+              <a:t>C</a:t>
+            </a:r>
+            <a:r>
+              <a:rPr lang="en-US" sz="1800" dirty="0">
+                <a:latin typeface="Courier New" panose="02070309020205020404" pitchFamily="49" charset="0"/>
+                <a:cs typeface="Courier New" panose="02070309020205020404" pitchFamily="49" charset="0"/>
+              </a:rPr>
+              <a:t>:\</a:t>
+            </a:r>
+            <a:r>
+              <a:rPr lang="en-US" sz="1800" dirty="0" smtClean="0">
+                <a:latin typeface="Courier New" panose="02070309020205020404" pitchFamily="49" charset="0"/>
+                <a:cs typeface="Courier New" panose="02070309020205020404" pitchFamily="49" charset="0"/>
+              </a:rPr>
+              <a:t>Users\</a:t>
+            </a:r>
+            <a:r>
+              <a:rPr lang="en-US" sz="1800" i="1" dirty="0" smtClean="0">
+                <a:latin typeface="Courier New" panose="02070309020205020404" pitchFamily="49" charset="0"/>
+                <a:cs typeface="Courier New" panose="02070309020205020404" pitchFamily="49" charset="0"/>
+              </a:rPr>
+              <a:t>username</a:t>
+            </a:r>
+            <a:r>
+              <a:rPr lang="en-US" sz="1800" dirty="0" smtClean="0">
+                <a:latin typeface="Courier New" panose="02070309020205020404" pitchFamily="49" charset="0"/>
+                <a:cs typeface="Courier New" panose="02070309020205020404" pitchFamily="49" charset="0"/>
+              </a:rPr>
+              <a:t>\Downloads\CommandLine-master</a:t>
+            </a:r>
+            <a:endParaRPr lang="en-US" sz="1800" dirty="0" smtClean="0"/>
+          </a:p>
+          <a:p>
+            <a:pPr lvl="1">
+              <a:spcBef>
+                <a:spcPts val="0"/>
+              </a:spcBef>
+            </a:pPr>
+            <a:r>
+              <a:rPr lang="en-US" dirty="0" smtClean="0"/>
+              <a:t>Put them in </a:t>
+            </a:r>
+            <a:r>
+              <a:rPr lang="en-US" dirty="0">
+                <a:latin typeface="Courier New" panose="02070309020205020404" pitchFamily="49" charset="0"/>
+                <a:cs typeface="Courier New" panose="02070309020205020404" pitchFamily="49" charset="0"/>
+              </a:rPr>
+              <a:t>C:\</a:t>
+            </a:r>
+            <a:r>
+              <a:rPr lang="en-US" dirty="0" smtClean="0">
+                <a:latin typeface="Courier New" panose="02070309020205020404" pitchFamily="49" charset="0"/>
+                <a:cs typeface="Courier New" panose="02070309020205020404" pitchFamily="49" charset="0"/>
+              </a:rPr>
+              <a:t>Users\</a:t>
+            </a:r>
+            <a:r>
+              <a:rPr lang="en-US" i="1" dirty="0" smtClean="0">
+                <a:latin typeface="Courier New" panose="02070309020205020404" pitchFamily="49" charset="0"/>
+                <a:cs typeface="Courier New" panose="02070309020205020404" pitchFamily="49" charset="0"/>
+              </a:rPr>
+              <a:t>username</a:t>
+            </a:r>
+            <a:r>
+              <a:rPr lang="en-US" dirty="0" smtClean="0">
+                <a:latin typeface="Courier New" panose="02070309020205020404" pitchFamily="49" charset="0"/>
+                <a:cs typeface="Courier New" panose="02070309020205020404" pitchFamily="49" charset="0"/>
+              </a:rPr>
+              <a:t>\cl</a:t>
+            </a:r>
+            <a:endParaRPr lang="en-US" dirty="0"/>
+          </a:p>
+          <a:p>
+            <a:pPr lvl="1">
+              <a:spcBef>
+                <a:spcPts val="0"/>
+              </a:spcBef>
+            </a:pPr>
+            <a:r>
+              <a:rPr lang="en-US" dirty="0" smtClean="0"/>
+              <a:t>From </a:t>
+            </a:r>
+            <a:r>
+              <a:rPr lang="en-US" dirty="0">
+                <a:latin typeface="Courier New" panose="02070309020205020404" pitchFamily="49" charset="0"/>
+                <a:cs typeface="Courier New" panose="02070309020205020404" pitchFamily="49" charset="0"/>
+              </a:rPr>
+              <a:t>C:\Users\</a:t>
+            </a:r>
+            <a:r>
+              <a:rPr lang="en-US" i="1" dirty="0">
+                <a:latin typeface="Courier New" panose="02070309020205020404" pitchFamily="49" charset="0"/>
+                <a:cs typeface="Courier New" panose="02070309020205020404" pitchFamily="49" charset="0"/>
+              </a:rPr>
+              <a:t>username</a:t>
+            </a:r>
+            <a:r>
+              <a:rPr lang="en-US" dirty="0">
+                <a:latin typeface="Courier New" panose="02070309020205020404" pitchFamily="49" charset="0"/>
+                <a:cs typeface="Courier New" panose="02070309020205020404" pitchFamily="49" charset="0"/>
+              </a:rPr>
+              <a:t>\Downloads</a:t>
+            </a:r>
+            <a:r>
+              <a:rPr lang="en-US" dirty="0" smtClean="0"/>
+              <a:t>     </a:t>
+            </a:r>
+          </a:p>
+          <a:p>
+            <a:pPr lvl="1">
+              <a:spcBef>
+                <a:spcPts val="0"/>
+              </a:spcBef>
+            </a:pPr>
             <a:r>
               <a:rPr lang="en-US" dirty="0" smtClean="0"/>
               <a:t>Hints</a:t>
             </a:r>
-          </a:p>
-          <a:p>
-            <a:pPr lvl="2"/>
+            <a:endParaRPr lang="en-US" dirty="0" smtClean="0"/>
+          </a:p>
+          <a:p>
+            <a:pPr lvl="2">
+              <a:spcBef>
+                <a:spcPts val="0"/>
+              </a:spcBef>
+            </a:pPr>
             <a:r>
               <a:rPr lang="en-US" dirty="0" smtClean="0"/>
               <a:t> </a:t>
@@ -24605,11 +24720,16 @@
             </a:r>
             <a:r>
               <a:rPr lang="en-US" dirty="0" smtClean="0"/>
-              <a:t>files</a:t>
-            </a:r>
-          </a:p>
-          <a:p>
-            <a:pPr lvl="2"/>
+              <a:t>files in a folder/file path</a:t>
+            </a:r>
+            <a:endParaRPr lang="en-US" dirty="0" smtClean="0"/>
+          </a:p>
+          <a:p>
+            <a:pPr lvl="2">
+              <a:spcBef>
+                <a:spcPts val="0"/>
+              </a:spcBef>
+            </a:pPr>
             <a:r>
               <a:rPr lang="en-US" dirty="0" smtClean="0"/>
               <a:t>Path from </a:t>
@@ -24637,11 +24757,11 @@
               <a:t> folder is </a:t>
             </a:r>
             <a:r>
-              <a:rPr lang="en-US" dirty="0" smtClean="0">
+              <a:rPr lang="en-US" smtClean="0">
                 <a:latin typeface="Courier New" panose="02070309020205020404" pitchFamily="49" charset="0"/>
                 <a:cs typeface="Courier New" panose="02070309020205020404" pitchFamily="49" charset="0"/>
               </a:rPr>
-              <a:t>../cl/</a:t>
+              <a:t>..\cl\</a:t>
             </a:r>
             <a:endParaRPr lang="en-US" dirty="0" smtClean="0">
               <a:latin typeface="Courier New" panose="02070309020205020404" pitchFamily="49" charset="0"/>
@@ -27901,11 +28021,7 @@
             </a:r>
             <a:r>
               <a:rPr lang="en-US" dirty="0" smtClean="0"/>
-              <a:t>) are data that we pass to a command line program to tell it what we would like it to </a:t>
-            </a:r>
-            <a:r>
-              <a:rPr lang="en-US" dirty="0" smtClean="0"/>
-              <a:t>do</a:t>
+              <a:t>) are data that we pass to a command line program to tell it what we would like it to do</a:t>
             </a:r>
           </a:p>
           <a:p>
@@ -27914,7 +28030,6 @@
               <a:rPr lang="en-US" dirty="0" smtClean="0"/>
               <a:t>Like arguments to a function</a:t>
             </a:r>
-            <a:endParaRPr lang="en-US" dirty="0" smtClean="0"/>
           </a:p>
           <a:p>
             <a:r>
@@ -27990,23 +28105,7 @@
             <a:pPr lvl="2"/>
             <a:r>
               <a:rPr lang="en-US" dirty="0" smtClean="0"/>
-              <a:t>These direct </a:t>
-            </a:r>
-            <a:r>
-              <a:rPr lang="en-US" dirty="0" smtClean="0"/>
-              <a:t>the </a:t>
-            </a:r>
-            <a:r>
-              <a:rPr lang="en-US" dirty="0" smtClean="0"/>
-              <a:t>program </a:t>
-            </a:r>
-            <a:r>
-              <a:rPr lang="en-US" dirty="0" smtClean="0"/>
-              <a:t>to do what </a:t>
-            </a:r>
-            <a:r>
-              <a:rPr lang="en-US" dirty="0" smtClean="0"/>
-              <a:t>we desire </a:t>
+              <a:t>These direct the program to do what we desire </a:t>
             </a:r>
             <a:endParaRPr lang="en-US" dirty="0"/>
           </a:p>

--- a/CommandLineProgrammingInPython.pptx
+++ b/CommandLineProgrammingInPython.pptx
@@ -5,15 +5,15 @@
     <p:sldMasterId id="2147483672" r:id="rId1"/>
   </p:sldMasterIdLst>
   <p:notesMasterIdLst>
-    <p:notesMasterId r:id="rId29"/>
+    <p:notesMasterId r:id="rId30"/>
   </p:notesMasterIdLst>
   <p:sldIdLst>
     <p:sldId id="256" r:id="rId2"/>
     <p:sldId id="257" r:id="rId3"/>
     <p:sldId id="264" r:id="rId4"/>
-    <p:sldId id="263" r:id="rId5"/>
-    <p:sldId id="276" r:id="rId6"/>
-    <p:sldId id="272" r:id="rId7"/>
+    <p:sldId id="272" r:id="rId5"/>
+    <p:sldId id="263" r:id="rId6"/>
+    <p:sldId id="276" r:id="rId7"/>
     <p:sldId id="273" r:id="rId8"/>
     <p:sldId id="274" r:id="rId9"/>
     <p:sldId id="275" r:id="rId10"/>
@@ -23,18 +23,19 @@
     <p:sldId id="266" r:id="rId14"/>
     <p:sldId id="288" r:id="rId15"/>
     <p:sldId id="280" r:id="rId16"/>
-    <p:sldId id="289" r:id="rId17"/>
-    <p:sldId id="265" r:id="rId18"/>
-    <p:sldId id="281" r:id="rId19"/>
-    <p:sldId id="283" r:id="rId20"/>
-    <p:sldId id="262" r:id="rId21"/>
-    <p:sldId id="269" r:id="rId22"/>
-    <p:sldId id="284" r:id="rId23"/>
-    <p:sldId id="267" r:id="rId24"/>
-    <p:sldId id="259" r:id="rId25"/>
-    <p:sldId id="260" r:id="rId26"/>
-    <p:sldId id="271" r:id="rId27"/>
-    <p:sldId id="285" r:id="rId28"/>
+    <p:sldId id="290" r:id="rId17"/>
+    <p:sldId id="289" r:id="rId18"/>
+    <p:sldId id="265" r:id="rId19"/>
+    <p:sldId id="281" r:id="rId20"/>
+    <p:sldId id="283" r:id="rId21"/>
+    <p:sldId id="262" r:id="rId22"/>
+    <p:sldId id="269" r:id="rId23"/>
+    <p:sldId id="284" r:id="rId24"/>
+    <p:sldId id="267" r:id="rId25"/>
+    <p:sldId id="259" r:id="rId26"/>
+    <p:sldId id="260" r:id="rId27"/>
+    <p:sldId id="271" r:id="rId28"/>
+    <p:sldId id="285" r:id="rId29"/>
   </p:sldIdLst>
   <p:sldSz cx="9144000" cy="6858000" type="screen4x3"/>
   <p:notesSz cx="6858000" cy="9144000"/>
@@ -253,7 +254,7 @@
           <a:p>
             <a:fld id="{DC30FEC9-C862-405F-8D4A-014241D1EC29}" type="datetimeFigureOut">
               <a:rPr lang="en-US" smtClean="0"/>
-              <a:t>9/5/2019</a:t>
+              <a:t>8/30/2020</a:t>
             </a:fld>
             <a:endParaRPr lang="en-US" dirty="0"/>
           </a:p>
@@ -317,38 +318,37 @@
           <a:p>
             <a:pPr lvl="0"/>
             <a:r>
-              <a:rPr lang="en-US" smtClean="0"/>
+              <a:rPr lang="en-US"/>
               <a:t>Edit Master text styles</a:t>
             </a:r>
           </a:p>
           <a:p>
             <a:pPr lvl="1"/>
             <a:r>
-              <a:rPr lang="en-US" smtClean="0"/>
+              <a:rPr lang="en-US"/>
               <a:t>Second level</a:t>
             </a:r>
           </a:p>
           <a:p>
             <a:pPr lvl="2"/>
             <a:r>
-              <a:rPr lang="en-US" smtClean="0"/>
+              <a:rPr lang="en-US"/>
               <a:t>Third level</a:t>
             </a:r>
           </a:p>
           <a:p>
             <a:pPr lvl="3"/>
             <a:r>
-              <a:rPr lang="en-US" smtClean="0"/>
+              <a:rPr lang="en-US"/>
               <a:t>Fourth level</a:t>
             </a:r>
           </a:p>
           <a:p>
             <a:pPr lvl="4"/>
             <a:r>
-              <a:rPr lang="en-US" smtClean="0"/>
+              <a:rPr lang="en-US"/>
               <a:t>Fifth level</a:t>
             </a:r>
-            <a:endParaRPr lang="en-US"/>
           </a:p>
         </p:txBody>
       </p:sp>
@@ -10112,10 +10112,9 @@
           </a:lstStyle>
           <a:p>
             <a:r>
-              <a:rPr lang="en-US" smtClean="0"/>
+              <a:rPr lang="en-US"/>
               <a:t>Click to edit Master title style</a:t>
             </a:r>
-            <a:endParaRPr lang="en-US"/>
           </a:p>
         </p:txBody>
       </p:sp>
@@ -10146,10 +10145,9 @@
           </a:lstStyle>
           <a:p>
             <a:r>
-              <a:rPr lang="en-US" smtClean="0"/>
+              <a:rPr lang="en-US"/>
               <a:t>Click to edit Master subtitle style</a:t>
             </a:r>
-            <a:endParaRPr lang="en-US"/>
           </a:p>
         </p:txBody>
       </p:sp>
@@ -10179,7 +10177,7 @@
           <a:p>
             <a:fld id="{B12E675B-F03E-430B-8E50-EA8BC510A8FD}" type="datetime1">
               <a:rPr lang="en-US" smtClean="0"/>
-              <a:t>9/5/2019</a:t>
+              <a:t>8/30/2020</a:t>
             </a:fld>
             <a:endParaRPr lang="en-US" dirty="0"/>
           </a:p>
@@ -10286,10 +10284,9 @@
           <a:lstStyle/>
           <a:p>
             <a:r>
-              <a:rPr lang="en-US" smtClean="0"/>
+              <a:rPr lang="en-US"/>
               <a:t>Click to edit Master title style</a:t>
             </a:r>
-            <a:endParaRPr lang="en-US"/>
           </a:p>
         </p:txBody>
       </p:sp>
@@ -10310,38 +10307,37 @@
           <a:p>
             <a:pPr lvl="0"/>
             <a:r>
-              <a:rPr lang="en-US" smtClean="0"/>
+              <a:rPr lang="en-US"/>
               <a:t>Edit Master text styles</a:t>
             </a:r>
           </a:p>
           <a:p>
             <a:pPr lvl="1"/>
             <a:r>
-              <a:rPr lang="en-US" smtClean="0"/>
+              <a:rPr lang="en-US"/>
               <a:t>Second level</a:t>
             </a:r>
           </a:p>
           <a:p>
             <a:pPr lvl="2"/>
             <a:r>
-              <a:rPr lang="en-US" smtClean="0"/>
+              <a:rPr lang="en-US"/>
               <a:t>Third level</a:t>
             </a:r>
           </a:p>
           <a:p>
             <a:pPr lvl="3"/>
             <a:r>
-              <a:rPr lang="en-US" smtClean="0"/>
+              <a:rPr lang="en-US"/>
               <a:t>Fourth level</a:t>
             </a:r>
           </a:p>
           <a:p>
             <a:pPr lvl="4"/>
             <a:r>
-              <a:rPr lang="en-US" smtClean="0"/>
+              <a:rPr lang="en-US"/>
               <a:t>Fifth level</a:t>
             </a:r>
-            <a:endParaRPr lang="en-US"/>
           </a:p>
         </p:txBody>
       </p:sp>
@@ -10368,7 +10364,7 @@
           <a:p>
             <a:fld id="{6AD60591-38D0-4CB9-89F8-BD77F799F0A8}" type="datetime1">
               <a:rPr lang="en-US" smtClean="0"/>
-              <a:t>9/5/2019</a:t>
+              <a:t>8/30/2020</a:t>
             </a:fld>
             <a:endParaRPr lang="en-US" dirty="0"/>
           </a:p>
@@ -10479,10 +10475,9 @@
           <a:lstStyle/>
           <a:p>
             <a:r>
-              <a:rPr lang="en-US" smtClean="0"/>
+              <a:rPr lang="en-US"/>
               <a:t>Click to edit Master title style</a:t>
             </a:r>
-            <a:endParaRPr lang="en-US"/>
           </a:p>
         </p:txBody>
       </p:sp>
@@ -10508,38 +10503,37 @@
           <a:p>
             <a:pPr lvl="0"/>
             <a:r>
-              <a:rPr lang="en-US" smtClean="0"/>
+              <a:rPr lang="en-US"/>
               <a:t>Edit Master text styles</a:t>
             </a:r>
           </a:p>
           <a:p>
             <a:pPr lvl="1"/>
             <a:r>
-              <a:rPr lang="en-US" smtClean="0"/>
+              <a:rPr lang="en-US"/>
               <a:t>Second level</a:t>
             </a:r>
           </a:p>
           <a:p>
             <a:pPr lvl="2"/>
             <a:r>
-              <a:rPr lang="en-US" smtClean="0"/>
+              <a:rPr lang="en-US"/>
               <a:t>Third level</a:t>
             </a:r>
           </a:p>
           <a:p>
             <a:pPr lvl="3"/>
             <a:r>
-              <a:rPr lang="en-US" smtClean="0"/>
+              <a:rPr lang="en-US"/>
               <a:t>Fourth level</a:t>
             </a:r>
           </a:p>
           <a:p>
             <a:pPr lvl="4"/>
             <a:r>
-              <a:rPr lang="en-US" smtClean="0"/>
+              <a:rPr lang="en-US"/>
               <a:t>Fifth level</a:t>
             </a:r>
-            <a:endParaRPr lang="en-US"/>
           </a:p>
         </p:txBody>
       </p:sp>
@@ -10566,7 +10560,7 @@
           <a:p>
             <a:fld id="{A285E8C6-AF37-4EBE-993F-78CFC53C58DF}" type="datetime1">
               <a:rPr lang="en-US" smtClean="0"/>
-              <a:t>9/5/2019</a:t>
+              <a:t>8/30/2020</a:t>
             </a:fld>
             <a:endParaRPr lang="en-US" dirty="0"/>
           </a:p>
@@ -10672,10 +10666,9 @@
           <a:lstStyle/>
           <a:p>
             <a:r>
-              <a:rPr lang="en-US" smtClean="0"/>
+              <a:rPr lang="en-US"/>
               <a:t>Click to edit Master title style</a:t>
             </a:r>
-            <a:endParaRPr lang="en-US"/>
           </a:p>
         </p:txBody>
       </p:sp>
@@ -10696,38 +10689,37 @@
           <a:p>
             <a:pPr lvl="0"/>
             <a:r>
-              <a:rPr lang="en-US" smtClean="0"/>
+              <a:rPr lang="en-US"/>
               <a:t>Edit Master text styles</a:t>
             </a:r>
           </a:p>
           <a:p>
             <a:pPr lvl="1"/>
             <a:r>
-              <a:rPr lang="en-US" smtClean="0"/>
+              <a:rPr lang="en-US"/>
               <a:t>Second level</a:t>
             </a:r>
           </a:p>
           <a:p>
             <a:pPr lvl="2"/>
             <a:r>
-              <a:rPr lang="en-US" smtClean="0"/>
+              <a:rPr lang="en-US"/>
               <a:t>Third level</a:t>
             </a:r>
           </a:p>
           <a:p>
             <a:pPr lvl="3"/>
             <a:r>
-              <a:rPr lang="en-US" smtClean="0"/>
+              <a:rPr lang="en-US"/>
               <a:t>Fourth level</a:t>
             </a:r>
           </a:p>
           <a:p>
             <a:pPr lvl="4"/>
             <a:r>
-              <a:rPr lang="en-US" smtClean="0"/>
+              <a:rPr lang="en-US"/>
               <a:t>Fifth level</a:t>
             </a:r>
-            <a:endParaRPr lang="en-US"/>
           </a:p>
         </p:txBody>
       </p:sp>
@@ -10754,7 +10746,7 @@
           <a:p>
             <a:fld id="{EE6825D7-9829-419E-95D7-B3E2B3E29485}" type="datetime1">
               <a:rPr lang="en-US" smtClean="0"/>
-              <a:t>9/5/2019</a:t>
+              <a:t>8/30/2020</a:t>
             </a:fld>
             <a:endParaRPr lang="en-US" dirty="0"/>
           </a:p>
@@ -10869,10 +10861,9 @@
           </a:lstStyle>
           <a:p>
             <a:r>
-              <a:rPr lang="en-US" smtClean="0"/>
+              <a:rPr lang="en-US"/>
               <a:t>Click to edit Master title style</a:t>
             </a:r>
-            <a:endParaRPr lang="en-US"/>
           </a:p>
         </p:txBody>
       </p:sp>
@@ -10935,7 +10926,7 @@
           <a:p>
             <a:pPr lvl="0"/>
             <a:r>
-              <a:rPr lang="en-US" smtClean="0"/>
+              <a:rPr lang="en-US"/>
               <a:t>Edit Master text styles</a:t>
             </a:r>
           </a:p>
@@ -10964,7 +10955,7 @@
           <a:p>
             <a:fld id="{2D5CFD69-9079-4E6A-9B50-28446D2E1F3A}" type="datetime1">
               <a:rPr lang="en-US" smtClean="0"/>
-              <a:t>9/5/2019</a:t>
+              <a:t>8/30/2020</a:t>
             </a:fld>
             <a:endParaRPr lang="en-US" dirty="0"/>
           </a:p>
@@ -11070,10 +11061,9 @@
           <a:lstStyle/>
           <a:p>
             <a:r>
-              <a:rPr lang="en-US" smtClean="0"/>
+              <a:rPr lang="en-US"/>
               <a:t>Click to edit Master title style</a:t>
             </a:r>
-            <a:endParaRPr lang="en-US"/>
           </a:p>
         </p:txBody>
       </p:sp>
@@ -11127,38 +11117,37 @@
           <a:p>
             <a:pPr lvl="0"/>
             <a:r>
-              <a:rPr lang="en-US" smtClean="0"/>
+              <a:rPr lang="en-US"/>
               <a:t>Edit Master text styles</a:t>
             </a:r>
           </a:p>
           <a:p>
             <a:pPr lvl="1"/>
             <a:r>
-              <a:rPr lang="en-US" smtClean="0"/>
+              <a:rPr lang="en-US"/>
               <a:t>Second level</a:t>
             </a:r>
           </a:p>
           <a:p>
             <a:pPr lvl="2"/>
             <a:r>
-              <a:rPr lang="en-US" smtClean="0"/>
+              <a:rPr lang="en-US"/>
               <a:t>Third level</a:t>
             </a:r>
           </a:p>
           <a:p>
             <a:pPr lvl="3"/>
             <a:r>
-              <a:rPr lang="en-US" smtClean="0"/>
+              <a:rPr lang="en-US"/>
               <a:t>Fourth level</a:t>
             </a:r>
           </a:p>
           <a:p>
             <a:pPr lvl="4"/>
             <a:r>
-              <a:rPr lang="en-US" smtClean="0"/>
+              <a:rPr lang="en-US"/>
               <a:t>Fifth level</a:t>
             </a:r>
-            <a:endParaRPr lang="en-US"/>
           </a:p>
         </p:txBody>
       </p:sp>
@@ -11212,38 +11201,37 @@
           <a:p>
             <a:pPr lvl="0"/>
             <a:r>
-              <a:rPr lang="en-US" smtClean="0"/>
+              <a:rPr lang="en-US"/>
               <a:t>Edit Master text styles</a:t>
             </a:r>
           </a:p>
           <a:p>
             <a:pPr lvl="1"/>
             <a:r>
-              <a:rPr lang="en-US" smtClean="0"/>
+              <a:rPr lang="en-US"/>
               <a:t>Second level</a:t>
             </a:r>
           </a:p>
           <a:p>
             <a:pPr lvl="2"/>
             <a:r>
-              <a:rPr lang="en-US" smtClean="0"/>
+              <a:rPr lang="en-US"/>
               <a:t>Third level</a:t>
             </a:r>
           </a:p>
           <a:p>
             <a:pPr lvl="3"/>
             <a:r>
-              <a:rPr lang="en-US" smtClean="0"/>
+              <a:rPr lang="en-US"/>
               <a:t>Fourth level</a:t>
             </a:r>
           </a:p>
           <a:p>
             <a:pPr lvl="4"/>
             <a:r>
-              <a:rPr lang="en-US" smtClean="0"/>
+              <a:rPr lang="en-US"/>
               <a:t>Fifth level</a:t>
             </a:r>
-            <a:endParaRPr lang="en-US"/>
           </a:p>
         </p:txBody>
       </p:sp>
@@ -11270,7 +11258,7 @@
           <a:p>
             <a:fld id="{402AA658-388C-427E-8117-3802C676B041}" type="datetime1">
               <a:rPr lang="en-US" smtClean="0"/>
-              <a:t>9/5/2019</a:t>
+              <a:t>8/30/2020</a:t>
             </a:fld>
             <a:endParaRPr lang="en-US" dirty="0"/>
           </a:p>
@@ -11385,10 +11373,9 @@
           </a:lstStyle>
           <a:p>
             <a:r>
-              <a:rPr lang="en-US" smtClean="0"/>
+              <a:rPr lang="en-US"/>
               <a:t>Click to edit Master title style</a:t>
             </a:r>
-            <a:endParaRPr lang="en-US"/>
           </a:p>
         </p:txBody>
       </p:sp>
@@ -11451,7 +11438,7 @@
           <a:p>
             <a:pPr lvl="0"/>
             <a:r>
-              <a:rPr lang="en-US" smtClean="0"/>
+              <a:rPr lang="en-US"/>
               <a:t>Edit Master text styles</a:t>
             </a:r>
           </a:p>
@@ -11507,38 +11494,37 @@
           <a:p>
             <a:pPr lvl="0"/>
             <a:r>
-              <a:rPr lang="en-US" smtClean="0"/>
+              <a:rPr lang="en-US"/>
               <a:t>Edit Master text styles</a:t>
             </a:r>
           </a:p>
           <a:p>
             <a:pPr lvl="1"/>
             <a:r>
-              <a:rPr lang="en-US" smtClean="0"/>
+              <a:rPr lang="en-US"/>
               <a:t>Second level</a:t>
             </a:r>
           </a:p>
           <a:p>
             <a:pPr lvl="2"/>
             <a:r>
-              <a:rPr lang="en-US" smtClean="0"/>
+              <a:rPr lang="en-US"/>
               <a:t>Third level</a:t>
             </a:r>
           </a:p>
           <a:p>
             <a:pPr lvl="3"/>
             <a:r>
-              <a:rPr lang="en-US" smtClean="0"/>
+              <a:rPr lang="en-US"/>
               <a:t>Fourth level</a:t>
             </a:r>
           </a:p>
           <a:p>
             <a:pPr lvl="4"/>
             <a:r>
-              <a:rPr lang="en-US" smtClean="0"/>
+              <a:rPr lang="en-US"/>
               <a:t>Fifth level</a:t>
             </a:r>
-            <a:endParaRPr lang="en-US"/>
           </a:p>
         </p:txBody>
       </p:sp>
@@ -11601,7 +11587,7 @@
           <a:p>
             <a:pPr lvl="0"/>
             <a:r>
-              <a:rPr lang="en-US" smtClean="0"/>
+              <a:rPr lang="en-US"/>
               <a:t>Edit Master text styles</a:t>
             </a:r>
           </a:p>
@@ -11657,38 +11643,37 @@
           <a:p>
             <a:pPr lvl="0"/>
             <a:r>
-              <a:rPr lang="en-US" smtClean="0"/>
+              <a:rPr lang="en-US"/>
               <a:t>Edit Master text styles</a:t>
             </a:r>
           </a:p>
           <a:p>
             <a:pPr lvl="1"/>
             <a:r>
-              <a:rPr lang="en-US" smtClean="0"/>
+              <a:rPr lang="en-US"/>
               <a:t>Second level</a:t>
             </a:r>
           </a:p>
           <a:p>
             <a:pPr lvl="2"/>
             <a:r>
-              <a:rPr lang="en-US" smtClean="0"/>
+              <a:rPr lang="en-US"/>
               <a:t>Third level</a:t>
             </a:r>
           </a:p>
           <a:p>
             <a:pPr lvl="3"/>
             <a:r>
-              <a:rPr lang="en-US" smtClean="0"/>
+              <a:rPr lang="en-US"/>
               <a:t>Fourth level</a:t>
             </a:r>
           </a:p>
           <a:p>
             <a:pPr lvl="4"/>
             <a:r>
-              <a:rPr lang="en-US" smtClean="0"/>
+              <a:rPr lang="en-US"/>
               <a:t>Fifth level</a:t>
             </a:r>
-            <a:endParaRPr lang="en-US"/>
           </a:p>
         </p:txBody>
       </p:sp>
@@ -11715,7 +11700,7 @@
           <a:p>
             <a:fld id="{472064D1-781B-4699-B7FC-18D72CC81A75}" type="datetime1">
               <a:rPr lang="en-US" smtClean="0"/>
-              <a:t>9/5/2019</a:t>
+              <a:t>8/30/2020</a:t>
             </a:fld>
             <a:endParaRPr lang="en-US" dirty="0"/>
           </a:p>
@@ -11821,10 +11806,9 @@
           <a:lstStyle/>
           <a:p>
             <a:r>
-              <a:rPr lang="en-US" smtClean="0"/>
+              <a:rPr lang="en-US"/>
               <a:t>Click to edit Master title style</a:t>
             </a:r>
-            <a:endParaRPr lang="en-US"/>
           </a:p>
         </p:txBody>
       </p:sp>
@@ -11851,7 +11835,7 @@
           <a:p>
             <a:fld id="{3319E406-D71E-4EEB-850C-C98DB5AEA354}" type="datetime1">
               <a:rPr lang="en-US" smtClean="0"/>
-              <a:t>9/5/2019</a:t>
+              <a:t>8/30/2020</a:t>
             </a:fld>
             <a:endParaRPr lang="en-US" dirty="0"/>
           </a:p>
@@ -11964,7 +11948,7 @@
           <a:p>
             <a:fld id="{D7451AA9-33D0-4C2D-A917-32E2781899C0}" type="datetime1">
               <a:rPr lang="en-US" smtClean="0"/>
-              <a:t>9/5/2019</a:t>
+              <a:t>8/30/2020</a:t>
             </a:fld>
             <a:endParaRPr lang="en-US" dirty="0"/>
           </a:p>
@@ -12079,10 +12063,9 @@
           </a:lstStyle>
           <a:p>
             <a:r>
-              <a:rPr lang="en-US" smtClean="0"/>
+              <a:rPr lang="en-US"/>
               <a:t>Click to edit Master title style</a:t>
             </a:r>
-            <a:endParaRPr lang="en-US"/>
           </a:p>
         </p:txBody>
       </p:sp>
@@ -12136,38 +12119,37 @@
           <a:p>
             <a:pPr lvl="0"/>
             <a:r>
-              <a:rPr lang="en-US" smtClean="0"/>
+              <a:rPr lang="en-US"/>
               <a:t>Edit Master text styles</a:t>
             </a:r>
           </a:p>
           <a:p>
             <a:pPr lvl="1"/>
             <a:r>
-              <a:rPr lang="en-US" smtClean="0"/>
+              <a:rPr lang="en-US"/>
               <a:t>Second level</a:t>
             </a:r>
           </a:p>
           <a:p>
             <a:pPr lvl="2"/>
             <a:r>
-              <a:rPr lang="en-US" smtClean="0"/>
+              <a:rPr lang="en-US"/>
               <a:t>Third level</a:t>
             </a:r>
           </a:p>
           <a:p>
             <a:pPr lvl="3"/>
             <a:r>
-              <a:rPr lang="en-US" smtClean="0"/>
+              <a:rPr lang="en-US"/>
               <a:t>Fourth level</a:t>
             </a:r>
           </a:p>
           <a:p>
             <a:pPr lvl="4"/>
             <a:r>
-              <a:rPr lang="en-US" smtClean="0"/>
+              <a:rPr lang="en-US"/>
               <a:t>Fifth level</a:t>
             </a:r>
-            <a:endParaRPr lang="en-US"/>
           </a:p>
         </p:txBody>
       </p:sp>
@@ -12230,7 +12212,7 @@
           <a:p>
             <a:pPr lvl="0"/>
             <a:r>
-              <a:rPr lang="en-US" smtClean="0"/>
+              <a:rPr lang="en-US"/>
               <a:t>Edit Master text styles</a:t>
             </a:r>
           </a:p>
@@ -12259,7 +12241,7 @@
           <a:p>
             <a:fld id="{DD31E3FF-C33A-4B78-819E-E64880EE8183}" type="datetime1">
               <a:rPr lang="en-US" smtClean="0"/>
-              <a:t>9/5/2019</a:t>
+              <a:t>8/30/2020</a:t>
             </a:fld>
             <a:endParaRPr lang="en-US" dirty="0"/>
           </a:p>
@@ -12374,10 +12356,9 @@
           </a:lstStyle>
           <a:p>
             <a:r>
-              <a:rPr lang="en-US" smtClean="0"/>
+              <a:rPr lang="en-US"/>
               <a:t>Click to edit Master title style</a:t>
             </a:r>
-            <a:endParaRPr lang="en-US"/>
           </a:p>
         </p:txBody>
       </p:sp>
@@ -12440,7 +12421,7 @@
           <a:p>
             <a:pPr lvl="0"/>
             <a:r>
-              <a:rPr lang="en-US" noProof="0" dirty="0" smtClean="0"/>
+              <a:rPr lang="en-US" noProof="0" dirty="0"/>
               <a:t>Click icon to add picture</a:t>
             </a:r>
           </a:p>
@@ -12505,7 +12486,7 @@
           <a:p>
             <a:pPr lvl="0"/>
             <a:r>
-              <a:rPr lang="en-US" smtClean="0"/>
+              <a:rPr lang="en-US"/>
               <a:t>Edit Master text styles</a:t>
             </a:r>
           </a:p>
@@ -12534,7 +12515,7 @@
           <a:p>
             <a:fld id="{87E69290-F738-44BE-AD13-1000CF75D719}" type="datetime1">
               <a:rPr lang="en-US" smtClean="0"/>
-              <a:t>9/5/2019</a:t>
+              <a:t>8/30/2020</a:t>
             </a:fld>
             <a:endParaRPr lang="en-US" dirty="0"/>
           </a:p>
@@ -12686,7 +12667,7 @@
           <a:p>
             <a:pPr lvl="0"/>
             <a:r>
-              <a:rPr lang="en-US" smtClean="0"/>
+              <a:rPr lang="en-US"/>
               <a:t>Click to edit Master title style</a:t>
             </a:r>
           </a:p>
@@ -12744,35 +12725,35 @@
           <a:p>
             <a:pPr lvl="0"/>
             <a:r>
-              <a:rPr lang="en-US" smtClean="0"/>
+              <a:rPr lang="en-US"/>
               <a:t>Edit Master text styles</a:t>
             </a:r>
           </a:p>
           <a:p>
             <a:pPr lvl="1"/>
             <a:r>
-              <a:rPr lang="en-US" smtClean="0"/>
+              <a:rPr lang="en-US"/>
               <a:t>Second level</a:t>
             </a:r>
           </a:p>
           <a:p>
             <a:pPr lvl="2"/>
             <a:r>
-              <a:rPr lang="en-US" smtClean="0"/>
+              <a:rPr lang="en-US"/>
               <a:t>Third level</a:t>
             </a:r>
           </a:p>
           <a:p>
             <a:pPr lvl="3"/>
             <a:r>
-              <a:rPr lang="en-US" smtClean="0"/>
+              <a:rPr lang="en-US"/>
               <a:t>Fourth level</a:t>
             </a:r>
           </a:p>
           <a:p>
             <a:pPr lvl="4"/>
             <a:r>
-              <a:rPr lang="en-US" smtClean="0"/>
+              <a:rPr lang="en-US"/>
               <a:t>Fifth level</a:t>
             </a:r>
           </a:p>
@@ -12821,7 +12802,7 @@
           <a:p>
             <a:fld id="{D5D0FA23-5092-496E-8318-BD0C0E195D54}" type="datetime1">
               <a:rPr lang="en-US" smtClean="0"/>
-              <a:t>9/5/2019</a:t>
+              <a:t>8/30/2020</a:t>
             </a:fld>
             <a:endParaRPr lang="en-US" dirty="0"/>
           </a:p>
@@ -21887,10 +21868,9 @@
           <a:lstStyle/>
           <a:p>
             <a:r>
-              <a:rPr lang="en-US" dirty="0" smtClean="0"/>
+              <a:rPr lang="en-US" dirty="0"/>
               <a:t>Command Line Programming in Python</a:t>
             </a:r>
-            <a:endParaRPr lang="en-US" dirty="0"/>
           </a:p>
         </p:txBody>
       </p:sp>
@@ -21910,10 +21890,9 @@
           <a:lstStyle/>
           <a:p>
             <a:r>
-              <a:rPr lang="en-US" dirty="0" smtClean="0"/>
+              <a:rPr lang="en-US" dirty="0"/>
               <a:t>James R. Bradley</a:t>
             </a:r>
-            <a:endParaRPr lang="en-US" dirty="0"/>
           </a:p>
         </p:txBody>
       </p:sp>
@@ -21927,13 +21906,6 @@
   <p:clrMapOvr>
     <a:masterClrMapping/>
   </p:clrMapOvr>
-  <p:timing>
-    <p:tnLst>
-      <p:par>
-        <p:cTn id="1" dur="indefinite" restart="never" nodeType="tmRoot"/>
-      </p:par>
-    </p:tnLst>
-  </p:timing>
 </p:sld>
 </file>
 
@@ -21970,10 +21942,9 @@
           <a:lstStyle/>
           <a:p>
             <a:r>
-              <a:rPr lang="en-US" dirty="0" smtClean="0"/>
+              <a:rPr lang="en-US" dirty="0"/>
               <a:t>Anaconda Command Line</a:t>
             </a:r>
-            <a:endParaRPr lang="en-US" dirty="0"/>
           </a:p>
         </p:txBody>
       </p:sp>
@@ -21993,11 +21964,11 @@
           <a:lstStyle/>
           <a:p>
             <a:r>
-              <a:rPr lang="en-US" dirty="0" smtClean="0"/>
+              <a:rPr lang="en-US" dirty="0"/>
               <a:t>You’ll be using the Anaconda command line to create </a:t>
             </a:r>
             <a:r>
-              <a:rPr lang="en-US" i="1" u="sng" dirty="0" smtClean="0"/>
+              <a:rPr lang="en-US" i="1" u="sng" dirty="0"/>
               <a:t>environments</a:t>
             </a:r>
           </a:p>
@@ -22013,24 +21984,30 @@
           </a:p>
           <a:p>
             <a:r>
-              <a:rPr lang="en-US" dirty="0" smtClean="0"/>
-              <a:t>An environment is a collection of Python packages appropriate for particular applications</a:t>
+              <a:rPr lang="en-US" dirty="0"/>
+              <a:t>Environment </a:t>
             </a:r>
           </a:p>
           <a:p>
             <a:pPr lvl="1"/>
             <a:r>
-              <a:rPr lang="en-US" dirty="0" smtClean="0"/>
+              <a:rPr lang="en-US" dirty="0"/>
+              <a:t>A collection of Python packages appropriate for particular programming applications</a:t>
+            </a:r>
+          </a:p>
+          <a:p>
+            <a:pPr lvl="2"/>
+            <a:r>
+              <a:rPr lang="en-US" dirty="0"/>
               <a:t>E.g., neural networks</a:t>
             </a:r>
           </a:p>
           <a:p>
-            <a:pPr lvl="1"/>
-            <a:r>
-              <a:rPr lang="en-US" dirty="0" smtClean="0"/>
+            <a:pPr lvl="2"/>
+            <a:r>
+              <a:rPr lang="en-US" dirty="0"/>
               <a:t>Each program could require different packages</a:t>
             </a:r>
-            <a:endParaRPr lang="en-US" dirty="0"/>
           </a:p>
         </p:txBody>
       </p:sp>
@@ -22067,13 +22044,6 @@
   <p:clrMapOvr>
     <a:masterClrMapping/>
   </p:clrMapOvr>
-  <p:timing>
-    <p:tnLst>
-      <p:par>
-        <p:cTn id="1" dur="indefinite" restart="never" nodeType="tmRoot"/>
-      </p:par>
-    </p:tnLst>
-  </p:timing>
 </p:sld>
 </file>
 
@@ -22110,10 +22080,9 @@
           <a:lstStyle/>
           <a:p>
             <a:r>
-              <a:rPr lang="en-US" dirty="0" smtClean="0"/>
+              <a:rPr lang="en-US" dirty="0"/>
               <a:t>DOS Command Prompt</a:t>
             </a:r>
-            <a:endParaRPr lang="en-US" dirty="0"/>
           </a:p>
         </p:txBody>
       </p:sp>
@@ -22138,10 +22107,9 @@
           <a:lstStyle/>
           <a:p>
             <a:r>
-              <a:rPr lang="en-US" dirty="0" smtClean="0"/>
+              <a:rPr lang="en-US" dirty="0"/>
               <a:t>Open DOS command prompt window</a:t>
             </a:r>
-            <a:endParaRPr lang="en-US" dirty="0"/>
           </a:p>
         </p:txBody>
       </p:sp>
@@ -22247,13 +22215,6 @@
   <p:clrMapOvr>
     <a:masterClrMapping/>
   </p:clrMapOvr>
-  <p:timing>
-    <p:tnLst>
-      <p:par>
-        <p:cTn id="1" dur="indefinite" restart="never" nodeType="tmRoot"/>
-      </p:par>
-    </p:tnLst>
-  </p:timing>
 </p:sld>
 </file>
 
@@ -22290,10 +22251,9 @@
           <a:lstStyle/>
           <a:p>
             <a:r>
-              <a:rPr lang="en-US" dirty="0" smtClean="0"/>
+              <a:rPr lang="en-US" dirty="0"/>
               <a:t>Frequent DOS Commands</a:t>
             </a:r>
-            <a:endParaRPr lang="en-US" dirty="0"/>
           </a:p>
         </p:txBody>
       </p:sp>
@@ -22389,13 +22349,7 @@
               <a:rPr lang="en-US" dirty="0">
                 <a:hlinkClick r:id="rId3"/>
               </a:rPr>
-              <a:t>Command Line </a:t>
-            </a:r>
-            <a:r>
-              <a:rPr lang="en-US" dirty="0" smtClean="0">
-                <a:hlinkClick r:id="rId3"/>
-              </a:rPr>
-              <a:t>Cheatsheet</a:t>
+              <a:t>Command Line Cheatsheet</a:t>
             </a:r>
             <a:endParaRPr lang="en-US" dirty="0"/>
           </a:p>
@@ -22411,13 +22365,6 @@
   <p:clrMapOvr>
     <a:masterClrMapping/>
   </p:clrMapOvr>
-  <p:timing>
-    <p:tnLst>
-      <p:par>
-        <p:cTn id="1" dur="indefinite" restart="never" nodeType="tmRoot"/>
-      </p:par>
-    </p:tnLst>
-  </p:timing>
 </p:sld>
 </file>
 
@@ -22454,10 +22401,9 @@
           <a:lstStyle/>
           <a:p>
             <a:r>
-              <a:rPr lang="en-US" dirty="0" smtClean="0"/>
+              <a:rPr lang="en-US" dirty="0"/>
               <a:t>Key Command Line Commands</a:t>
             </a:r>
-            <a:endParaRPr lang="en-US" dirty="0"/>
           </a:p>
         </p:txBody>
       </p:sp>
@@ -22570,16 +22516,12 @@
             <a:lstStyle/>
             <a:p>
               <a:r>
-                <a:rPr lang="en-US" dirty="0" smtClean="0">
+                <a:rPr lang="en-US" dirty="0">
                   <a:latin typeface="Courier New" panose="02070309020205020404" pitchFamily="49" charset="0"/>
                   <a:cs typeface="Courier New" panose="02070309020205020404" pitchFamily="49" charset="0"/>
                 </a:rPr>
                 <a:t>c:</a:t>
               </a:r>
-              <a:endParaRPr lang="en-US" dirty="0">
-                <a:latin typeface="Courier New" panose="02070309020205020404" pitchFamily="49" charset="0"/>
-                <a:cs typeface="Courier New" panose="02070309020205020404" pitchFamily="49" charset="0"/>
-              </a:endParaRPr>
             </a:p>
           </p:txBody>
         </p:sp>
@@ -22665,16 +22607,12 @@
               <a:lstStyle/>
               <a:p>
                 <a:r>
-                  <a:rPr lang="en-US" dirty="0" smtClean="0">
+                  <a:rPr lang="en-US" dirty="0">
                     <a:latin typeface="Courier New" panose="02070309020205020404" pitchFamily="49" charset="0"/>
                     <a:cs typeface="Courier New" panose="02070309020205020404" pitchFamily="49" charset="0"/>
                   </a:rPr>
                   <a:t>c:\users</a:t>
                 </a:r>
-                <a:endParaRPr lang="en-US" dirty="0">
-                  <a:latin typeface="Courier New" panose="02070309020205020404" pitchFamily="49" charset="0"/>
-                  <a:cs typeface="Courier New" panose="02070309020205020404" pitchFamily="49" charset="0"/>
-                </a:endParaRPr>
               </a:p>
             </p:txBody>
           </p:sp>
@@ -22746,29 +22684,25 @@
               <a:lstStyle/>
               <a:p>
                 <a:r>
-                  <a:rPr lang="en-US" sz="1100" dirty="0" smtClean="0">
+                  <a:rPr lang="en-US" sz="1100" dirty="0">
                     <a:latin typeface="Courier New" panose="02070309020205020404" pitchFamily="49" charset="0"/>
                     <a:cs typeface="Courier New" panose="02070309020205020404" pitchFamily="49" charset="0"/>
                   </a:rPr>
                   <a:t>C:\</a:t>
                 </a:r>
                 <a:br>
-                  <a:rPr lang="en-US" sz="1100" dirty="0" smtClean="0">
+                  <a:rPr lang="en-US" sz="1100" dirty="0">
                     <a:latin typeface="Courier New" panose="02070309020205020404" pitchFamily="49" charset="0"/>
                     <a:cs typeface="Courier New" panose="02070309020205020404" pitchFamily="49" charset="0"/>
                   </a:rPr>
                 </a:br>
                 <a:r>
-                  <a:rPr lang="en-US" sz="1100" dirty="0" smtClean="0">
+                  <a:rPr lang="en-US" sz="1100" dirty="0">
                     <a:latin typeface="Courier New" panose="02070309020205020404" pitchFamily="49" charset="0"/>
                     <a:cs typeface="Courier New" panose="02070309020205020404" pitchFamily="49" charset="0"/>
                   </a:rPr>
                   <a:t>Program Files</a:t>
                 </a:r>
-                <a:endParaRPr lang="en-US" sz="1100" dirty="0">
-                  <a:latin typeface="Courier New" panose="02070309020205020404" pitchFamily="49" charset="0"/>
-                  <a:cs typeface="Courier New" panose="02070309020205020404" pitchFamily="49" charset="0"/>
-                </a:endParaRPr>
               </a:p>
             </p:txBody>
           </p:sp>
@@ -22841,29 +22775,25 @@
             <a:lstStyle/>
             <a:p>
               <a:r>
-                <a:rPr lang="en-US" dirty="0" smtClean="0">
+                <a:rPr lang="en-US" dirty="0">
                   <a:latin typeface="Courier New" panose="02070309020205020404" pitchFamily="49" charset="0"/>
                   <a:cs typeface="Courier New" panose="02070309020205020404" pitchFamily="49" charset="0"/>
                 </a:rPr>
                 <a:t>c:\users</a:t>
               </a:r>
               <a:br>
-                <a:rPr lang="en-US" dirty="0" smtClean="0">
+                <a:rPr lang="en-US" dirty="0">
                   <a:latin typeface="Courier New" panose="02070309020205020404" pitchFamily="49" charset="0"/>
                   <a:cs typeface="Courier New" panose="02070309020205020404" pitchFamily="49" charset="0"/>
                 </a:rPr>
               </a:br>
               <a:r>
-                <a:rPr lang="en-US" dirty="0" smtClean="0">
+                <a:rPr lang="en-US" dirty="0">
                   <a:latin typeface="Courier New" panose="02070309020205020404" pitchFamily="49" charset="0"/>
                   <a:cs typeface="Courier New" panose="02070309020205020404" pitchFamily="49" charset="0"/>
                 </a:rPr>
                 <a:t>\jrbrad</a:t>
               </a:r>
-              <a:endParaRPr lang="en-US" dirty="0">
-                <a:latin typeface="Courier New" panose="02070309020205020404" pitchFamily="49" charset="0"/>
-                <a:cs typeface="Courier New" panose="02070309020205020404" pitchFamily="49" charset="0"/>
-              </a:endParaRPr>
             </a:p>
           </p:txBody>
         </p:sp>
@@ -22993,16 +22923,12 @@
           <a:lstStyle/>
           <a:p>
             <a:r>
-              <a:rPr lang="en-US" dirty="0" smtClean="0">
+              <a:rPr lang="en-US" dirty="0">
                 <a:latin typeface="Courier New" panose="02070309020205020404" pitchFamily="49" charset="0"/>
                 <a:cs typeface="Courier New" panose="02070309020205020404" pitchFamily="49" charset="0"/>
               </a:rPr>
               <a:t>cd jrbrad</a:t>
             </a:r>
-            <a:endParaRPr lang="en-US" dirty="0">
-              <a:latin typeface="Courier New" panose="02070309020205020404" pitchFamily="49" charset="0"/>
-              <a:cs typeface="Courier New" panose="02070309020205020404" pitchFamily="49" charset="0"/>
-            </a:endParaRPr>
           </a:p>
         </p:txBody>
       </p:sp>
@@ -23069,16 +22995,12 @@
           <a:lstStyle/>
           <a:p>
             <a:r>
-              <a:rPr lang="en-US" dirty="0" smtClean="0">
+              <a:rPr lang="en-US" dirty="0">
                 <a:latin typeface="Courier New" panose="02070309020205020404" pitchFamily="49" charset="0"/>
                 <a:cs typeface="Courier New" panose="02070309020205020404" pitchFamily="49" charset="0"/>
               </a:rPr>
               <a:t>cd ..</a:t>
             </a:r>
-            <a:endParaRPr lang="en-US" dirty="0">
-              <a:latin typeface="Courier New" panose="02070309020205020404" pitchFamily="49" charset="0"/>
-              <a:cs typeface="Courier New" panose="02070309020205020404" pitchFamily="49" charset="0"/>
-            </a:endParaRPr>
           </a:p>
         </p:txBody>
       </p:sp>
@@ -23105,16 +23027,12 @@
           <a:lstStyle/>
           <a:p>
             <a:r>
-              <a:rPr lang="en-US" dirty="0" smtClean="0">
+              <a:rPr lang="en-US" dirty="0">
                 <a:latin typeface="Courier New" panose="02070309020205020404" pitchFamily="49" charset="0"/>
                 <a:cs typeface="Courier New" panose="02070309020205020404" pitchFamily="49" charset="0"/>
               </a:rPr>
               <a:t>cd \</a:t>
             </a:r>
-            <a:endParaRPr lang="en-US" dirty="0">
-              <a:latin typeface="Courier New" panose="02070309020205020404" pitchFamily="49" charset="0"/>
-              <a:cs typeface="Courier New" panose="02070309020205020404" pitchFamily="49" charset="0"/>
-            </a:endParaRPr>
           </a:p>
         </p:txBody>
       </p:sp>
@@ -23225,23 +23143,19 @@
           <a:lstStyle/>
           <a:p>
             <a:r>
-              <a:rPr lang="en-US" dirty="0" smtClean="0">
+              <a:rPr lang="en-US" dirty="0">
                 <a:latin typeface="+mn-lt"/>
                 <a:cs typeface="Courier New" panose="02070309020205020404" pitchFamily="49" charset="0"/>
               </a:rPr>
               <a:t>(from other drives) </a:t>
             </a:r>
             <a:r>
-              <a:rPr lang="en-US" dirty="0" smtClean="0">
+              <a:rPr lang="en-US" dirty="0">
                 <a:latin typeface="Courier New" panose="02070309020205020404" pitchFamily="49" charset="0"/>
                 <a:cs typeface="Courier New" panose="02070309020205020404" pitchFamily="49" charset="0"/>
               </a:rPr>
               <a:t>c:</a:t>
             </a:r>
-            <a:endParaRPr lang="en-US" dirty="0">
-              <a:latin typeface="Courier New" panose="02070309020205020404" pitchFamily="49" charset="0"/>
-              <a:cs typeface="Courier New" panose="02070309020205020404" pitchFamily="49" charset="0"/>
-            </a:endParaRPr>
           </a:p>
         </p:txBody>
       </p:sp>
@@ -23255,13 +23169,6 @@
   <p:clrMapOvr>
     <a:masterClrMapping/>
   </p:clrMapOvr>
-  <p:timing>
-    <p:tnLst>
-      <p:par>
-        <p:cTn id="1" dur="indefinite" restart="never" nodeType="tmRoot"/>
-      </p:par>
-    </p:tnLst>
-  </p:timing>
 </p:sld>
 </file>
 
@@ -23298,10 +23205,9 @@
           <a:lstStyle/>
           <a:p>
             <a:r>
-              <a:rPr lang="en-US" dirty="0" smtClean="0"/>
+              <a:rPr lang="en-US" dirty="0"/>
               <a:t>Key Command Line Commands</a:t>
             </a:r>
-            <a:endParaRPr lang="en-US" dirty="0"/>
           </a:p>
         </p:txBody>
       </p:sp>
@@ -23414,16 +23320,12 @@
             <a:lstStyle/>
             <a:p>
               <a:r>
-                <a:rPr lang="en-US" dirty="0" smtClean="0">
+                <a:rPr lang="en-US" dirty="0">
                   <a:latin typeface="Courier New" panose="02070309020205020404" pitchFamily="49" charset="0"/>
                   <a:cs typeface="Courier New" panose="02070309020205020404" pitchFamily="49" charset="0"/>
                 </a:rPr>
                 <a:t>c:</a:t>
               </a:r>
-              <a:endParaRPr lang="en-US" dirty="0">
-                <a:latin typeface="Courier New" panose="02070309020205020404" pitchFamily="49" charset="0"/>
-                <a:cs typeface="Courier New" panose="02070309020205020404" pitchFamily="49" charset="0"/>
-              </a:endParaRPr>
             </a:p>
           </p:txBody>
         </p:sp>
@@ -23509,16 +23411,12 @@
               <a:lstStyle/>
               <a:p>
                 <a:r>
-                  <a:rPr lang="en-US" dirty="0" smtClean="0">
+                  <a:rPr lang="en-US" dirty="0">
                     <a:latin typeface="Courier New" panose="02070309020205020404" pitchFamily="49" charset="0"/>
                     <a:cs typeface="Courier New" panose="02070309020205020404" pitchFamily="49" charset="0"/>
                   </a:rPr>
                   <a:t>C:\users</a:t>
                 </a:r>
-                <a:endParaRPr lang="en-US" dirty="0">
-                  <a:latin typeface="Courier New" panose="02070309020205020404" pitchFamily="49" charset="0"/>
-                  <a:cs typeface="Courier New" panose="02070309020205020404" pitchFamily="49" charset="0"/>
-                </a:endParaRPr>
               </a:p>
             </p:txBody>
           </p:sp>
@@ -23590,29 +23488,25 @@
               <a:lstStyle/>
               <a:p>
                 <a:r>
-                  <a:rPr lang="en-US" sz="1100" dirty="0" smtClean="0">
+                  <a:rPr lang="en-US" sz="1100" dirty="0">
                     <a:latin typeface="Courier New" panose="02070309020205020404" pitchFamily="49" charset="0"/>
                     <a:cs typeface="Courier New" panose="02070309020205020404" pitchFamily="49" charset="0"/>
                   </a:rPr>
                   <a:t>C:\</a:t>
                 </a:r>
                 <a:br>
-                  <a:rPr lang="en-US" sz="1100" dirty="0" smtClean="0">
+                  <a:rPr lang="en-US" sz="1100" dirty="0">
                     <a:latin typeface="Courier New" panose="02070309020205020404" pitchFamily="49" charset="0"/>
                     <a:cs typeface="Courier New" panose="02070309020205020404" pitchFamily="49" charset="0"/>
                   </a:rPr>
                 </a:br>
                 <a:r>
-                  <a:rPr lang="en-US" sz="1100" dirty="0" smtClean="0">
+                  <a:rPr lang="en-US" sz="1100" dirty="0">
                     <a:latin typeface="Courier New" panose="02070309020205020404" pitchFamily="49" charset="0"/>
                     <a:cs typeface="Courier New" panose="02070309020205020404" pitchFamily="49" charset="0"/>
                   </a:rPr>
                   <a:t>Program Files</a:t>
                 </a:r>
-                <a:endParaRPr lang="en-US" sz="1100" dirty="0">
-                  <a:latin typeface="Courier New" panose="02070309020205020404" pitchFamily="49" charset="0"/>
-                  <a:cs typeface="Courier New" panose="02070309020205020404" pitchFamily="49" charset="0"/>
-                </a:endParaRPr>
               </a:p>
             </p:txBody>
           </p:sp>
@@ -23685,29 +23579,25 @@
             <a:lstStyle/>
             <a:p>
               <a:r>
-                <a:rPr lang="en-US" dirty="0" smtClean="0">
+                <a:rPr lang="en-US" dirty="0">
                   <a:latin typeface="Courier New" panose="02070309020205020404" pitchFamily="49" charset="0"/>
                   <a:cs typeface="Courier New" panose="02070309020205020404" pitchFamily="49" charset="0"/>
                 </a:rPr>
                 <a:t>C:\users</a:t>
               </a:r>
               <a:br>
-                <a:rPr lang="en-US" dirty="0" smtClean="0">
+                <a:rPr lang="en-US" dirty="0">
                   <a:latin typeface="Courier New" panose="02070309020205020404" pitchFamily="49" charset="0"/>
                   <a:cs typeface="Courier New" panose="02070309020205020404" pitchFamily="49" charset="0"/>
                 </a:rPr>
               </a:br>
               <a:r>
-                <a:rPr lang="en-US" dirty="0" smtClean="0">
+                <a:rPr lang="en-US" dirty="0">
                   <a:latin typeface="Courier New" panose="02070309020205020404" pitchFamily="49" charset="0"/>
                   <a:cs typeface="Courier New" panose="02070309020205020404" pitchFamily="49" charset="0"/>
                 </a:rPr>
                 <a:t>\jrbrad</a:t>
               </a:r>
-              <a:endParaRPr lang="en-US" dirty="0">
-                <a:latin typeface="Courier New" panose="02070309020205020404" pitchFamily="49" charset="0"/>
-                <a:cs typeface="Courier New" panose="02070309020205020404" pitchFamily="49" charset="0"/>
-              </a:endParaRPr>
             </a:p>
           </p:txBody>
         </p:sp>
@@ -23841,19 +23731,8 @@
                 <a:latin typeface="Courier New" panose="02070309020205020404" pitchFamily="49" charset="0"/>
                 <a:cs typeface="Courier New" panose="02070309020205020404" pitchFamily="49" charset="0"/>
               </a:rPr>
-              <a:t>m</a:t>
-            </a:r>
-            <a:r>
-              <a:rPr lang="en-US" dirty="0" smtClean="0">
-                <a:latin typeface="Courier New" panose="02070309020205020404" pitchFamily="49" charset="0"/>
-                <a:cs typeface="Courier New" panose="02070309020205020404" pitchFamily="49" charset="0"/>
-              </a:rPr>
-              <a:t>kdir ctba</a:t>
-            </a:r>
-            <a:endParaRPr lang="en-US" dirty="0">
-              <a:latin typeface="Courier New" panose="02070309020205020404" pitchFamily="49" charset="0"/>
-              <a:cs typeface="Courier New" panose="02070309020205020404" pitchFamily="49" charset="0"/>
-            </a:endParaRPr>
+              <a:t>mkdir ctba</a:t>
+            </a:r>
           </a:p>
         </p:txBody>
       </p:sp>
@@ -23994,16 +23873,12 @@
           <a:lstStyle/>
           <a:p>
             <a:r>
-              <a:rPr lang="en-US" dirty="0" smtClean="0">
+              <a:rPr lang="en-US" dirty="0">
                 <a:latin typeface="Courier New" panose="02070309020205020404" pitchFamily="49" charset="0"/>
                 <a:cs typeface="Courier New" panose="02070309020205020404" pitchFamily="49" charset="0"/>
               </a:rPr>
               <a:t>C:\ctba</a:t>
             </a:r>
-            <a:endParaRPr lang="en-US" dirty="0">
-              <a:latin typeface="Courier New" panose="02070309020205020404" pitchFamily="49" charset="0"/>
-              <a:cs typeface="Courier New" panose="02070309020205020404" pitchFamily="49" charset="0"/>
-            </a:endParaRPr>
           </a:p>
         </p:txBody>
       </p:sp>
@@ -24074,14 +23949,11 @@
           <a:lstStyle/>
           <a:p>
             <a:r>
-              <a:rPr lang="en-US" dirty="0" smtClean="0">
+              <a:rPr lang="en-US" dirty="0">
                 <a:latin typeface="+mn-lt"/>
               </a:rPr>
               <a:t>creates</a:t>
             </a:r>
-            <a:endParaRPr lang="en-US" dirty="0">
-              <a:latin typeface="+mn-lt"/>
-            </a:endParaRPr>
           </a:p>
         </p:txBody>
       </p:sp>
@@ -24095,13 +23967,6 @@
   <p:clrMapOvr>
     <a:masterClrMapping/>
   </p:clrMapOvr>
-  <p:timing>
-    <p:tnLst>
-      <p:par>
-        <p:cTn id="1" dur="indefinite" restart="never" nodeType="tmRoot"/>
-      </p:par>
-    </p:tnLst>
-  </p:timing>
 </p:sld>
 </file>
 
@@ -24143,10 +24008,9 @@
           <a:lstStyle/>
           <a:p>
             <a:r>
-              <a:rPr lang="en-US" dirty="0" smtClean="0"/>
+              <a:rPr lang="en-US" dirty="0"/>
               <a:t>Command Line Navigation Exercise</a:t>
             </a:r>
-            <a:endParaRPr lang="en-US" dirty="0"/>
           </a:p>
         </p:txBody>
       </p:sp>
@@ -24171,69 +24035,41 @@
           <a:lstStyle/>
           <a:p>
             <a:r>
-              <a:rPr lang="en-US" dirty="0" smtClean="0"/>
+              <a:rPr lang="en-US" dirty="0"/>
               <a:t>Download, and extract files from</a:t>
             </a:r>
           </a:p>
           <a:p>
             <a:pPr lvl="1"/>
-            <a:r>
-              <a:rPr lang="en-US" dirty="0" smtClean="0">
-                <a:hlinkClick r:id="rId2"/>
-              </a:rPr>
-              <a:t>https</a:t>
-            </a:r>
             <a:r>
               <a:rPr lang="en-US" dirty="0">
                 <a:hlinkClick r:id="rId2"/>
               </a:rPr>
-              <a:t>://github.com/jrb28/CommandLine</a:t>
-            </a:r>
-            <a:r>
-              <a:rPr lang="en-US" dirty="0" smtClean="0"/>
-              <a:t> </a:t>
+              <a:t>https://github.com/jrb28/CommandLine</a:t>
             </a:r>
             <a:r>
               <a:rPr lang="en-US" dirty="0"/>
-              <a:t>into </a:t>
-            </a:r>
-            <a:r>
-              <a:rPr lang="en-US" dirty="0" smtClean="0"/>
-              <a:t> …</a:t>
+              <a:t> into  …</a:t>
             </a:r>
           </a:p>
           <a:p>
             <a:pPr lvl="1"/>
-            <a:r>
-              <a:rPr lang="en-US" dirty="0" smtClean="0">
-                <a:latin typeface="Courier New" panose="02070309020205020404" pitchFamily="49" charset="0"/>
-                <a:cs typeface="Courier New" panose="02070309020205020404" pitchFamily="49" charset="0"/>
-              </a:rPr>
-              <a:t>C</a:t>
-            </a:r>
             <a:r>
               <a:rPr lang="en-US" dirty="0">
                 <a:latin typeface="Courier New" panose="02070309020205020404" pitchFamily="49" charset="0"/>
                 <a:cs typeface="Courier New" panose="02070309020205020404" pitchFamily="49" charset="0"/>
               </a:rPr>
-              <a:t>:\</a:t>
-            </a:r>
-            <a:r>
-              <a:rPr lang="en-US" dirty="0" smtClean="0">
-                <a:latin typeface="Courier New" panose="02070309020205020404" pitchFamily="49" charset="0"/>
-                <a:cs typeface="Courier New" panose="02070309020205020404" pitchFamily="49" charset="0"/>
-              </a:rPr>
-              <a:t>Users\</a:t>
-            </a:r>
-            <a:r>
-              <a:rPr lang="en-US" i="1" dirty="0" smtClean="0">
+              <a:t>C:\Users\</a:t>
+            </a:r>
+            <a:r>
+              <a:rPr lang="en-US" i="1" dirty="0">
                 <a:latin typeface="Courier New" panose="02070309020205020404" pitchFamily="49" charset="0"/>
                 <a:cs typeface="Courier New" panose="02070309020205020404" pitchFamily="49" charset="0"/>
               </a:rPr>
               <a:t>username</a:t>
             </a:r>
             <a:r>
-              <a:rPr lang="en-US" dirty="0" smtClean="0">
+              <a:rPr lang="en-US" dirty="0">
                 <a:latin typeface="Courier New" panose="02070309020205020404" pitchFamily="49" charset="0"/>
                 <a:cs typeface="Courier New" panose="02070309020205020404" pitchFamily="49" charset="0"/>
               </a:rPr>
@@ -24242,111 +24078,88 @@
           </a:p>
           <a:p>
             <a:r>
-              <a:rPr lang="en-US" dirty="0" smtClean="0"/>
-              <a:t>Navigate to </a:t>
-            </a:r>
-            <a:r>
               <a:rPr lang="en-US" dirty="0"/>
-              <a:t>the folder </a:t>
-            </a:r>
-            <a:r>
-              <a:rPr lang="en-US" dirty="0" smtClean="0"/>
-              <a:t>above at DOS command prompt </a:t>
-            </a:r>
-          </a:p>
-          <a:p>
-            <a:r>
-              <a:rPr lang="en-US" dirty="0" smtClean="0"/>
+              <a:t>Navigate to the folder above at DOS command prompt </a:t>
+            </a:r>
+          </a:p>
+          <a:p>
+            <a:r>
+              <a:rPr lang="en-US" dirty="0"/>
               <a:t>Move up one folder with </a:t>
             </a:r>
             <a:r>
-              <a:rPr lang="en-US" dirty="0" smtClean="0">
+              <a:rPr lang="en-US" dirty="0">
                 <a:latin typeface="Courier New" panose="02070309020205020404" pitchFamily="49" charset="0"/>
                 <a:cs typeface="Courier New" panose="02070309020205020404" pitchFamily="49" charset="0"/>
               </a:rPr>
               <a:t>cd ..</a:t>
             </a:r>
             <a:r>
-              <a:rPr lang="en-US" dirty="0" smtClean="0"/>
+              <a:rPr lang="en-US" dirty="0"/>
               <a:t>      </a:t>
             </a:r>
-            <a:endParaRPr lang="en-US" dirty="0" smtClean="0"/>
-          </a:p>
-          <a:p>
-            <a:r>
-              <a:rPr lang="en-US" dirty="0" smtClean="0"/>
+          </a:p>
+          <a:p>
+            <a:r>
+              <a:rPr lang="en-US" dirty="0"/>
               <a:t>Create </a:t>
             </a:r>
             <a:r>
-              <a:rPr lang="en-US" dirty="0" smtClean="0">
+              <a:rPr lang="en-US" dirty="0">
                 <a:latin typeface="Courier New" panose="02070309020205020404" pitchFamily="49" charset="0"/>
                 <a:cs typeface="Courier New" panose="02070309020205020404" pitchFamily="49" charset="0"/>
               </a:rPr>
               <a:t>cl</a:t>
             </a:r>
             <a:r>
-              <a:rPr lang="en-US" dirty="0" smtClean="0"/>
+              <a:rPr lang="en-US" dirty="0"/>
               <a:t> subfolder</a:t>
             </a:r>
           </a:p>
           <a:p>
             <a:pPr lvl="1"/>
             <a:r>
-              <a:rPr lang="en-US" dirty="0" smtClean="0">
+              <a:rPr lang="en-US" dirty="0">
                 <a:latin typeface="Courier New" panose="02070309020205020404" pitchFamily="49" charset="0"/>
                 <a:cs typeface="Courier New" panose="02070309020205020404" pitchFamily="49" charset="0"/>
               </a:rPr>
               <a:t>mkdir cl</a:t>
             </a:r>
             <a:r>
-              <a:rPr lang="en-US" dirty="0" smtClean="0"/>
+              <a:rPr lang="en-US" dirty="0"/>
               <a:t>     </a:t>
             </a:r>
           </a:p>
           <a:p>
             <a:pPr lvl="1"/>
             <a:r>
-              <a:rPr lang="en-US" dirty="0" smtClean="0">
+              <a:rPr lang="en-US" dirty="0">
                 <a:cs typeface="Courier New" panose="02070309020205020404" pitchFamily="49" charset="0"/>
               </a:rPr>
               <a:t>This creates </a:t>
-            </a:r>
-            <a:r>
-              <a:rPr lang="en-US" dirty="0" smtClean="0">
-                <a:latin typeface="Courier New" panose="02070309020205020404" pitchFamily="49" charset="0"/>
-                <a:cs typeface="Courier New" panose="02070309020205020404" pitchFamily="49" charset="0"/>
-              </a:rPr>
-              <a:t>C</a:t>
             </a:r>
             <a:r>
               <a:rPr lang="en-US" dirty="0">
                 <a:latin typeface="Courier New" panose="02070309020205020404" pitchFamily="49" charset="0"/>
                 <a:cs typeface="Courier New" panose="02070309020205020404" pitchFamily="49" charset="0"/>
               </a:rPr>
-              <a:t>:\</a:t>
-            </a:r>
-            <a:r>
-              <a:rPr lang="en-US" dirty="0" smtClean="0">
-                <a:latin typeface="Courier New" panose="02070309020205020404" pitchFamily="49" charset="0"/>
-                <a:cs typeface="Courier New" panose="02070309020205020404" pitchFamily="49" charset="0"/>
-              </a:rPr>
-              <a:t>Users\</a:t>
-            </a:r>
-            <a:r>
-              <a:rPr lang="en-US" i="1" dirty="0" smtClean="0">
+              <a:t>C:\Users\</a:t>
+            </a:r>
+            <a:r>
+              <a:rPr lang="en-US" i="1" dirty="0">
                 <a:latin typeface="Courier New" panose="02070309020205020404" pitchFamily="49" charset="0"/>
                 <a:cs typeface="Courier New" panose="02070309020205020404" pitchFamily="49" charset="0"/>
               </a:rPr>
               <a:t>username</a:t>
             </a:r>
             <a:r>
-              <a:rPr lang="en-US" dirty="0" smtClean="0">
+              <a:rPr lang="en-US" dirty="0">
                 <a:latin typeface="Courier New" panose="02070309020205020404" pitchFamily="49" charset="0"/>
                 <a:cs typeface="Courier New" panose="02070309020205020404" pitchFamily="49" charset="0"/>
               </a:rPr>
               <a:t>\cl</a:t>
             </a:r>
-            <a:endParaRPr lang="en-US" dirty="0" smtClean="0"/>
+            <a:endParaRPr lang="en-US" dirty="0"/>
           </a:p>
         </p:txBody>
       </p:sp>
@@ -24383,17 +24196,804 @@
   <p:clrMapOvr>
     <a:masterClrMapping/>
   </p:clrMapOvr>
-  <p:timing>
-    <p:tnLst>
-      <p:par>
-        <p:cTn id="1" dur="indefinite" restart="never" nodeType="tmRoot"/>
-      </p:par>
-    </p:tnLst>
-  </p:timing>
 </p:sld>
 </file>
 
 <file path=ppt/slides/slide16.xml><?xml version="1.0" encoding="utf-8"?>
+<p:sld xmlns:a="http://schemas.openxmlformats.org/drawingml/2006/main" xmlns:r="http://schemas.openxmlformats.org/officeDocument/2006/relationships" xmlns:p="http://schemas.openxmlformats.org/presentationml/2006/main">
+  <p:cSld>
+    <p:spTree>
+      <p:nvGrpSpPr>
+        <p:cNvPr id="1" name=""/>
+        <p:cNvGrpSpPr/>
+        <p:nvPr/>
+      </p:nvGrpSpPr>
+      <p:grpSpPr>
+        <a:xfrm>
+          <a:off x="0" y="0"/>
+          <a:ext cx="0" cy="0"/>
+          <a:chOff x="0" y="0"/>
+          <a:chExt cx="0" cy="0"/>
+        </a:xfrm>
+      </p:grpSpPr>
+      <p:sp>
+        <p:nvSpPr>
+          <p:cNvPr id="2" name="Title 1"/>
+          <p:cNvSpPr>
+            <a:spLocks noGrp="1"/>
+          </p:cNvSpPr>
+          <p:nvPr>
+            <p:ph type="title"/>
+          </p:nvPr>
+        </p:nvSpPr>
+        <p:spPr/>
+        <p:txBody>
+          <a:bodyPr/>
+          <a:lstStyle/>
+          <a:p>
+            <a:r>
+              <a:rPr lang="en-US" dirty="0"/>
+              <a:t>Key Command Line Commands</a:t>
+            </a:r>
+          </a:p>
+        </p:txBody>
+      </p:sp>
+      <p:sp>
+        <p:nvSpPr>
+          <p:cNvPr id="3" name="Content Placeholder 2"/>
+          <p:cNvSpPr>
+            <a:spLocks noGrp="1"/>
+          </p:cNvSpPr>
+          <p:nvPr>
+            <p:ph idx="1"/>
+          </p:nvPr>
+        </p:nvSpPr>
+        <p:spPr/>
+        <p:txBody>
+          <a:bodyPr/>
+          <a:lstStyle/>
+          <a:p>
+            <a:endParaRPr lang="en-US" dirty="0"/>
+          </a:p>
+        </p:txBody>
+      </p:sp>
+      <p:sp>
+        <p:nvSpPr>
+          <p:cNvPr id="4" name="Slide Number Placeholder 3"/>
+          <p:cNvSpPr>
+            <a:spLocks noGrp="1"/>
+          </p:cNvSpPr>
+          <p:nvPr>
+            <p:ph type="sldNum" sz="quarter" idx="12"/>
+          </p:nvPr>
+        </p:nvSpPr>
+        <p:spPr/>
+        <p:txBody>
+          <a:bodyPr/>
+          <a:lstStyle/>
+          <a:p>
+            <a:fld id="{4577FE26-ACD1-4964-932B-823877B1C5B5}" type="slidenum">
+              <a:rPr lang="en-US" smtClean="0"/>
+              <a:t>16</a:t>
+            </a:fld>
+            <a:endParaRPr lang="en-US" dirty="0"/>
+          </a:p>
+        </p:txBody>
+      </p:sp>
+      <p:pic>
+        <p:nvPicPr>
+          <p:cNvPr id="5" name="Picture 4" descr="Folder PNG image"/>
+          <p:cNvPicPr>
+            <a:picLocks noChangeAspect="1"/>
+          </p:cNvPicPr>
+          <p:nvPr/>
+        </p:nvPicPr>
+        <p:blipFill>
+          <a:blip r:embed="rId2" cstate="print">
+            <a:extLst>
+              <a:ext uri="{28A0092B-C50C-407E-A947-70E740481C1C}">
+                <a14:useLocalDpi xmlns:a14="http://schemas.microsoft.com/office/drawing/2010/main" val="0"/>
+              </a:ext>
+            </a:extLst>
+          </a:blip>
+          <a:stretch>
+            <a:fillRect/>
+          </a:stretch>
+        </p:blipFill>
+        <p:spPr>
+          <a:xfrm>
+            <a:off x="3499130" y="891131"/>
+            <a:ext cx="2261937" cy="2261937"/>
+          </a:xfrm>
+          <a:prstGeom prst="rect">
+            <a:avLst/>
+          </a:prstGeom>
+        </p:spPr>
+      </p:pic>
+      <p:pic>
+        <p:nvPicPr>
+          <p:cNvPr id="9" name="Picture 8" descr="Folder PNG image"/>
+          <p:cNvPicPr>
+            <a:picLocks noChangeAspect="1"/>
+          </p:cNvPicPr>
+          <p:nvPr/>
+        </p:nvPicPr>
+        <p:blipFill>
+          <a:blip r:embed="rId2" cstate="print">
+            <a:extLst>
+              <a:ext uri="{28A0092B-C50C-407E-A947-70E740481C1C}">
+                <a14:useLocalDpi xmlns:a14="http://schemas.microsoft.com/office/drawing/2010/main" val="0"/>
+              </a:ext>
+            </a:extLst>
+          </a:blip>
+          <a:stretch>
+            <a:fillRect/>
+          </a:stretch>
+        </p:blipFill>
+        <p:spPr>
+          <a:xfrm>
+            <a:off x="5349596" y="4076976"/>
+            <a:ext cx="2261937" cy="2261937"/>
+          </a:xfrm>
+          <a:prstGeom prst="rect">
+            <a:avLst/>
+          </a:prstGeom>
+        </p:spPr>
+      </p:pic>
+      <p:pic>
+        <p:nvPicPr>
+          <p:cNvPr id="12" name="Picture 11" descr="Folder PNG image"/>
+          <p:cNvPicPr>
+            <a:picLocks noChangeAspect="1"/>
+          </p:cNvPicPr>
+          <p:nvPr/>
+        </p:nvPicPr>
+        <p:blipFill>
+          <a:blip r:embed="rId2" cstate="print">
+            <a:extLst>
+              <a:ext uri="{28A0092B-C50C-407E-A947-70E740481C1C}">
+                <a14:useLocalDpi xmlns:a14="http://schemas.microsoft.com/office/drawing/2010/main" val="0"/>
+              </a:ext>
+            </a:extLst>
+          </a:blip>
+          <a:stretch>
+            <a:fillRect/>
+          </a:stretch>
+        </p:blipFill>
+        <p:spPr>
+          <a:xfrm>
+            <a:off x="1635960" y="4076976"/>
+            <a:ext cx="2261937" cy="2261937"/>
+          </a:xfrm>
+          <a:prstGeom prst="rect">
+            <a:avLst/>
+          </a:prstGeom>
+        </p:spPr>
+      </p:pic>
+      <p:cxnSp>
+        <p:nvCxnSpPr>
+          <p:cNvPr id="19" name="Elbow Connector 18"/>
+          <p:cNvCxnSpPr>
+            <a:cxnSpLocks/>
+            <a:stCxn id="5" idx="2"/>
+            <a:endCxn id="12" idx="0"/>
+          </p:cNvCxnSpPr>
+          <p:nvPr/>
+        </p:nvCxnSpPr>
+        <p:spPr>
+          <a:xfrm rot="5400000">
+            <a:off x="3236560" y="2683437"/>
+            <a:ext cx="923908" cy="1863170"/>
+          </a:xfrm>
+          <a:prstGeom prst="bentConnector3">
+            <a:avLst>
+              <a:gd name="adj1" fmla="val 50000"/>
+            </a:avLst>
+          </a:prstGeom>
+          <a:ln w="19050"/>
+        </p:spPr>
+        <p:style>
+          <a:lnRef idx="1">
+            <a:schemeClr val="accent1"/>
+          </a:lnRef>
+          <a:fillRef idx="0">
+            <a:schemeClr val="accent1"/>
+          </a:fillRef>
+          <a:effectRef idx="0">
+            <a:schemeClr val="accent1"/>
+          </a:effectRef>
+          <a:fontRef idx="minor">
+            <a:schemeClr val="tx1"/>
+          </a:fontRef>
+        </p:style>
+      </p:cxnSp>
+      <p:sp>
+        <p:nvSpPr>
+          <p:cNvPr id="28" name="TextBox 27">
+            <a:extLst>
+              <a:ext uri="{FF2B5EF4-FFF2-40B4-BE49-F238E27FC236}">
+                <a16:creationId xmlns:a16="http://schemas.microsoft.com/office/drawing/2014/main" id="{87E026F1-772D-4051-A790-4C5F3EB2F3EF}"/>
+              </a:ext>
+            </a:extLst>
+          </p:cNvPr>
+          <p:cNvSpPr txBox="1"/>
+          <p:nvPr/>
+        </p:nvSpPr>
+        <p:spPr>
+          <a:xfrm>
+            <a:off x="3729315" y="1693540"/>
+            <a:ext cx="1659429" cy="830997"/>
+          </a:xfrm>
+          <a:prstGeom prst="rect">
+            <a:avLst/>
+          </a:prstGeom>
+          <a:noFill/>
+        </p:spPr>
+        <p:txBody>
+          <a:bodyPr wrap="none" rtlCol="0">
+            <a:spAutoFit/>
+          </a:bodyPr>
+          <a:lstStyle/>
+          <a:p>
+            <a:r>
+              <a:rPr lang="en-US" sz="2400" dirty="0">
+                <a:latin typeface="Courier New" panose="02070309020205020404" pitchFamily="49" charset="0"/>
+                <a:cs typeface="Courier New" panose="02070309020205020404" pitchFamily="49" charset="0"/>
+              </a:rPr>
+              <a:t>C:\users</a:t>
+            </a:r>
+            <a:br>
+              <a:rPr lang="en-US" sz="2400" dirty="0">
+                <a:latin typeface="Courier New" panose="02070309020205020404" pitchFamily="49" charset="0"/>
+                <a:cs typeface="Courier New" panose="02070309020205020404" pitchFamily="49" charset="0"/>
+              </a:rPr>
+            </a:br>
+            <a:r>
+              <a:rPr lang="en-US" sz="2400" dirty="0">
+                <a:latin typeface="Courier New" panose="02070309020205020404" pitchFamily="49" charset="0"/>
+                <a:cs typeface="Courier New" panose="02070309020205020404" pitchFamily="49" charset="0"/>
+              </a:rPr>
+              <a:t>\jrbrad</a:t>
+            </a:r>
+          </a:p>
+        </p:txBody>
+      </p:sp>
+      <p:sp>
+        <p:nvSpPr>
+          <p:cNvPr id="29" name="TextBox 28">
+            <a:extLst>
+              <a:ext uri="{FF2B5EF4-FFF2-40B4-BE49-F238E27FC236}">
+                <a16:creationId xmlns:a16="http://schemas.microsoft.com/office/drawing/2014/main" id="{180A6258-29F6-404F-93C9-AF16EA298BB4}"/>
+              </a:ext>
+            </a:extLst>
+          </p:cNvPr>
+          <p:cNvSpPr txBox="1"/>
+          <p:nvPr/>
+        </p:nvSpPr>
+        <p:spPr>
+          <a:xfrm>
+            <a:off x="1915715" y="4738352"/>
+            <a:ext cx="1878690" cy="1200329"/>
+          </a:xfrm>
+          <a:prstGeom prst="rect">
+            <a:avLst/>
+          </a:prstGeom>
+          <a:noFill/>
+        </p:spPr>
+        <p:txBody>
+          <a:bodyPr wrap="square" rtlCol="0">
+            <a:spAutoFit/>
+          </a:bodyPr>
+          <a:lstStyle/>
+          <a:p>
+            <a:r>
+              <a:rPr lang="en-US" sz="2400" dirty="0">
+                <a:latin typeface="Courier New" panose="02070309020205020404" pitchFamily="49" charset="0"/>
+                <a:cs typeface="Courier New" panose="02070309020205020404" pitchFamily="49" charset="0"/>
+              </a:rPr>
+              <a:t>C:\users</a:t>
+            </a:r>
+            <a:br>
+              <a:rPr lang="en-US" sz="2400" dirty="0">
+                <a:latin typeface="Courier New" panose="02070309020205020404" pitchFamily="49" charset="0"/>
+                <a:cs typeface="Courier New" panose="02070309020205020404" pitchFamily="49" charset="0"/>
+              </a:rPr>
+            </a:br>
+            <a:r>
+              <a:rPr lang="en-US" sz="2400" dirty="0">
+                <a:latin typeface="Courier New" panose="02070309020205020404" pitchFamily="49" charset="0"/>
+                <a:cs typeface="Courier New" panose="02070309020205020404" pitchFamily="49" charset="0"/>
+              </a:rPr>
+              <a:t>\</a:t>
+            </a:r>
+            <a:r>
+              <a:rPr lang="en-US" sz="2400" dirty="0" err="1">
+                <a:latin typeface="Courier New" panose="02070309020205020404" pitchFamily="49" charset="0"/>
+                <a:cs typeface="Courier New" panose="02070309020205020404" pitchFamily="49" charset="0"/>
+              </a:rPr>
+              <a:t>jrbrad</a:t>
+            </a:r>
+            <a:r>
+              <a:rPr lang="en-US" sz="2400" dirty="0">
+                <a:latin typeface="Courier New" panose="02070309020205020404" pitchFamily="49" charset="0"/>
+                <a:cs typeface="Courier New" panose="02070309020205020404" pitchFamily="49" charset="0"/>
+              </a:rPr>
+              <a:t>\</a:t>
+            </a:r>
+            <a:br>
+              <a:rPr lang="en-US" sz="2400" dirty="0">
+                <a:latin typeface="Courier New" panose="02070309020205020404" pitchFamily="49" charset="0"/>
+                <a:cs typeface="Courier New" panose="02070309020205020404" pitchFamily="49" charset="0"/>
+              </a:rPr>
+            </a:br>
+            <a:r>
+              <a:rPr lang="en-US" sz="2400" dirty="0">
+                <a:latin typeface="Courier New" panose="02070309020205020404" pitchFamily="49" charset="0"/>
+                <a:cs typeface="Courier New" panose="02070309020205020404" pitchFamily="49" charset="0"/>
+              </a:rPr>
+              <a:t>downloads</a:t>
+            </a:r>
+          </a:p>
+        </p:txBody>
+      </p:sp>
+      <p:sp>
+        <p:nvSpPr>
+          <p:cNvPr id="30" name="TextBox 29">
+            <a:extLst>
+              <a:ext uri="{FF2B5EF4-FFF2-40B4-BE49-F238E27FC236}">
+                <a16:creationId xmlns:a16="http://schemas.microsoft.com/office/drawing/2014/main" id="{470F01D1-F258-4177-8B2B-67C6035BC0F1}"/>
+              </a:ext>
+            </a:extLst>
+          </p:cNvPr>
+          <p:cNvSpPr txBox="1"/>
+          <p:nvPr/>
+        </p:nvSpPr>
+        <p:spPr>
+          <a:xfrm>
+            <a:off x="5467043" y="4923017"/>
+            <a:ext cx="2073582" cy="830997"/>
+          </a:xfrm>
+          <a:prstGeom prst="rect">
+            <a:avLst/>
+          </a:prstGeom>
+          <a:noFill/>
+        </p:spPr>
+        <p:txBody>
+          <a:bodyPr wrap="square" rtlCol="0">
+            <a:spAutoFit/>
+          </a:bodyPr>
+          <a:lstStyle/>
+          <a:p>
+            <a:r>
+              <a:rPr lang="en-US" sz="2400" dirty="0">
+                <a:latin typeface="Courier New" panose="02070309020205020404" pitchFamily="49" charset="0"/>
+                <a:cs typeface="Courier New" panose="02070309020205020404" pitchFamily="49" charset="0"/>
+              </a:rPr>
+              <a:t>C:\users</a:t>
+            </a:r>
+            <a:br>
+              <a:rPr lang="en-US" sz="2400" dirty="0">
+                <a:latin typeface="Courier New" panose="02070309020205020404" pitchFamily="49" charset="0"/>
+                <a:cs typeface="Courier New" panose="02070309020205020404" pitchFamily="49" charset="0"/>
+              </a:rPr>
+            </a:br>
+            <a:r>
+              <a:rPr lang="en-US" sz="2400" dirty="0">
+                <a:latin typeface="Courier New" panose="02070309020205020404" pitchFamily="49" charset="0"/>
+                <a:cs typeface="Courier New" panose="02070309020205020404" pitchFamily="49" charset="0"/>
+              </a:rPr>
+              <a:t>\</a:t>
+            </a:r>
+            <a:r>
+              <a:rPr lang="en-US" sz="2400" dirty="0" err="1">
+                <a:latin typeface="Courier New" panose="02070309020205020404" pitchFamily="49" charset="0"/>
+                <a:cs typeface="Courier New" panose="02070309020205020404" pitchFamily="49" charset="0"/>
+              </a:rPr>
+              <a:t>jrbrad</a:t>
+            </a:r>
+            <a:r>
+              <a:rPr lang="en-US" sz="2400" dirty="0">
+                <a:latin typeface="Courier New" panose="02070309020205020404" pitchFamily="49" charset="0"/>
+                <a:cs typeface="Courier New" panose="02070309020205020404" pitchFamily="49" charset="0"/>
+              </a:rPr>
+              <a:t>\cl</a:t>
+            </a:r>
+          </a:p>
+        </p:txBody>
+      </p:sp>
+      <p:sp>
+        <p:nvSpPr>
+          <p:cNvPr id="32" name="Down Arrow 27">
+            <a:extLst>
+              <a:ext uri="{FF2B5EF4-FFF2-40B4-BE49-F238E27FC236}">
+                <a16:creationId xmlns:a16="http://schemas.microsoft.com/office/drawing/2014/main" id="{F4F885B2-B96F-4230-BB59-877BF0286602}"/>
+              </a:ext>
+            </a:extLst>
+          </p:cNvPr>
+          <p:cNvSpPr/>
+          <p:nvPr/>
+        </p:nvSpPr>
+        <p:spPr>
+          <a:xfrm flipV="1">
+            <a:off x="6910628" y="2695385"/>
+            <a:ext cx="149870" cy="621234"/>
+          </a:xfrm>
+          <a:prstGeom prst="downArrow">
+            <a:avLst/>
+          </a:prstGeom>
+        </p:spPr>
+        <p:style>
+          <a:lnRef idx="2">
+            <a:schemeClr val="accent1">
+              <a:shade val="50000"/>
+            </a:schemeClr>
+          </a:lnRef>
+          <a:fillRef idx="1">
+            <a:schemeClr val="accent1"/>
+          </a:fillRef>
+          <a:effectRef idx="0">
+            <a:schemeClr val="accent1"/>
+          </a:effectRef>
+          <a:fontRef idx="minor">
+            <a:schemeClr val="lt1"/>
+          </a:fontRef>
+        </p:style>
+        <p:txBody>
+          <a:bodyPr rtlCol="0" anchor="ctr"/>
+          <a:lstStyle/>
+          <a:p>
+            <a:pPr algn="ctr"/>
+            <a:endParaRPr lang="en-US" dirty="0"/>
+          </a:p>
+        </p:txBody>
+      </p:sp>
+      <p:sp>
+        <p:nvSpPr>
+          <p:cNvPr id="36" name="TextBox 35">
+            <a:extLst>
+              <a:ext uri="{FF2B5EF4-FFF2-40B4-BE49-F238E27FC236}">
+                <a16:creationId xmlns:a16="http://schemas.microsoft.com/office/drawing/2014/main" id="{2E834089-AA26-46D5-86C4-1AE5FFB6805B}"/>
+              </a:ext>
+            </a:extLst>
+          </p:cNvPr>
+          <p:cNvSpPr txBox="1"/>
+          <p:nvPr/>
+        </p:nvSpPr>
+        <p:spPr>
+          <a:xfrm>
+            <a:off x="6567067" y="3244334"/>
+            <a:ext cx="873957" cy="369332"/>
+          </a:xfrm>
+          <a:prstGeom prst="rect">
+            <a:avLst/>
+          </a:prstGeom>
+          <a:noFill/>
+        </p:spPr>
+        <p:txBody>
+          <a:bodyPr wrap="none" rtlCol="0">
+            <a:spAutoFit/>
+          </a:bodyPr>
+          <a:lstStyle/>
+          <a:p>
+            <a:r>
+              <a:rPr lang="en-US" dirty="0">
+                <a:latin typeface="Courier New" panose="02070309020205020404" pitchFamily="49" charset="0"/>
+                <a:cs typeface="Courier New" panose="02070309020205020404" pitchFamily="49" charset="0"/>
+              </a:rPr>
+              <a:t>cd ..</a:t>
+            </a:r>
+          </a:p>
+        </p:txBody>
+      </p:sp>
+      <p:sp>
+        <p:nvSpPr>
+          <p:cNvPr id="37" name="TextBox 36">
+            <a:extLst>
+              <a:ext uri="{FF2B5EF4-FFF2-40B4-BE49-F238E27FC236}">
+                <a16:creationId xmlns:a16="http://schemas.microsoft.com/office/drawing/2014/main" id="{42939C8F-E284-49BC-AE8D-D69C0BB183DA}"/>
+              </a:ext>
+            </a:extLst>
+          </p:cNvPr>
+          <p:cNvSpPr txBox="1"/>
+          <p:nvPr/>
+        </p:nvSpPr>
+        <p:spPr>
+          <a:xfrm>
+            <a:off x="5871057" y="2520514"/>
+            <a:ext cx="873957" cy="369332"/>
+          </a:xfrm>
+          <a:prstGeom prst="rect">
+            <a:avLst/>
+          </a:prstGeom>
+          <a:noFill/>
+        </p:spPr>
+        <p:txBody>
+          <a:bodyPr wrap="none" rtlCol="0">
+            <a:spAutoFit/>
+          </a:bodyPr>
+          <a:lstStyle/>
+          <a:p>
+            <a:r>
+              <a:rPr lang="en-US" dirty="0">
+                <a:latin typeface="Courier New" panose="02070309020205020404" pitchFamily="49" charset="0"/>
+                <a:cs typeface="Courier New" panose="02070309020205020404" pitchFamily="49" charset="0"/>
+              </a:rPr>
+              <a:t>cd cl</a:t>
+            </a:r>
+          </a:p>
+        </p:txBody>
+      </p:sp>
+      <p:sp>
+        <p:nvSpPr>
+          <p:cNvPr id="38" name="Down Arrow 32">
+            <a:extLst>
+              <a:ext uri="{FF2B5EF4-FFF2-40B4-BE49-F238E27FC236}">
+                <a16:creationId xmlns:a16="http://schemas.microsoft.com/office/drawing/2014/main" id="{BD3A172A-BC60-4701-B408-C7BCE76141BC}"/>
+              </a:ext>
+            </a:extLst>
+          </p:cNvPr>
+          <p:cNvSpPr/>
+          <p:nvPr/>
+        </p:nvSpPr>
+        <p:spPr>
+          <a:xfrm>
+            <a:off x="6220793" y="2839347"/>
+            <a:ext cx="149870" cy="542847"/>
+          </a:xfrm>
+          <a:prstGeom prst="downArrow">
+            <a:avLst/>
+          </a:prstGeom>
+        </p:spPr>
+        <p:style>
+          <a:lnRef idx="2">
+            <a:schemeClr val="accent1">
+              <a:shade val="50000"/>
+            </a:schemeClr>
+          </a:lnRef>
+          <a:fillRef idx="1">
+            <a:schemeClr val="accent1"/>
+          </a:fillRef>
+          <a:effectRef idx="0">
+            <a:schemeClr val="accent1"/>
+          </a:effectRef>
+          <a:fontRef idx="minor">
+            <a:schemeClr val="lt1"/>
+          </a:fontRef>
+        </p:style>
+        <p:txBody>
+          <a:bodyPr rtlCol="0" anchor="ctr"/>
+          <a:lstStyle/>
+          <a:p>
+            <a:pPr algn="ctr"/>
+            <a:endParaRPr lang="en-US" dirty="0"/>
+          </a:p>
+        </p:txBody>
+      </p:sp>
+      <p:cxnSp>
+        <p:nvCxnSpPr>
+          <p:cNvPr id="44" name="Elbow Connector 18">
+            <a:extLst>
+              <a:ext uri="{FF2B5EF4-FFF2-40B4-BE49-F238E27FC236}">
+                <a16:creationId xmlns:a16="http://schemas.microsoft.com/office/drawing/2014/main" id="{8B33C95C-3E25-4227-9335-21C830C77A45}"/>
+              </a:ext>
+            </a:extLst>
+          </p:cNvPr>
+          <p:cNvCxnSpPr>
+            <a:cxnSpLocks/>
+            <a:stCxn id="5" idx="2"/>
+            <a:endCxn id="9" idx="0"/>
+          </p:cNvCxnSpPr>
+          <p:nvPr/>
+        </p:nvCxnSpPr>
+        <p:spPr>
+          <a:xfrm rot="16200000" flipH="1">
+            <a:off x="5093378" y="2689789"/>
+            <a:ext cx="923908" cy="1850466"/>
+          </a:xfrm>
+          <a:prstGeom prst="bentConnector3">
+            <a:avLst>
+              <a:gd name="adj1" fmla="val 50000"/>
+            </a:avLst>
+          </a:prstGeom>
+          <a:ln w="19050"/>
+        </p:spPr>
+        <p:style>
+          <a:lnRef idx="1">
+            <a:schemeClr val="accent1"/>
+          </a:lnRef>
+          <a:fillRef idx="0">
+            <a:schemeClr val="accent1"/>
+          </a:fillRef>
+          <a:effectRef idx="0">
+            <a:schemeClr val="accent1"/>
+          </a:effectRef>
+          <a:fontRef idx="minor">
+            <a:schemeClr val="tx1"/>
+          </a:fontRef>
+        </p:style>
+      </p:cxnSp>
+      <p:sp>
+        <p:nvSpPr>
+          <p:cNvPr id="49" name="Down Arrow 27">
+            <a:extLst>
+              <a:ext uri="{FF2B5EF4-FFF2-40B4-BE49-F238E27FC236}">
+                <a16:creationId xmlns:a16="http://schemas.microsoft.com/office/drawing/2014/main" id="{6075315E-5B18-4D96-96AC-822476F707F6}"/>
+              </a:ext>
+            </a:extLst>
+          </p:cNvPr>
+          <p:cNvSpPr/>
+          <p:nvPr/>
+        </p:nvSpPr>
+        <p:spPr>
+          <a:xfrm flipV="1">
+            <a:off x="2974834" y="2757829"/>
+            <a:ext cx="149870" cy="621234"/>
+          </a:xfrm>
+          <a:prstGeom prst="downArrow">
+            <a:avLst/>
+          </a:prstGeom>
+        </p:spPr>
+        <p:style>
+          <a:lnRef idx="2">
+            <a:schemeClr val="accent1">
+              <a:shade val="50000"/>
+            </a:schemeClr>
+          </a:lnRef>
+          <a:fillRef idx="1">
+            <a:schemeClr val="accent1"/>
+          </a:fillRef>
+          <a:effectRef idx="0">
+            <a:schemeClr val="accent1"/>
+          </a:effectRef>
+          <a:fontRef idx="minor">
+            <a:schemeClr val="lt1"/>
+          </a:fontRef>
+        </p:style>
+        <p:txBody>
+          <a:bodyPr rtlCol="0" anchor="ctr"/>
+          <a:lstStyle/>
+          <a:p>
+            <a:pPr algn="ctr"/>
+            <a:endParaRPr lang="en-US" dirty="0"/>
+          </a:p>
+        </p:txBody>
+      </p:sp>
+      <p:sp>
+        <p:nvSpPr>
+          <p:cNvPr id="50" name="TextBox 49">
+            <a:extLst>
+              <a:ext uri="{FF2B5EF4-FFF2-40B4-BE49-F238E27FC236}">
+                <a16:creationId xmlns:a16="http://schemas.microsoft.com/office/drawing/2014/main" id="{B9162E58-D88C-4F9E-A1BD-836456339F7A}"/>
+              </a:ext>
+            </a:extLst>
+          </p:cNvPr>
+          <p:cNvSpPr txBox="1"/>
+          <p:nvPr/>
+        </p:nvSpPr>
+        <p:spPr>
+          <a:xfrm>
+            <a:off x="2631273" y="3306778"/>
+            <a:ext cx="873957" cy="369332"/>
+          </a:xfrm>
+          <a:prstGeom prst="rect">
+            <a:avLst/>
+          </a:prstGeom>
+          <a:noFill/>
+        </p:spPr>
+        <p:txBody>
+          <a:bodyPr wrap="none" rtlCol="0">
+            <a:spAutoFit/>
+          </a:bodyPr>
+          <a:lstStyle/>
+          <a:p>
+            <a:r>
+              <a:rPr lang="en-US" dirty="0">
+                <a:latin typeface="Courier New" panose="02070309020205020404" pitchFamily="49" charset="0"/>
+                <a:cs typeface="Courier New" panose="02070309020205020404" pitchFamily="49" charset="0"/>
+              </a:rPr>
+              <a:t>cd ..</a:t>
+            </a:r>
+          </a:p>
+        </p:txBody>
+      </p:sp>
+      <p:sp>
+        <p:nvSpPr>
+          <p:cNvPr id="51" name="TextBox 50">
+            <a:extLst>
+              <a:ext uri="{FF2B5EF4-FFF2-40B4-BE49-F238E27FC236}">
+                <a16:creationId xmlns:a16="http://schemas.microsoft.com/office/drawing/2014/main" id="{E79B1DEF-D762-4377-A111-F3E1AF1EACCA}"/>
+              </a:ext>
+            </a:extLst>
+          </p:cNvPr>
+          <p:cNvSpPr txBox="1"/>
+          <p:nvPr/>
+        </p:nvSpPr>
+        <p:spPr>
+          <a:xfrm>
+            <a:off x="892533" y="2582958"/>
+            <a:ext cx="1838965" cy="369332"/>
+          </a:xfrm>
+          <a:prstGeom prst="rect">
+            <a:avLst/>
+          </a:prstGeom>
+          <a:noFill/>
+        </p:spPr>
+        <p:txBody>
+          <a:bodyPr wrap="none" rtlCol="0">
+            <a:spAutoFit/>
+          </a:bodyPr>
+          <a:lstStyle/>
+          <a:p>
+            <a:r>
+              <a:rPr lang="en-US" dirty="0">
+                <a:latin typeface="Courier New" panose="02070309020205020404" pitchFamily="49" charset="0"/>
+                <a:cs typeface="Courier New" panose="02070309020205020404" pitchFamily="49" charset="0"/>
+              </a:rPr>
+              <a:t>cd downloads</a:t>
+            </a:r>
+          </a:p>
+        </p:txBody>
+      </p:sp>
+      <p:sp>
+        <p:nvSpPr>
+          <p:cNvPr id="52" name="Down Arrow 32">
+            <a:extLst>
+              <a:ext uri="{FF2B5EF4-FFF2-40B4-BE49-F238E27FC236}">
+                <a16:creationId xmlns:a16="http://schemas.microsoft.com/office/drawing/2014/main" id="{97BFFD59-48C1-48C3-BC90-E702348EA5FD}"/>
+              </a:ext>
+            </a:extLst>
+          </p:cNvPr>
+          <p:cNvSpPr/>
+          <p:nvPr/>
+        </p:nvSpPr>
+        <p:spPr>
+          <a:xfrm>
+            <a:off x="2284999" y="2901791"/>
+            <a:ext cx="149870" cy="542847"/>
+          </a:xfrm>
+          <a:prstGeom prst="downArrow">
+            <a:avLst/>
+          </a:prstGeom>
+        </p:spPr>
+        <p:style>
+          <a:lnRef idx="2">
+            <a:schemeClr val="accent1">
+              <a:shade val="50000"/>
+            </a:schemeClr>
+          </a:lnRef>
+          <a:fillRef idx="1">
+            <a:schemeClr val="accent1"/>
+          </a:fillRef>
+          <a:effectRef idx="0">
+            <a:schemeClr val="accent1"/>
+          </a:effectRef>
+          <a:fontRef idx="minor">
+            <a:schemeClr val="lt1"/>
+          </a:fontRef>
+        </p:style>
+        <p:txBody>
+          <a:bodyPr rtlCol="0" anchor="ctr"/>
+          <a:lstStyle/>
+          <a:p>
+            <a:pPr algn="ctr"/>
+            <a:endParaRPr lang="en-US" dirty="0"/>
+          </a:p>
+        </p:txBody>
+      </p:sp>
+    </p:spTree>
+    <p:extLst>
+      <p:ext uri="{BB962C8B-B14F-4D97-AF65-F5344CB8AC3E}">
+        <p14:creationId xmlns:p14="http://schemas.microsoft.com/office/powerpoint/2010/main" val="511923475"/>
+      </p:ext>
+    </p:extLst>
+  </p:cSld>
+  <p:clrMapOvr>
+    <a:masterClrMapping/>
+  </p:clrMapOvr>
+</p:sld>
+</file>
+
+<file path=ppt/slides/slide17.xml><?xml version="1.0" encoding="utf-8"?>
 <p:sld xmlns:a="http://schemas.openxmlformats.org/drawingml/2006/main" xmlns:r="http://schemas.openxmlformats.org/officeDocument/2006/relationships" xmlns:p="http://schemas.openxmlformats.org/presentationml/2006/main">
   <p:cSld>
     <p:spTree>
@@ -24431,10 +25031,9 @@
           <a:lstStyle/>
           <a:p>
             <a:r>
-              <a:rPr lang="en-US" dirty="0" smtClean="0"/>
+              <a:rPr lang="en-US" dirty="0"/>
               <a:t>Command Line Navigation Exercise</a:t>
             </a:r>
-            <a:endParaRPr lang="en-US" dirty="0"/>
           </a:p>
         </p:txBody>
       </p:sp>
@@ -24464,18 +25063,18 @@
               </a:spcBef>
             </a:pPr>
             <a:r>
-              <a:rPr lang="en-US" dirty="0" smtClean="0"/>
+              <a:rPr lang="en-US" dirty="0"/>
               <a:t>Move back to </a:t>
             </a:r>
             <a:r>
-              <a:rPr lang="en-US" dirty="0" smtClean="0">
+              <a:rPr lang="en-US" dirty="0">
                 <a:latin typeface="Courier New" panose="02070309020205020404" pitchFamily="49" charset="0"/>
                 <a:cs typeface="Courier New" panose="02070309020205020404" pitchFamily="49" charset="0"/>
               </a:rPr>
               <a:t>Downloads</a:t>
             </a:r>
             <a:r>
-              <a:rPr lang="en-US" dirty="0" smtClean="0"/>
+              <a:rPr lang="en-US" dirty="0"/>
               <a:t> folder</a:t>
             </a:r>
           </a:p>
@@ -24486,7 +25085,7 @@
               </a:spcBef>
             </a:pPr>
             <a:r>
-              <a:rPr lang="en-US" dirty="0" smtClean="0">
+              <a:rPr lang="en-US" dirty="0">
                 <a:latin typeface="Courier New" panose="02070309020205020404" pitchFamily="49" charset="0"/>
                 <a:cs typeface="Courier New" panose="02070309020205020404" pitchFamily="49" charset="0"/>
               </a:rPr>
@@ -24500,7 +25099,7 @@
               </a:spcBef>
             </a:pPr>
             <a:r>
-              <a:rPr lang="en-US" dirty="0" smtClean="0">
+              <a:rPr lang="en-US" dirty="0">
                 <a:latin typeface="Courier New" panose="02070309020205020404" pitchFamily="49" charset="0"/>
                 <a:cs typeface="Courier New" panose="02070309020205020404" pitchFamily="49" charset="0"/>
               </a:rPr>
@@ -24514,18 +25113,18 @@
               </a:spcBef>
             </a:pPr>
             <a:r>
-              <a:rPr lang="en-US" dirty="0" smtClean="0"/>
+              <a:rPr lang="en-US" dirty="0"/>
               <a:t>Move all files to </a:t>
             </a:r>
             <a:r>
-              <a:rPr lang="en-US" dirty="0" smtClean="0">
+              <a:rPr lang="en-US" dirty="0">
                 <a:latin typeface="Courier New" panose="02070309020205020404" pitchFamily="49" charset="0"/>
                 <a:cs typeface="Courier New" panose="02070309020205020404" pitchFamily="49" charset="0"/>
               </a:rPr>
               <a:t>cl</a:t>
             </a:r>
             <a:r>
-              <a:rPr lang="en-US" dirty="0" smtClean="0"/>
+              <a:rPr lang="en-US" dirty="0"/>
               <a:t> subfolder</a:t>
             </a:r>
           </a:p>
@@ -24536,23 +25135,19 @@
               </a:spcBef>
             </a:pPr>
             <a:r>
-              <a:rPr lang="en-US" dirty="0" smtClean="0"/>
+              <a:rPr lang="en-US" dirty="0"/>
               <a:t>Use </a:t>
             </a:r>
             <a:r>
-              <a:rPr lang="en-US" dirty="0" smtClean="0">
+              <a:rPr lang="en-US" dirty="0">
                 <a:latin typeface="Courier New" panose="02070309020205020404" pitchFamily="49" charset="0"/>
                 <a:cs typeface="Courier New" panose="02070309020205020404" pitchFamily="49" charset="0"/>
               </a:rPr>
               <a:t>move</a:t>
             </a:r>
             <a:r>
-              <a:rPr lang="en-US" dirty="0" smtClean="0"/>
-              <a:t> </a:t>
-            </a:r>
-            <a:r>
-              <a:rPr lang="en-US" dirty="0" smtClean="0"/>
-              <a:t>command</a:t>
+              <a:rPr lang="en-US" dirty="0"/>
+              <a:t> command</a:t>
             </a:r>
           </a:p>
           <a:p>
@@ -24562,7 +25157,7 @@
               </a:spcBef>
             </a:pPr>
             <a:r>
-              <a:rPr lang="en-US" dirty="0" smtClean="0"/>
+              <a:rPr lang="en-US" dirty="0"/>
               <a:t>Files are in </a:t>
             </a:r>
           </a:p>
@@ -24573,41 +25168,27 @@
               </a:spcBef>
             </a:pPr>
             <a:r>
-              <a:rPr lang="en-US" sz="1800" dirty="0" smtClean="0">
-                <a:latin typeface="Courier New" panose="02070309020205020404" pitchFamily="49" charset="0"/>
-                <a:cs typeface="Courier New" panose="02070309020205020404" pitchFamily="49" charset="0"/>
-              </a:rPr>
-              <a:t>C</a:t>
-            </a:r>
-            <a:r>
               <a:rPr lang="en-US" sz="1800" dirty="0">
                 <a:latin typeface="Courier New" panose="02070309020205020404" pitchFamily="49" charset="0"/>
                 <a:cs typeface="Courier New" panose="02070309020205020404" pitchFamily="49" charset="0"/>
               </a:rPr>
-              <a:t>:\</a:t>
-            </a:r>
-            <a:r>
-              <a:rPr lang="en-US" sz="1800" dirty="0" smtClean="0">
-                <a:latin typeface="Courier New" panose="02070309020205020404" pitchFamily="49" charset="0"/>
-                <a:cs typeface="Courier New" panose="02070309020205020404" pitchFamily="49" charset="0"/>
-              </a:rPr>
-              <a:t>Users\</a:t>
-            </a:r>
-            <a:r>
-              <a:rPr lang="en-US" sz="1800" i="1" dirty="0" smtClean="0">
+              <a:t>C:\Users\</a:t>
+            </a:r>
+            <a:r>
+              <a:rPr lang="en-US" sz="1800" i="1" dirty="0">
                 <a:latin typeface="Courier New" panose="02070309020205020404" pitchFamily="49" charset="0"/>
                 <a:cs typeface="Courier New" panose="02070309020205020404" pitchFamily="49" charset="0"/>
               </a:rPr>
               <a:t>username</a:t>
             </a:r>
             <a:r>
-              <a:rPr lang="en-US" sz="1800" dirty="0" smtClean="0">
+              <a:rPr lang="en-US" sz="1800" dirty="0">
                 <a:latin typeface="Courier New" panose="02070309020205020404" pitchFamily="49" charset="0"/>
                 <a:cs typeface="Courier New" panose="02070309020205020404" pitchFamily="49" charset="0"/>
               </a:rPr>
               <a:t>\Downloads\CommandLine-master</a:t>
             </a:r>
-            <a:endParaRPr lang="en-US" sz="1800" dirty="0" smtClean="0"/>
+            <a:endParaRPr lang="en-US" sz="1800" dirty="0"/>
           </a:p>
           <a:p>
             <a:pPr lvl="1">
@@ -24616,7 +25197,7 @@
               </a:spcBef>
             </a:pPr>
             <a:r>
-              <a:rPr lang="en-US" dirty="0" smtClean="0"/>
+              <a:rPr lang="en-US" dirty="0"/>
               <a:t>Put them in </a:t>
             </a:r>
             <a:r>
@@ -24624,24 +25205,17 @@
                 <a:latin typeface="Courier New" panose="02070309020205020404" pitchFamily="49" charset="0"/>
                 <a:cs typeface="Courier New" panose="02070309020205020404" pitchFamily="49" charset="0"/>
               </a:rPr>
-              <a:t>C:\</a:t>
-            </a:r>
-            <a:r>
-              <a:rPr lang="en-US" dirty="0" smtClean="0">
-                <a:latin typeface="Courier New" panose="02070309020205020404" pitchFamily="49" charset="0"/>
-                <a:cs typeface="Courier New" panose="02070309020205020404" pitchFamily="49" charset="0"/>
-              </a:rPr>
-              <a:t>Users\</a:t>
-            </a:r>
-            <a:r>
-              <a:rPr lang="en-US" i="1" dirty="0" smtClean="0">
+              <a:t>C:\Users\</a:t>
+            </a:r>
+            <a:r>
+              <a:rPr lang="en-US" i="1" dirty="0">
                 <a:latin typeface="Courier New" panose="02070309020205020404" pitchFamily="49" charset="0"/>
                 <a:cs typeface="Courier New" panose="02070309020205020404" pitchFamily="49" charset="0"/>
               </a:rPr>
               <a:t>username</a:t>
             </a:r>
             <a:r>
-              <a:rPr lang="en-US" dirty="0" smtClean="0">
+              <a:rPr lang="en-US" dirty="0">
                 <a:latin typeface="Courier New" panose="02070309020205020404" pitchFamily="49" charset="0"/>
                 <a:cs typeface="Courier New" panose="02070309020205020404" pitchFamily="49" charset="0"/>
               </a:rPr>
@@ -24656,7 +25230,7 @@
               </a:spcBef>
             </a:pPr>
             <a:r>
-              <a:rPr lang="en-US" dirty="0" smtClean="0"/>
+              <a:rPr lang="en-US" dirty="0"/>
               <a:t>From </a:t>
             </a:r>
             <a:r>
@@ -24681,7 +25255,7 @@
               <a:t>\Downloads</a:t>
             </a:r>
             <a:r>
-              <a:rPr lang="en-US" dirty="0" smtClean="0"/>
+              <a:rPr lang="en-US" dirty="0"/>
               <a:t>     </a:t>
             </a:r>
           </a:p>
@@ -24692,10 +25266,9 @@
               </a:spcBef>
             </a:pPr>
             <a:r>
-              <a:rPr lang="en-US" dirty="0" smtClean="0"/>
+              <a:rPr lang="en-US" dirty="0"/>
               <a:t>Hints</a:t>
             </a:r>
-            <a:endParaRPr lang="en-US" dirty="0" smtClean="0"/>
           </a:p>
           <a:p>
             <a:pPr lvl="2">
@@ -24704,25 +25277,20 @@
               </a:spcBef>
             </a:pPr>
             <a:r>
-              <a:rPr lang="en-US" dirty="0" smtClean="0"/>
+              <a:rPr lang="en-US" dirty="0"/>
               <a:t> </a:t>
             </a:r>
             <a:r>
-              <a:rPr lang="en-US" dirty="0" smtClean="0">
+              <a:rPr lang="en-US" dirty="0">
                 <a:latin typeface="Courier New" panose="02070309020205020404" pitchFamily="49" charset="0"/>
                 <a:cs typeface="Courier New" panose="02070309020205020404" pitchFamily="49" charset="0"/>
               </a:rPr>
               <a:t>*.*</a:t>
             </a:r>
             <a:r>
-              <a:rPr lang="en-US" dirty="0" smtClean="0"/>
-              <a:t> specifies all </a:t>
-            </a:r>
-            <a:r>
-              <a:rPr lang="en-US" dirty="0" smtClean="0"/>
-              <a:t>files in a folder/file path</a:t>
-            </a:r>
-            <a:endParaRPr lang="en-US" dirty="0" smtClean="0"/>
+              <a:rPr lang="en-US" dirty="0"/>
+              <a:t> specifies all files in a folder/file path</a:t>
+            </a:r>
           </a:p>
           <a:p>
             <a:pPr lvl="2">
@@ -24731,42 +25299,38 @@
               </a:spcBef>
             </a:pPr>
             <a:r>
-              <a:rPr lang="en-US" dirty="0" smtClean="0"/>
+              <a:rPr lang="en-US" dirty="0"/>
               <a:t>Path from </a:t>
             </a:r>
             <a:r>
-              <a:rPr lang="en-US" dirty="0" smtClean="0">
+              <a:rPr lang="en-US" dirty="0">
                 <a:latin typeface="Courier New" panose="02070309020205020404" pitchFamily="49" charset="0"/>
                 <a:cs typeface="Courier New" panose="02070309020205020404" pitchFamily="49" charset="0"/>
               </a:rPr>
               <a:t>downloads</a:t>
             </a:r>
             <a:r>
-              <a:rPr lang="en-US" dirty="0" smtClean="0"/>
+              <a:rPr lang="en-US" dirty="0"/>
               <a:t> folder to </a:t>
             </a:r>
             <a:r>
-              <a:rPr lang="en-US" dirty="0" smtClean="0">
+              <a:rPr lang="en-US" dirty="0">
                 <a:latin typeface="Courier New" panose="02070309020205020404" pitchFamily="49" charset="0"/>
                 <a:cs typeface="Courier New" panose="02070309020205020404" pitchFamily="49" charset="0"/>
               </a:rPr>
               <a:t>cl</a:t>
             </a:r>
             <a:r>
-              <a:rPr lang="en-US" dirty="0" smtClean="0"/>
+              <a:rPr lang="en-US" dirty="0"/>
               <a:t> folder is </a:t>
             </a:r>
             <a:r>
-              <a:rPr lang="en-US" smtClean="0">
+              <a:rPr lang="en-US" dirty="0">
                 <a:latin typeface="Courier New" panose="02070309020205020404" pitchFamily="49" charset="0"/>
                 <a:cs typeface="Courier New" panose="02070309020205020404" pitchFamily="49" charset="0"/>
               </a:rPr>
               <a:t>..\cl\</a:t>
             </a:r>
-            <a:endParaRPr lang="en-US" dirty="0" smtClean="0">
-              <a:latin typeface="Courier New" panose="02070309020205020404" pitchFamily="49" charset="0"/>
-              <a:cs typeface="Courier New" panose="02070309020205020404" pitchFamily="49" charset="0"/>
-            </a:endParaRPr>
           </a:p>
         </p:txBody>
       </p:sp>
@@ -24787,7 +25351,7 @@
           <a:p>
             <a:fld id="{4577FE26-ACD1-4964-932B-823877B1C5B5}" type="slidenum">
               <a:rPr lang="en-US" smtClean="0"/>
-              <a:t>16</a:t>
+              <a:t>17</a:t>
             </a:fld>
             <a:endParaRPr lang="en-US" dirty="0"/>
           </a:p>
@@ -24803,17 +25367,10 @@
   <p:clrMapOvr>
     <a:masterClrMapping/>
   </p:clrMapOvr>
-  <p:timing>
-    <p:tnLst>
-      <p:par>
-        <p:cTn id="1" dur="indefinite" restart="never" nodeType="tmRoot"/>
-      </p:par>
-    </p:tnLst>
-  </p:timing>
 </p:sld>
 </file>
 
-<file path=ppt/slides/slide17.xml><?xml version="1.0" encoding="utf-8"?>
+<file path=ppt/slides/slide18.xml><?xml version="1.0" encoding="utf-8"?>
 <p:sld xmlns:a="http://schemas.openxmlformats.org/drawingml/2006/main" xmlns:r="http://schemas.openxmlformats.org/officeDocument/2006/relationships" xmlns:p="http://schemas.openxmlformats.org/presentationml/2006/main">
   <p:cSld>
     <p:spTree>
@@ -24846,10 +25403,9 @@
           <a:lstStyle/>
           <a:p>
             <a:r>
-              <a:rPr lang="en-US" dirty="0" smtClean="0"/>
+              <a:rPr lang="en-US" dirty="0"/>
               <a:t>Executing in the Command Line</a:t>
             </a:r>
-            <a:endParaRPr lang="en-US" dirty="0"/>
           </a:p>
         </p:txBody>
       </p:sp>
@@ -24874,20 +25430,20 @@
           <a:lstStyle/>
           <a:p>
             <a:r>
-              <a:rPr lang="en-US" dirty="0" smtClean="0"/>
-              <a:t>Anaconda gives capability of executing Python programs from the command line</a:t>
-            </a:r>
-          </a:p>
-          <a:p>
-            <a:r>
-              <a:rPr lang="en-US" dirty="0" smtClean="0"/>
+              <a:rPr lang="en-US" dirty="0"/>
+              <a:t>Anaconda prompt execution of Python programs from the command line</a:t>
+            </a:r>
+          </a:p>
+          <a:p>
+            <a:r>
+              <a:rPr lang="en-US" dirty="0"/>
               <a:t>Steps:</a:t>
             </a:r>
           </a:p>
           <a:p>
             <a:pPr lvl="1"/>
             <a:r>
-              <a:rPr lang="en-US" dirty="0" smtClean="0"/>
+              <a:rPr lang="en-US" dirty="0"/>
               <a:t>Navigate DOS command prompt to this folder:</a:t>
             </a:r>
           </a:p>
@@ -24898,50 +25454,43 @@
                 <a:latin typeface="Courier New" panose="02070309020205020404" pitchFamily="49" charset="0"/>
                 <a:cs typeface="Courier New" panose="02070309020205020404" pitchFamily="49" charset="0"/>
               </a:rPr>
-              <a:t>C:\</a:t>
-            </a:r>
-            <a:r>
-              <a:rPr lang="en-US" dirty="0" smtClean="0">
-                <a:latin typeface="Courier New" panose="02070309020205020404" pitchFamily="49" charset="0"/>
-                <a:cs typeface="Courier New" panose="02070309020205020404" pitchFamily="49" charset="0"/>
-              </a:rPr>
-              <a:t>Users\</a:t>
-            </a:r>
-            <a:r>
-              <a:rPr lang="en-US" i="1" dirty="0" smtClean="0">
+              <a:t>C:\Users\</a:t>
+            </a:r>
+            <a:r>
+              <a:rPr lang="en-US" i="1" dirty="0">
                 <a:latin typeface="Courier New" panose="02070309020205020404" pitchFamily="49" charset="0"/>
                 <a:cs typeface="Courier New" panose="02070309020205020404" pitchFamily="49" charset="0"/>
               </a:rPr>
               <a:t>username</a:t>
             </a:r>
             <a:r>
-              <a:rPr lang="en-US" dirty="0" smtClean="0">
+              <a:rPr lang="en-US" dirty="0">
                 <a:latin typeface="Courier New" panose="02070309020205020404" pitchFamily="49" charset="0"/>
                 <a:cs typeface="Courier New" panose="02070309020205020404" pitchFamily="49" charset="0"/>
               </a:rPr>
               <a:t>\cl</a:t>
             </a:r>
-            <a:endParaRPr lang="en-US" dirty="0" smtClean="0"/>
+            <a:endParaRPr lang="en-US" dirty="0"/>
           </a:p>
           <a:p>
             <a:pPr lvl="1"/>
             <a:r>
-              <a:rPr lang="en-US" dirty="0" smtClean="0"/>
+              <a:rPr lang="en-US" dirty="0"/>
               <a:t>Type this in </a:t>
             </a:r>
             <a:r>
-              <a:rPr lang="en-US" i="1" dirty="0" smtClean="0"/>
+              <a:rPr lang="en-US" i="1" dirty="0"/>
               <a:t>Command Prompt </a:t>
             </a:r>
             <a:r>
-              <a:rPr lang="en-US" dirty="0" smtClean="0"/>
+              <a:rPr lang="en-US" dirty="0"/>
               <a:t>window</a:t>
             </a:r>
           </a:p>
           <a:p>
             <a:pPr lvl="2"/>
             <a:r>
-              <a:rPr lang="en-US" dirty="0" smtClean="0">
+              <a:rPr lang="en-US" dirty="0">
                 <a:latin typeface="Courier New" panose="02070309020205020404" pitchFamily="49" charset="0"/>
                 <a:cs typeface="Courier New" panose="02070309020205020404" pitchFamily="49" charset="0"/>
               </a:rPr>
@@ -24951,21 +25500,20 @@
           <a:p>
             <a:pPr lvl="1"/>
             <a:r>
-              <a:rPr lang="en-US" dirty="0" smtClean="0"/>
+              <a:rPr lang="en-US" dirty="0"/>
               <a:t>Hit </a:t>
             </a:r>
             <a:r>
-              <a:rPr lang="en-US" i="1" dirty="0" smtClean="0"/>
+              <a:rPr lang="en-US" i="1" dirty="0"/>
               <a:t>Enter</a:t>
             </a:r>
           </a:p>
           <a:p>
             <a:pPr lvl="1"/>
             <a:r>
-              <a:rPr lang="en-US" dirty="0" smtClean="0"/>
+              <a:rPr lang="en-US" dirty="0"/>
               <a:t>Observe output: ‘Hello World!’</a:t>
             </a:r>
-            <a:endParaRPr lang="en-US" dirty="0"/>
           </a:p>
         </p:txBody>
       </p:sp>
@@ -24986,7 +25534,7 @@
           <a:p>
             <a:fld id="{4577FE26-ACD1-4964-932B-823877B1C5B5}" type="slidenum">
               <a:rPr lang="en-US" smtClean="0"/>
-              <a:t>17</a:t>
+              <a:t>18</a:t>
             </a:fld>
             <a:endParaRPr lang="en-US" dirty="0"/>
           </a:p>
@@ -25002,17 +25550,10 @@
   <p:clrMapOvr>
     <a:masterClrMapping/>
   </p:clrMapOvr>
-  <p:timing>
-    <p:tnLst>
-      <p:par>
-        <p:cTn id="1" dur="indefinite" restart="never" nodeType="tmRoot"/>
-      </p:par>
-    </p:tnLst>
-  </p:timing>
 </p:sld>
 </file>
 
-<file path=ppt/slides/slide18.xml><?xml version="1.0" encoding="utf-8"?>
+<file path=ppt/slides/slide19.xml><?xml version="1.0" encoding="utf-8"?>
 <p:sld xmlns:a="http://schemas.openxmlformats.org/drawingml/2006/main" xmlns:r="http://schemas.openxmlformats.org/officeDocument/2006/relationships" xmlns:p="http://schemas.openxmlformats.org/presentationml/2006/main">
   <p:cSld>
     <p:spTree>
@@ -25045,10 +25586,9 @@
           <a:lstStyle/>
           <a:p>
             <a:r>
-              <a:rPr lang="en-US" dirty="0" smtClean="0"/>
+              <a:rPr lang="en-US" dirty="0"/>
               <a:t>Writing a Python Program to Execute on the Command Line</a:t>
             </a:r>
-            <a:endParaRPr lang="en-US" dirty="0"/>
           </a:p>
         </p:txBody>
       </p:sp>
@@ -25088,7 +25628,7 @@
           <a:p>
             <a:fld id="{4577FE26-ACD1-4964-932B-823877B1C5B5}" type="slidenum">
               <a:rPr lang="en-US" smtClean="0"/>
-              <a:t>18</a:t>
+              <a:t>19</a:t>
             </a:fld>
             <a:endParaRPr lang="en-US" dirty="0"/>
           </a:p>
@@ -25104,17 +25644,139 @@
   <p:clrMapOvr>
     <a:masterClrMapping/>
   </p:clrMapOvr>
-  <p:timing>
-    <p:tnLst>
-      <p:par>
-        <p:cTn id="1" dur="indefinite" restart="never" nodeType="tmRoot"/>
-      </p:par>
-    </p:tnLst>
-  </p:timing>
 </p:sld>
 </file>
 
-<file path=ppt/slides/slide19.xml><?xml version="1.0" encoding="utf-8"?>
+<file path=ppt/slides/slide2.xml><?xml version="1.0" encoding="utf-8"?>
+<p:sld xmlns:a="http://schemas.openxmlformats.org/drawingml/2006/main" xmlns:r="http://schemas.openxmlformats.org/officeDocument/2006/relationships" xmlns:p="http://schemas.openxmlformats.org/presentationml/2006/main">
+  <p:cSld>
+    <p:spTree>
+      <p:nvGrpSpPr>
+        <p:cNvPr id="1" name=""/>
+        <p:cNvGrpSpPr/>
+        <p:nvPr/>
+      </p:nvGrpSpPr>
+      <p:grpSpPr>
+        <a:xfrm>
+          <a:off x="0" y="0"/>
+          <a:ext cx="0" cy="0"/>
+          <a:chOff x="0" y="0"/>
+          <a:chExt cx="0" cy="0"/>
+        </a:xfrm>
+      </p:grpSpPr>
+      <p:sp>
+        <p:nvSpPr>
+          <p:cNvPr id="2" name="Title 1"/>
+          <p:cNvSpPr>
+            <a:spLocks noGrp="1"/>
+          </p:cNvSpPr>
+          <p:nvPr>
+            <p:ph type="title"/>
+          </p:nvPr>
+        </p:nvSpPr>
+        <p:spPr/>
+        <p:txBody>
+          <a:bodyPr/>
+          <a:lstStyle/>
+          <a:p>
+            <a:r>
+              <a:rPr lang="en-US" dirty="0"/>
+              <a:t>What is the Command Line?</a:t>
+            </a:r>
+          </a:p>
+        </p:txBody>
+      </p:sp>
+      <p:sp>
+        <p:nvSpPr>
+          <p:cNvPr id="3" name="Content Placeholder 2"/>
+          <p:cNvSpPr>
+            <a:spLocks noGrp="1"/>
+          </p:cNvSpPr>
+          <p:nvPr>
+            <p:ph idx="1"/>
+          </p:nvPr>
+        </p:nvSpPr>
+        <p:spPr>
+          <a:xfrm>
+            <a:off x="914400" y="1155032"/>
+            <a:ext cx="7839986" cy="4971131"/>
+          </a:xfrm>
+        </p:spPr>
+        <p:txBody>
+          <a:bodyPr/>
+          <a:lstStyle/>
+          <a:p>
+            <a:r>
+              <a:rPr lang="en-US" dirty="0"/>
+              <a:t>Graphical User Interfaces (GUIs) have become the dominant mode in interacting with computers</a:t>
+            </a:r>
+          </a:p>
+          <a:p>
+            <a:pPr lvl="1"/>
+            <a:r>
+              <a:rPr lang="en-US" dirty="0"/>
+              <a:t>Mice, point &amp; on buttons, drop-down menus, and objects</a:t>
+            </a:r>
+          </a:p>
+          <a:p>
+            <a:r>
+              <a:rPr lang="en-US" dirty="0"/>
+              <a:t>No GUIs when I started programming</a:t>
+            </a:r>
+          </a:p>
+          <a:p>
+            <a:pPr lvl="1"/>
+            <a:r>
+              <a:rPr lang="en-US" dirty="0"/>
+              <a:t>Punch cards</a:t>
+            </a:r>
+          </a:p>
+          <a:p>
+            <a:pPr lvl="1"/>
+            <a:r>
+              <a:rPr lang="en-US" dirty="0"/>
+              <a:t>Green screens, typing on the command line/command prompt</a:t>
+            </a:r>
+          </a:p>
+        </p:txBody>
+      </p:sp>
+      <p:sp>
+        <p:nvSpPr>
+          <p:cNvPr id="4" name="Slide Number Placeholder 3"/>
+          <p:cNvSpPr>
+            <a:spLocks noGrp="1"/>
+          </p:cNvSpPr>
+          <p:nvPr>
+            <p:ph type="sldNum" sz="quarter" idx="12"/>
+          </p:nvPr>
+        </p:nvSpPr>
+        <p:spPr/>
+        <p:txBody>
+          <a:bodyPr/>
+          <a:lstStyle/>
+          <a:p>
+            <a:fld id="{4577FE26-ACD1-4964-932B-823877B1C5B5}" type="slidenum">
+              <a:rPr lang="en-US" smtClean="0"/>
+              <a:t>2</a:t>
+            </a:fld>
+            <a:endParaRPr lang="en-US" dirty="0"/>
+          </a:p>
+        </p:txBody>
+      </p:sp>
+    </p:spTree>
+    <p:extLst>
+      <p:ext uri="{BB962C8B-B14F-4D97-AF65-F5344CB8AC3E}">
+        <p14:creationId xmlns:p14="http://schemas.microsoft.com/office/powerpoint/2010/main" val="3049800971"/>
+      </p:ext>
+    </p:extLst>
+  </p:cSld>
+  <p:clrMapOvr>
+    <a:masterClrMapping/>
+  </p:clrMapOvr>
+</p:sld>
+</file>
+
+<file path=ppt/slides/slide20.xml><?xml version="1.0" encoding="utf-8"?>
 <p:sld xmlns:a="http://schemas.openxmlformats.org/drawingml/2006/main" xmlns:r="http://schemas.openxmlformats.org/officeDocument/2006/relationships" xmlns:p="http://schemas.openxmlformats.org/presentationml/2006/main">
   <p:cSld>
     <p:spTree>
@@ -25152,10 +25814,9 @@
           <a:lstStyle/>
           <a:p>
             <a:r>
-              <a:rPr lang="en-US" dirty="0" smtClean="0"/>
+              <a:rPr lang="en-US" dirty="0"/>
               <a:t>Writing Command Line Programs</a:t>
             </a:r>
-            <a:endParaRPr lang="en-US" dirty="0"/>
           </a:p>
         </p:txBody>
       </p:sp>
@@ -25175,34 +25836,34 @@
           <a:lstStyle/>
           <a:p>
             <a:r>
-              <a:rPr lang="en-US" dirty="0" smtClean="0"/>
-              <a:t>The main difference in writing a program to operate from the command line versus from a GUI programming environment is </a:t>
-            </a:r>
-            <a:r>
-              <a:rPr lang="en-US" i="1" u="sng" dirty="0" smtClean="0"/>
-              <a:t>receiving the arguments from the computer system</a:t>
-            </a:r>
-          </a:p>
-          <a:p>
-            <a:r>
-              <a:rPr lang="en-US" dirty="0" smtClean="0"/>
-              <a:t>Steps</a:t>
-            </a:r>
+              <a:rPr lang="en-US" dirty="0"/>
+              <a:t>Distinctive feature of command line programs is capability to </a:t>
+            </a:r>
+            <a:r>
+              <a:rPr lang="en-US" i="1" u="sng" dirty="0"/>
+              <a:t>receive arguments from the computer system</a:t>
+            </a:r>
+          </a:p>
+          <a:p>
+            <a:r>
+              <a:rPr lang="en-US"/>
+              <a:t>2 methods</a:t>
+            </a:r>
+            <a:endParaRPr lang="en-US" dirty="0"/>
           </a:p>
           <a:p>
             <a:pPr lvl="1"/>
             <a:r>
-              <a:rPr lang="en-US" dirty="0" smtClean="0"/>
+              <a:rPr lang="en-US" dirty="0"/>
               <a:t>Easy un-sophisticated retrieval of arguments</a:t>
             </a:r>
           </a:p>
           <a:p>
             <a:pPr lvl="1"/>
             <a:r>
-              <a:rPr lang="en-US" dirty="0" smtClean="0"/>
+              <a:rPr lang="en-US" dirty="0"/>
               <a:t>More robust handling of arguments</a:t>
             </a:r>
-            <a:endParaRPr lang="en-US" dirty="0"/>
           </a:p>
         </p:txBody>
       </p:sp>
@@ -25223,7 +25884,7 @@
           <a:p>
             <a:fld id="{4577FE26-ACD1-4964-932B-823877B1C5B5}" type="slidenum">
               <a:rPr lang="en-US" smtClean="0"/>
-              <a:t>19</a:t>
+              <a:t>20</a:t>
             </a:fld>
             <a:endParaRPr lang="en-US" dirty="0"/>
           </a:p>
@@ -25239,382 +25900,6 @@
   <p:clrMapOvr>
     <a:masterClrMapping/>
   </p:clrMapOvr>
-  <p:timing>
-    <p:tnLst>
-      <p:par>
-        <p:cTn id="1" dur="indefinite" restart="never" nodeType="tmRoot"/>
-      </p:par>
-    </p:tnLst>
-  </p:timing>
-</p:sld>
-</file>
-
-<file path=ppt/slides/slide2.xml><?xml version="1.0" encoding="utf-8"?>
-<p:sld xmlns:a="http://schemas.openxmlformats.org/drawingml/2006/main" xmlns:r="http://schemas.openxmlformats.org/officeDocument/2006/relationships" xmlns:p="http://schemas.openxmlformats.org/presentationml/2006/main">
-  <p:cSld>
-    <p:spTree>
-      <p:nvGrpSpPr>
-        <p:cNvPr id="1" name=""/>
-        <p:cNvGrpSpPr/>
-        <p:nvPr/>
-      </p:nvGrpSpPr>
-      <p:grpSpPr>
-        <a:xfrm>
-          <a:off x="0" y="0"/>
-          <a:ext cx="0" cy="0"/>
-          <a:chOff x="0" y="0"/>
-          <a:chExt cx="0" cy="0"/>
-        </a:xfrm>
-      </p:grpSpPr>
-      <p:sp>
-        <p:nvSpPr>
-          <p:cNvPr id="2" name="Title 1"/>
-          <p:cNvSpPr>
-            <a:spLocks noGrp="1"/>
-          </p:cNvSpPr>
-          <p:nvPr>
-            <p:ph type="title"/>
-          </p:nvPr>
-        </p:nvSpPr>
-        <p:spPr/>
-        <p:txBody>
-          <a:bodyPr/>
-          <a:lstStyle/>
-          <a:p>
-            <a:r>
-              <a:rPr lang="en-US" dirty="0" smtClean="0"/>
-              <a:t>What is the Command Line?</a:t>
-            </a:r>
-            <a:endParaRPr lang="en-US" dirty="0"/>
-          </a:p>
-        </p:txBody>
-      </p:sp>
-      <p:sp>
-        <p:nvSpPr>
-          <p:cNvPr id="3" name="Content Placeholder 2"/>
-          <p:cNvSpPr>
-            <a:spLocks noGrp="1"/>
-          </p:cNvSpPr>
-          <p:nvPr>
-            <p:ph idx="1"/>
-          </p:nvPr>
-        </p:nvSpPr>
-        <p:spPr>
-          <a:xfrm>
-            <a:off x="914400" y="1447800"/>
-            <a:ext cx="7839986" cy="4678363"/>
-          </a:xfrm>
-        </p:spPr>
-        <p:txBody>
-          <a:bodyPr/>
-          <a:lstStyle/>
-          <a:p>
-            <a:r>
-              <a:rPr lang="en-US" dirty="0" smtClean="0"/>
-              <a:t>We have grown accustomed to interacting with computers through Graphical User Interfaces (GUIs)</a:t>
-            </a:r>
-          </a:p>
-          <a:p>
-            <a:pPr lvl="1"/>
-            <a:r>
-              <a:rPr lang="en-US" dirty="0" smtClean="0"/>
-              <a:t>Mice, point &amp; on buttons, drop-down menus, and objects</a:t>
-            </a:r>
-          </a:p>
-          <a:p>
-            <a:r>
-              <a:rPr lang="en-US" dirty="0"/>
-              <a:t>GUIs </a:t>
-            </a:r>
-            <a:r>
-              <a:rPr lang="en-US" dirty="0" smtClean="0"/>
-              <a:t>did not exist when I started programming</a:t>
-            </a:r>
-          </a:p>
-          <a:p>
-            <a:pPr lvl="1"/>
-            <a:r>
-              <a:rPr lang="en-US" dirty="0" smtClean="0"/>
-              <a:t>Punch cards</a:t>
-            </a:r>
-          </a:p>
-          <a:p>
-            <a:pPr lvl="1"/>
-            <a:r>
-              <a:rPr lang="en-US" dirty="0" smtClean="0"/>
-              <a:t>Then, monitors and typing commands at the command line/command prompt</a:t>
-            </a:r>
-          </a:p>
-        </p:txBody>
-      </p:sp>
-      <p:sp>
-        <p:nvSpPr>
-          <p:cNvPr id="4" name="Slide Number Placeholder 3"/>
-          <p:cNvSpPr>
-            <a:spLocks noGrp="1"/>
-          </p:cNvSpPr>
-          <p:nvPr>
-            <p:ph type="sldNum" sz="quarter" idx="12"/>
-          </p:nvPr>
-        </p:nvSpPr>
-        <p:spPr/>
-        <p:txBody>
-          <a:bodyPr/>
-          <a:lstStyle/>
-          <a:p>
-            <a:fld id="{4577FE26-ACD1-4964-932B-823877B1C5B5}" type="slidenum">
-              <a:rPr lang="en-US" smtClean="0"/>
-              <a:t>2</a:t>
-            </a:fld>
-            <a:endParaRPr lang="en-US" dirty="0"/>
-          </a:p>
-        </p:txBody>
-      </p:sp>
-    </p:spTree>
-    <p:extLst>
-      <p:ext uri="{BB962C8B-B14F-4D97-AF65-F5344CB8AC3E}">
-        <p14:creationId xmlns:p14="http://schemas.microsoft.com/office/powerpoint/2010/main" val="3049800971"/>
-      </p:ext>
-    </p:extLst>
-  </p:cSld>
-  <p:clrMapOvr>
-    <a:masterClrMapping/>
-  </p:clrMapOvr>
-  <p:timing>
-    <p:tnLst>
-      <p:par>
-        <p:cTn id="1" dur="indefinite" restart="never" nodeType="tmRoot"/>
-      </p:par>
-    </p:tnLst>
-  </p:timing>
-</p:sld>
-</file>
-
-<file path=ppt/slides/slide20.xml><?xml version="1.0" encoding="utf-8"?>
-<p:sld xmlns:a="http://schemas.openxmlformats.org/drawingml/2006/main" xmlns:r="http://schemas.openxmlformats.org/officeDocument/2006/relationships" xmlns:p="http://schemas.openxmlformats.org/presentationml/2006/main">
-  <p:cSld>
-    <p:spTree>
-      <p:nvGrpSpPr>
-        <p:cNvPr id="1" name=""/>
-        <p:cNvGrpSpPr/>
-        <p:nvPr/>
-      </p:nvGrpSpPr>
-      <p:grpSpPr>
-        <a:xfrm>
-          <a:off x="0" y="0"/>
-          <a:ext cx="0" cy="0"/>
-          <a:chOff x="0" y="0"/>
-          <a:chExt cx="0" cy="0"/>
-        </a:xfrm>
-      </p:grpSpPr>
-      <p:sp>
-        <p:nvSpPr>
-          <p:cNvPr id="2" name="Title 1"/>
-          <p:cNvSpPr>
-            <a:spLocks noGrp="1"/>
-          </p:cNvSpPr>
-          <p:nvPr>
-            <p:ph type="title"/>
-          </p:nvPr>
-        </p:nvSpPr>
-        <p:spPr/>
-        <p:txBody>
-          <a:bodyPr/>
-          <a:lstStyle/>
-          <a:p>
-            <a:r>
-              <a:rPr lang="en-US" dirty="0" smtClean="0"/>
-              <a:t>Programming Goal </a:t>
-            </a:r>
-            <a:endParaRPr lang="en-US" dirty="0"/>
-          </a:p>
-        </p:txBody>
-      </p:sp>
-      <p:sp>
-        <p:nvSpPr>
-          <p:cNvPr id="3" name="Content Placeholder 2"/>
-          <p:cNvSpPr>
-            <a:spLocks noGrp="1"/>
-          </p:cNvSpPr>
-          <p:nvPr>
-            <p:ph idx="1"/>
-          </p:nvPr>
-        </p:nvSpPr>
-        <p:spPr>
-          <a:xfrm>
-            <a:off x="914400" y="1029730"/>
-            <a:ext cx="7772400" cy="5096434"/>
-          </a:xfrm>
-        </p:spPr>
-        <p:txBody>
-          <a:bodyPr/>
-          <a:lstStyle/>
-          <a:p>
-            <a:pPr>
-              <a:spcBef>
-                <a:spcPts val="200"/>
-              </a:spcBef>
-            </a:pPr>
-            <a:r>
-              <a:rPr lang="en-US" dirty="0" smtClean="0"/>
-              <a:t>Input</a:t>
-            </a:r>
-          </a:p>
-          <a:p>
-            <a:pPr lvl="1">
-              <a:spcBef>
-                <a:spcPts val="200"/>
-              </a:spcBef>
-            </a:pPr>
-            <a:r>
-              <a:rPr lang="en-US" dirty="0" smtClean="0"/>
-              <a:t>Zip code as command line argument</a:t>
-            </a:r>
-          </a:p>
-          <a:p>
-            <a:pPr>
-              <a:spcBef>
-                <a:spcPts val="200"/>
-              </a:spcBef>
-            </a:pPr>
-            <a:r>
-              <a:rPr lang="en-US" dirty="0" smtClean="0"/>
-              <a:t>Print</a:t>
-            </a:r>
-          </a:p>
-          <a:p>
-            <a:pPr lvl="1">
-              <a:spcBef>
-                <a:spcPts val="200"/>
-              </a:spcBef>
-            </a:pPr>
-            <a:r>
-              <a:rPr lang="en-US" dirty="0" smtClean="0"/>
-              <a:t>High and low temperature forecast for 5 days</a:t>
-            </a:r>
-          </a:p>
-          <a:p>
-            <a:pPr lvl="1">
-              <a:spcBef>
-                <a:spcPts val="200"/>
-              </a:spcBef>
-            </a:pPr>
-            <a:r>
-              <a:rPr lang="en-US" dirty="0" smtClean="0"/>
-              <a:t>Latitude and longitude</a:t>
-            </a:r>
-          </a:p>
-          <a:p>
-            <a:pPr>
-              <a:spcBef>
-                <a:spcPts val="200"/>
-              </a:spcBef>
-            </a:pPr>
-            <a:r>
-              <a:rPr lang="en-US" dirty="0" smtClean="0"/>
-              <a:t>Applications Programming Interface (API)</a:t>
-            </a:r>
-          </a:p>
-          <a:p>
-            <a:pPr lvl="1">
-              <a:spcBef>
-                <a:spcPts val="200"/>
-              </a:spcBef>
-            </a:pPr>
-            <a:r>
-              <a:rPr lang="en-US" dirty="0" smtClean="0"/>
-              <a:t>Serve data in JSON, XML and other formats</a:t>
-            </a:r>
-          </a:p>
-          <a:p>
-            <a:pPr lvl="1">
-              <a:spcBef>
-                <a:spcPts val="200"/>
-              </a:spcBef>
-            </a:pPr>
-            <a:r>
-              <a:rPr lang="en-US" dirty="0" smtClean="0"/>
-              <a:t>Like we did with web scraping</a:t>
-            </a:r>
-          </a:p>
-          <a:p>
-            <a:pPr>
-              <a:spcBef>
-                <a:spcPts val="200"/>
-              </a:spcBef>
-            </a:pPr>
-            <a:r>
-              <a:rPr lang="en-US" dirty="0" smtClean="0"/>
-              <a:t>Requires 2 APIs</a:t>
-            </a:r>
-          </a:p>
-          <a:p>
-            <a:pPr lvl="1">
-              <a:spcBef>
-                <a:spcPts val="200"/>
-              </a:spcBef>
-            </a:pPr>
-            <a:r>
-              <a:rPr lang="en-US" dirty="0" smtClean="0"/>
-              <a:t>Google Geocoding API: latitude/longitude </a:t>
-            </a:r>
-          </a:p>
-          <a:p>
-            <a:pPr lvl="1">
-              <a:spcBef>
-                <a:spcPts val="200"/>
-              </a:spcBef>
-            </a:pPr>
-            <a:r>
-              <a:rPr lang="en-US" dirty="0" smtClean="0"/>
-              <a:t>OpenWeatherMap API: weather forecast</a:t>
-            </a:r>
-            <a:endParaRPr lang="en-US" dirty="0" smtClean="0">
-              <a:hlinkClick r:id="rId2"/>
-            </a:endParaRPr>
-          </a:p>
-        </p:txBody>
-      </p:sp>
-      <p:sp>
-        <p:nvSpPr>
-          <p:cNvPr id="4" name="Slide Number Placeholder 3"/>
-          <p:cNvSpPr>
-            <a:spLocks noGrp="1"/>
-          </p:cNvSpPr>
-          <p:nvPr>
-            <p:ph type="sldNum" sz="quarter" idx="12"/>
-          </p:nvPr>
-        </p:nvSpPr>
-        <p:spPr/>
-        <p:txBody>
-          <a:bodyPr/>
-          <a:lstStyle/>
-          <a:p>
-            <a:fld id="{4577FE26-ACD1-4964-932B-823877B1C5B5}" type="slidenum">
-              <a:rPr lang="en-US" smtClean="0"/>
-              <a:t>20</a:t>
-            </a:fld>
-            <a:endParaRPr lang="en-US" dirty="0"/>
-          </a:p>
-        </p:txBody>
-      </p:sp>
-    </p:spTree>
-    <p:extLst>
-      <p:ext uri="{BB962C8B-B14F-4D97-AF65-F5344CB8AC3E}">
-        <p14:creationId xmlns:p14="http://schemas.microsoft.com/office/powerpoint/2010/main" val="1346703417"/>
-      </p:ext>
-    </p:extLst>
-  </p:cSld>
-  <p:clrMapOvr>
-    <a:masterClrMapping/>
-  </p:clrMapOvr>
-  <p:timing>
-    <p:tnLst>
-      <p:par>
-        <p:cTn id="1" dur="indefinite" restart="never" nodeType="tmRoot"/>
-      </p:par>
-    </p:tnLst>
-  </p:timing>
 </p:sld>
 </file>
 
@@ -25651,10 +25936,9 @@
           <a:lstStyle/>
           <a:p>
             <a:r>
-              <a:rPr lang="en-US" dirty="0" smtClean="0"/>
-              <a:t>APIs</a:t>
-            </a:r>
-            <a:endParaRPr lang="en-US" dirty="0"/>
+              <a:rPr lang="en-US" dirty="0"/>
+              <a:t>Programming Goal </a:t>
+            </a:r>
           </a:p>
         </p:txBody>
       </p:sp>
@@ -25671,7 +25955,7 @@
         <p:spPr>
           <a:xfrm>
             <a:off x="914400" y="1029730"/>
-            <a:ext cx="7941276" cy="5104671"/>
+            <a:ext cx="7772400" cy="5096434"/>
           </a:xfrm>
         </p:spPr>
         <p:txBody>
@@ -25684,8 +25968,8 @@
               </a:spcBef>
             </a:pPr>
             <a:r>
-              <a:rPr lang="en-US" dirty="0" smtClean="0"/>
-              <a:t>Google Geocoding API</a:t>
+              <a:rPr lang="en-US" dirty="0"/>
+              <a:t>Input</a:t>
             </a:r>
           </a:p>
           <a:p>
@@ -25695,16 +25979,8 @@
               </a:spcBef>
             </a:pPr>
             <a:r>
-              <a:rPr lang="en-US" sz="2000" dirty="0">
-                <a:hlinkClick r:id="rId2"/>
-              </a:rPr>
-              <a:t>https://</a:t>
-            </a:r>
-            <a:r>
-              <a:rPr lang="en-US" sz="2000" dirty="0" smtClean="0">
-                <a:hlinkClick r:id="rId2"/>
-              </a:rPr>
-              <a:t>developers.google.com/maps/documentation/geocoding/start</a:t>
+              <a:rPr lang="en-US" dirty="0"/>
+              <a:t>Zip code as command line argument</a:t>
             </a:r>
           </a:p>
           <a:p>
@@ -25714,12 +25990,9 @@
               </a:spcBef>
             </a:pPr>
             <a:r>
-              <a:rPr lang="en-US" dirty="0" smtClean="0"/>
-              <a:t>Using Google APIs</a:t>
-            </a:r>
-            <a:endParaRPr lang="en-US" dirty="0" smtClean="0">
-              <a:hlinkClick r:id="rId3"/>
-            </a:endParaRPr>
+              <a:rPr lang="en-US" dirty="0"/>
+              <a:t>Print</a:t>
+            </a:r>
           </a:p>
           <a:p>
             <a:pPr lvl="1">
@@ -25728,8 +26001,8 @@
               </a:spcBef>
             </a:pPr>
             <a:r>
-              <a:rPr lang="en-US" dirty="0" smtClean="0"/>
-              <a:t>Create google account</a:t>
+              <a:rPr lang="en-US" dirty="0"/>
+              <a:t>High and low temperature forecast for 5 days</a:t>
             </a:r>
           </a:p>
           <a:p>
@@ -25739,31 +26012,19 @@
               </a:spcBef>
             </a:pPr>
             <a:r>
-              <a:rPr lang="en-US" dirty="0" smtClean="0"/>
-              <a:t>Start free Google Developer trial</a:t>
-            </a:r>
-          </a:p>
-          <a:p>
-            <a:pPr lvl="2">
+              <a:rPr lang="en-US" dirty="0"/>
+              <a:t>Latitude and longitude</a:t>
+            </a:r>
+          </a:p>
+          <a:p>
+            <a:pPr>
               <a:spcBef>
                 <a:spcPts val="200"/>
               </a:spcBef>
             </a:pPr>
             <a:r>
-              <a:rPr lang="en-US" dirty="0">
-                <a:hlinkClick r:id="rId4"/>
-              </a:rPr>
-              <a:t>https://developers.google.com</a:t>
-            </a:r>
-            <a:r>
-              <a:rPr lang="en-US" dirty="0" smtClean="0">
-                <a:hlinkClick r:id="rId4"/>
-              </a:rPr>
-              <a:t>/</a:t>
-            </a:r>
-            <a:r>
-              <a:rPr lang="en-US" dirty="0" smtClean="0"/>
-              <a:t> </a:t>
+              <a:rPr lang="en-US" dirty="0"/>
+              <a:t>Applications Programming Interface (API)</a:t>
             </a:r>
           </a:p>
           <a:p>
@@ -25773,23 +26034,9 @@
               </a:spcBef>
             </a:pPr>
             <a:r>
-              <a:rPr lang="en-US" dirty="0" smtClean="0"/>
-              <a:t>Checkout APIs and enable for your account</a:t>
-            </a:r>
-          </a:p>
-          <a:p>
-            <a:pPr lvl="2">
-              <a:spcBef>
-                <a:spcPts val="200"/>
-              </a:spcBef>
-            </a:pPr>
-            <a:r>
-              <a:rPr lang="en-US" dirty="0">
-                <a:hlinkClick r:id="rId5"/>
-              </a:rPr>
-              <a:t>https://console.developers.google.com/apis/library</a:t>
-            </a:r>
-            <a:endParaRPr lang="en-US" dirty="0" smtClean="0"/>
+              <a:rPr lang="en-US" dirty="0"/>
+              <a:t>Serves data, usually in JSON</a:t>
+            </a:r>
           </a:p>
           <a:p>
             <a:pPr lvl="1">
@@ -25798,29 +26045,20 @@
               </a:spcBef>
             </a:pPr>
             <a:r>
-              <a:rPr lang="en-US" dirty="0" smtClean="0"/>
-              <a:t>Get an API key</a:t>
-            </a:r>
-          </a:p>
-          <a:p>
-            <a:pPr lvl="2">
+              <a:rPr lang="en-US" dirty="0"/>
+              <a:t>Like we did with web scraping</a:t>
+            </a:r>
+          </a:p>
+          <a:p>
+            <a:pPr>
               <a:spcBef>
                 <a:spcPts val="200"/>
               </a:spcBef>
             </a:pPr>
             <a:r>
-              <a:rPr lang="en-US" dirty="0">
-                <a:hlinkClick r:id="rId6"/>
-              </a:rPr>
-              <a:t>https://</a:t>
-            </a:r>
-            <a:r>
-              <a:rPr lang="en-US" dirty="0" smtClean="0">
-                <a:hlinkClick r:id="rId6"/>
-              </a:rPr>
-              <a:t>developers.google.com/maps/documentation/geocoding/get-api-key</a:t>
-            </a:r>
-            <a:endParaRPr lang="en-US" dirty="0" smtClean="0"/>
+              <a:rPr lang="en-US" dirty="0"/>
+              <a:t>Program requires 2 APIs</a:t>
+            </a:r>
           </a:p>
           <a:p>
             <a:pPr lvl="1">
@@ -25829,10 +26067,23 @@
               </a:spcBef>
             </a:pPr>
             <a:r>
-              <a:rPr lang="en-US" dirty="0" smtClean="0"/>
-              <a:t>Google APIs are not free: you’ll get $300 credit</a:t>
-            </a:r>
-            <a:endParaRPr lang="en-US" dirty="0"/>
+              <a:rPr lang="en-US" dirty="0"/>
+              <a:t>Google Geocoding API: latitude/longitude </a:t>
+            </a:r>
+          </a:p>
+          <a:p>
+            <a:pPr lvl="1">
+              <a:spcBef>
+                <a:spcPts val="200"/>
+              </a:spcBef>
+            </a:pPr>
+            <a:r>
+              <a:rPr lang="en-US" dirty="0"/>
+              <a:t>OpenWeatherMap API: weather forecast</a:t>
+            </a:r>
+            <a:endParaRPr lang="en-US" dirty="0">
+              <a:hlinkClick r:id="rId2"/>
+            </a:endParaRPr>
           </a:p>
         </p:txBody>
       </p:sp>
@@ -25862,20 +26113,13 @@
     </p:spTree>
     <p:extLst>
       <p:ext uri="{BB962C8B-B14F-4D97-AF65-F5344CB8AC3E}">
-        <p14:creationId xmlns:p14="http://schemas.microsoft.com/office/powerpoint/2010/main" val="1975293664"/>
+        <p14:creationId xmlns:p14="http://schemas.microsoft.com/office/powerpoint/2010/main" val="1346703417"/>
       </p:ext>
     </p:extLst>
   </p:cSld>
   <p:clrMapOvr>
     <a:masterClrMapping/>
   </p:clrMapOvr>
-  <p:timing>
-    <p:tnLst>
-      <p:par>
-        <p:cTn id="1" dur="indefinite" restart="never" nodeType="tmRoot"/>
-      </p:par>
-    </p:tnLst>
-  </p:timing>
 </p:sld>
 </file>
 
@@ -25912,10 +26156,243 @@
           <a:lstStyle/>
           <a:p>
             <a:r>
-              <a:rPr lang="en-US" dirty="0" smtClean="0"/>
+              <a:rPr lang="en-US" dirty="0"/>
               <a:t>APIs</a:t>
             </a:r>
+          </a:p>
+        </p:txBody>
+      </p:sp>
+      <p:sp>
+        <p:nvSpPr>
+          <p:cNvPr id="3" name="Content Placeholder 2"/>
+          <p:cNvSpPr>
+            <a:spLocks noGrp="1"/>
+          </p:cNvSpPr>
+          <p:nvPr>
+            <p:ph idx="1"/>
+          </p:nvPr>
+        </p:nvSpPr>
+        <p:spPr>
+          <a:xfrm>
+            <a:off x="914400" y="1029730"/>
+            <a:ext cx="7941276" cy="5104671"/>
+          </a:xfrm>
+        </p:spPr>
+        <p:txBody>
+          <a:bodyPr/>
+          <a:lstStyle/>
+          <a:p>
+            <a:pPr>
+              <a:spcBef>
+                <a:spcPts val="200"/>
+              </a:spcBef>
+            </a:pPr>
+            <a:r>
+              <a:rPr lang="en-US" dirty="0"/>
+              <a:t>Google Geocoding API</a:t>
+            </a:r>
+          </a:p>
+          <a:p>
+            <a:pPr lvl="1">
+              <a:spcBef>
+                <a:spcPts val="200"/>
+              </a:spcBef>
+            </a:pPr>
+            <a:r>
+              <a:rPr lang="en-US" sz="2000" dirty="0">
+                <a:hlinkClick r:id="rId2"/>
+              </a:rPr>
+              <a:t>https://developers.google.com/maps/documentation/geocoding/start</a:t>
+            </a:r>
+          </a:p>
+          <a:p>
+            <a:pPr>
+              <a:spcBef>
+                <a:spcPts val="200"/>
+              </a:spcBef>
+            </a:pPr>
+            <a:r>
+              <a:rPr lang="en-US" dirty="0"/>
+              <a:t>Using Google APIs</a:t>
+            </a:r>
+            <a:endParaRPr lang="en-US" dirty="0">
+              <a:hlinkClick r:id="rId3"/>
+            </a:endParaRPr>
+          </a:p>
+          <a:p>
+            <a:pPr lvl="1">
+              <a:spcBef>
+                <a:spcPts val="200"/>
+              </a:spcBef>
+            </a:pPr>
+            <a:r>
+              <a:rPr lang="en-US" dirty="0"/>
+              <a:t>Create google account</a:t>
+            </a:r>
+          </a:p>
+          <a:p>
+            <a:pPr lvl="1">
+              <a:spcBef>
+                <a:spcPts val="200"/>
+              </a:spcBef>
+            </a:pPr>
+            <a:r>
+              <a:rPr lang="en-US" dirty="0"/>
+              <a:t>Start free Google Developer trial</a:t>
+            </a:r>
+          </a:p>
+          <a:p>
+            <a:pPr lvl="2">
+              <a:spcBef>
+                <a:spcPts val="200"/>
+              </a:spcBef>
+            </a:pPr>
+            <a:r>
+              <a:rPr lang="en-US" dirty="0">
+                <a:hlinkClick r:id="rId4"/>
+              </a:rPr>
+              <a:t>https://developers.google.com/</a:t>
+            </a:r>
+            <a:r>
+              <a:rPr lang="en-US" dirty="0"/>
+              <a:t> </a:t>
+            </a:r>
+          </a:p>
+          <a:p>
+            <a:pPr lvl="1">
+              <a:spcBef>
+                <a:spcPts val="200"/>
+              </a:spcBef>
+            </a:pPr>
+            <a:r>
+              <a:rPr lang="en-US" dirty="0"/>
+              <a:t>Checkout APIs and enable for your account</a:t>
+            </a:r>
+          </a:p>
+          <a:p>
+            <a:pPr lvl="2">
+              <a:spcBef>
+                <a:spcPts val="200"/>
+              </a:spcBef>
+            </a:pPr>
+            <a:r>
+              <a:rPr lang="en-US" dirty="0">
+                <a:hlinkClick r:id="rId5"/>
+              </a:rPr>
+              <a:t>https://console.developers.google.com/apis/library</a:t>
+            </a:r>
             <a:endParaRPr lang="en-US" dirty="0"/>
+          </a:p>
+          <a:p>
+            <a:pPr lvl="1">
+              <a:spcBef>
+                <a:spcPts val="200"/>
+              </a:spcBef>
+            </a:pPr>
+            <a:r>
+              <a:rPr lang="en-US" dirty="0"/>
+              <a:t>Get an API key</a:t>
+            </a:r>
+          </a:p>
+          <a:p>
+            <a:pPr lvl="2">
+              <a:spcBef>
+                <a:spcPts val="200"/>
+              </a:spcBef>
+            </a:pPr>
+            <a:r>
+              <a:rPr lang="en-US" dirty="0">
+                <a:hlinkClick r:id="rId6"/>
+              </a:rPr>
+              <a:t>https://developers.google.com/maps/documentation/geocoding/get-api-key</a:t>
+            </a:r>
+            <a:endParaRPr lang="en-US" dirty="0"/>
+          </a:p>
+          <a:p>
+            <a:pPr lvl="1">
+              <a:spcBef>
+                <a:spcPts val="200"/>
+              </a:spcBef>
+            </a:pPr>
+            <a:r>
+              <a:rPr lang="en-US" dirty="0"/>
+              <a:t>Google APIs are not free: you’ll get $300 credit</a:t>
+            </a:r>
+          </a:p>
+        </p:txBody>
+      </p:sp>
+      <p:sp>
+        <p:nvSpPr>
+          <p:cNvPr id="4" name="Slide Number Placeholder 3"/>
+          <p:cNvSpPr>
+            <a:spLocks noGrp="1"/>
+          </p:cNvSpPr>
+          <p:nvPr>
+            <p:ph type="sldNum" sz="quarter" idx="12"/>
+          </p:nvPr>
+        </p:nvSpPr>
+        <p:spPr/>
+        <p:txBody>
+          <a:bodyPr/>
+          <a:lstStyle/>
+          <a:p>
+            <a:fld id="{4577FE26-ACD1-4964-932B-823877B1C5B5}" type="slidenum">
+              <a:rPr lang="en-US" smtClean="0"/>
+              <a:t>22</a:t>
+            </a:fld>
+            <a:endParaRPr lang="en-US" dirty="0"/>
+          </a:p>
+        </p:txBody>
+      </p:sp>
+    </p:spTree>
+    <p:extLst>
+      <p:ext uri="{BB962C8B-B14F-4D97-AF65-F5344CB8AC3E}">
+        <p14:creationId xmlns:p14="http://schemas.microsoft.com/office/powerpoint/2010/main" val="1975293664"/>
+      </p:ext>
+    </p:extLst>
+  </p:cSld>
+  <p:clrMapOvr>
+    <a:masterClrMapping/>
+  </p:clrMapOvr>
+</p:sld>
+</file>
+
+<file path=ppt/slides/slide23.xml><?xml version="1.0" encoding="utf-8"?>
+<p:sld xmlns:a="http://schemas.openxmlformats.org/drawingml/2006/main" xmlns:r="http://schemas.openxmlformats.org/officeDocument/2006/relationships" xmlns:p="http://schemas.openxmlformats.org/presentationml/2006/main">
+  <p:cSld>
+    <p:spTree>
+      <p:nvGrpSpPr>
+        <p:cNvPr id="1" name=""/>
+        <p:cNvGrpSpPr/>
+        <p:nvPr/>
+      </p:nvGrpSpPr>
+      <p:grpSpPr>
+        <a:xfrm>
+          <a:off x="0" y="0"/>
+          <a:ext cx="0" cy="0"/>
+          <a:chOff x="0" y="0"/>
+          <a:chExt cx="0" cy="0"/>
+        </a:xfrm>
+      </p:grpSpPr>
+      <p:sp>
+        <p:nvSpPr>
+          <p:cNvPr id="2" name="Title 1"/>
+          <p:cNvSpPr>
+            <a:spLocks noGrp="1"/>
+          </p:cNvSpPr>
+          <p:nvPr>
+            <p:ph type="title"/>
+          </p:nvPr>
+        </p:nvSpPr>
+        <p:spPr/>
+        <p:txBody>
+          <a:bodyPr/>
+          <a:lstStyle/>
+          <a:p>
+            <a:r>
+              <a:rPr lang="en-US" dirty="0"/>
+              <a:t>APIs</a:t>
+            </a:r>
           </a:p>
         </p:txBody>
       </p:sp>
@@ -25935,12 +26412,8 @@
           <a:lstStyle/>
           <a:p>
             <a:r>
-              <a:rPr lang="en-US" dirty="0" smtClean="0"/>
-              <a:t>OpenWeatherMap </a:t>
-            </a:r>
-            <a:r>
               <a:rPr lang="en-US" dirty="0"/>
-              <a:t>API</a:t>
+              <a:t>OpenWeatherMap API</a:t>
             </a:r>
             <a:endParaRPr lang="en-US" dirty="0">
               <a:hlinkClick r:id="rId2"/>
@@ -25982,13 +26455,7 @@
               <a:rPr lang="en-US" dirty="0">
                 <a:hlinkClick r:id="rId5"/>
               </a:rPr>
-              <a:t>https://</a:t>
-            </a:r>
-            <a:r>
-              <a:rPr lang="en-US" dirty="0" smtClean="0">
-                <a:hlinkClick r:id="rId5"/>
-              </a:rPr>
-              <a:t>openweathermap.org/price</a:t>
+              <a:t>https://openweathermap.org/price</a:t>
             </a:r>
             <a:endParaRPr lang="en-US" dirty="0"/>
           </a:p>
@@ -26011,7 +26478,7 @@
           <a:p>
             <a:fld id="{4577FE26-ACD1-4964-932B-823877B1C5B5}" type="slidenum">
               <a:rPr lang="en-US" smtClean="0"/>
-              <a:t>22</a:t>
+              <a:t>23</a:t>
             </a:fld>
             <a:endParaRPr lang="en-US" dirty="0"/>
           </a:p>
@@ -26027,17 +26494,10 @@
   <p:clrMapOvr>
     <a:masterClrMapping/>
   </p:clrMapOvr>
-  <p:timing>
-    <p:tnLst>
-      <p:par>
-        <p:cTn id="1" dur="indefinite" restart="never" nodeType="tmRoot"/>
-      </p:par>
-    </p:tnLst>
-  </p:timing>
 </p:sld>
 </file>
 
-<file path=ppt/slides/slide23.xml><?xml version="1.0" encoding="utf-8"?>
+<file path=ppt/slides/slide24.xml><?xml version="1.0" encoding="utf-8"?>
 <p:sld xmlns:a="http://schemas.openxmlformats.org/drawingml/2006/main" xmlns:r="http://schemas.openxmlformats.org/officeDocument/2006/relationships" xmlns:p="http://schemas.openxmlformats.org/presentationml/2006/main">
   <p:cSld>
     <p:spTree>
@@ -26076,13 +26536,8 @@
           <a:p>
             <a:r>
               <a:rPr lang="en-US" dirty="0"/>
-              <a:t>Writing Command Line </a:t>
-            </a:r>
-            <a:r>
-              <a:rPr lang="en-US" dirty="0" smtClean="0"/>
-              <a:t>Programs</a:t>
-            </a:r>
-            <a:endParaRPr lang="en-US" dirty="0"/>
+              <a:t>Writing Command Line Programs</a:t>
+            </a:r>
           </a:p>
         </p:txBody>
       </p:sp>
@@ -26102,19 +26557,14 @@
           <a:lstStyle/>
           <a:p>
             <a:r>
-              <a:rPr lang="en-US" dirty="0" smtClean="0"/>
-              <a:t>Base </a:t>
-            </a:r>
-            <a:r>
               <a:rPr lang="en-US" dirty="0"/>
-              <a:t>Program—Hard Coded </a:t>
-            </a:r>
-            <a:endParaRPr lang="en-US" dirty="0" smtClean="0"/>
+              <a:t>Base Program—Hard Coded </a:t>
+            </a:r>
           </a:p>
           <a:p>
             <a:pPr lvl="1"/>
             <a:r>
-              <a:rPr lang="en-US" dirty="0" smtClean="0">
+              <a:rPr lang="en-US" dirty="0">
                 <a:latin typeface="Courier New" panose="02070309020205020404" pitchFamily="49" charset="0"/>
                 <a:cs typeface="Courier New" panose="02070309020205020404" pitchFamily="49" charset="0"/>
               </a:rPr>
@@ -26124,8 +26574,15 @@
           <a:p>
             <a:pPr lvl="1"/>
             <a:r>
-              <a:rPr lang="en-US" dirty="0" smtClean="0"/>
+              <a:rPr lang="en-US" dirty="0"/>
               <a:t>Zip code is hard coded</a:t>
+            </a:r>
+          </a:p>
+          <a:p>
+            <a:pPr lvl="1"/>
+            <a:r>
+              <a:rPr lang="en-US" dirty="0"/>
+              <a:t>No parameters to pass on the command line</a:t>
             </a:r>
           </a:p>
           <a:p>
@@ -26150,7 +26607,7 @@
           <a:p>
             <a:fld id="{4577FE26-ACD1-4964-932B-823877B1C5B5}" type="slidenum">
               <a:rPr lang="en-US" smtClean="0"/>
-              <a:t>23</a:t>
+              <a:t>24</a:t>
             </a:fld>
             <a:endParaRPr lang="en-US" dirty="0"/>
           </a:p>
@@ -26166,17 +26623,10 @@
   <p:clrMapOvr>
     <a:masterClrMapping/>
   </p:clrMapOvr>
-  <p:timing>
-    <p:tnLst>
-      <p:par>
-        <p:cTn id="1" dur="indefinite" restart="never" nodeType="tmRoot"/>
-      </p:par>
-    </p:tnLst>
-  </p:timing>
 </p:sld>
 </file>
 
-<file path=ppt/slides/slide24.xml><?xml version="1.0" encoding="utf-8"?>
+<file path=ppt/slides/slide25.xml><?xml version="1.0" encoding="utf-8"?>
 <p:sld xmlns:a="http://schemas.openxmlformats.org/drawingml/2006/main" xmlns:r="http://schemas.openxmlformats.org/officeDocument/2006/relationships" xmlns:p="http://schemas.openxmlformats.org/presentationml/2006/main">
   <p:cSld>
     <p:spTree>
@@ -26234,7 +26684,12 @@
             <p:ph idx="1"/>
           </p:nvPr>
         </p:nvSpPr>
-        <p:spPr/>
+        <p:spPr>
+          <a:xfrm>
+            <a:off x="914400" y="1105232"/>
+            <a:ext cx="7772400" cy="5020932"/>
+          </a:xfrm>
+        </p:spPr>
         <p:txBody>
           <a:bodyPr/>
           <a:lstStyle/>
@@ -26242,57 +26697,93 @@
             <a:r>
               <a:rPr lang="en-US" dirty="0"/>
               <a:t>Arguments Via </a:t>
+            </a:r>
+            <a:r>
+              <a:rPr lang="en-US" dirty="0" err="1">
+                <a:latin typeface="Courier New" panose="02070309020205020404" pitchFamily="49" charset="0"/>
+                <a:cs typeface="Courier New" panose="02070309020205020404" pitchFamily="49" charset="0"/>
+              </a:rPr>
+              <a:t>sys.argv</a:t>
             </a:r>
             <a:r>
               <a:rPr lang="en-US" dirty="0">
                 <a:latin typeface="Courier New" panose="02070309020205020404" pitchFamily="49" charset="0"/>
                 <a:cs typeface="Courier New" panose="02070309020205020404" pitchFamily="49" charset="0"/>
               </a:rPr>
-              <a:t>sys.argv </a:t>
-            </a:r>
-            <a:endParaRPr lang="en-US" dirty="0" smtClean="0">
-              <a:latin typeface="Courier New" panose="02070309020205020404" pitchFamily="49" charset="0"/>
-              <a:cs typeface="Courier New" panose="02070309020205020404" pitchFamily="49" charset="0"/>
-            </a:endParaRPr>
-          </a:p>
-          <a:p>
-            <a:r>
-              <a:rPr lang="en-US" dirty="0" smtClean="0">
+              <a:t> </a:t>
+            </a:r>
+          </a:p>
+          <a:p>
+            <a:r>
+              <a:rPr lang="en-US" dirty="0">
+                <a:cs typeface="Courier New" panose="02070309020205020404" pitchFamily="49" charset="0"/>
+              </a:rPr>
+              <a:t>Operating system packages parameters and send to the executable program</a:t>
+            </a:r>
+          </a:p>
+          <a:p>
+            <a:r>
+              <a:rPr lang="en-US" dirty="0"/>
+              <a:t>Arguments passed to Python are accessible from </a:t>
+            </a:r>
+            <a:r>
+              <a:rPr lang="en-US" dirty="0" err="1">
                 <a:latin typeface="Courier New" panose="02070309020205020404" pitchFamily="49" charset="0"/>
                 <a:cs typeface="Courier New" panose="02070309020205020404" pitchFamily="49" charset="0"/>
               </a:rPr>
               <a:t>sys.argv</a:t>
             </a:r>
             <a:r>
-              <a:rPr lang="en-US" dirty="0" smtClean="0"/>
-              <a:t> is a list of arguments passed to Python</a:t>
+              <a:rPr lang="en-US" dirty="0"/>
+              <a:t> as a list </a:t>
             </a:r>
           </a:p>
           <a:p>
             <a:pPr lvl="1"/>
             <a:r>
-              <a:rPr lang="en-US" dirty="0" smtClean="0">
+              <a:rPr lang="en-US" dirty="0" err="1">
                 <a:latin typeface="Courier New" panose="02070309020205020404" pitchFamily="49" charset="0"/>
                 <a:cs typeface="Courier New" panose="02070309020205020404" pitchFamily="49" charset="0"/>
               </a:rPr>
-              <a:t>sys.argv[0]</a:t>
-            </a:r>
-            <a:r>
-              <a:rPr lang="en-US" dirty="0" smtClean="0"/>
+              <a:t>sys.argv</a:t>
+            </a:r>
+            <a:r>
+              <a:rPr lang="en-US" dirty="0">
+                <a:latin typeface="Courier New" panose="02070309020205020404" pitchFamily="49" charset="0"/>
+                <a:cs typeface="Courier New" panose="02070309020205020404" pitchFamily="49" charset="0"/>
+              </a:rPr>
+              <a:t>[0]</a:t>
+            </a:r>
+            <a:r>
+              <a:rPr lang="en-US" dirty="0"/>
               <a:t> is always the program name </a:t>
             </a:r>
           </a:p>
           <a:p>
+            <a:pPr lvl="2"/>
+            <a:r>
+              <a:rPr lang="en-US" dirty="0">
+                <a:latin typeface="Courier New" panose="02070309020205020404" pitchFamily="49" charset="0"/>
+                <a:cs typeface="Courier New" panose="02070309020205020404" pitchFamily="49" charset="0"/>
+              </a:rPr>
+              <a:t>python</a:t>
+            </a:r>
+            <a:r>
+              <a:rPr lang="en-US" dirty="0"/>
+              <a:t>, in our case</a:t>
+            </a:r>
+          </a:p>
+          <a:p>
             <a:pPr lvl="1"/>
             <a:r>
-              <a:rPr lang="en-US" dirty="0" smtClean="0"/>
+              <a:rPr lang="en-US" dirty="0"/>
               <a:t>Need import statement</a:t>
             </a:r>
           </a:p>
           <a:p>
             <a:pPr lvl="2"/>
             <a:r>
-              <a:rPr lang="en-US" dirty="0" smtClean="0">
+              <a:rPr lang="en-US" dirty="0">
                 <a:latin typeface="Courier New" panose="02070309020205020404" pitchFamily="49" charset="0"/>
                 <a:cs typeface="Courier New" panose="02070309020205020404" pitchFamily="49" charset="0"/>
               </a:rPr>
@@ -26301,20 +26792,16 @@
           </a:p>
           <a:p>
             <a:r>
-              <a:rPr lang="en-US" dirty="0" smtClean="0"/>
+              <a:rPr lang="en-US" dirty="0"/>
               <a:t>See </a:t>
             </a:r>
             <a:r>
-              <a:rPr lang="en-US" dirty="0" smtClean="0">
+              <a:rPr lang="en-US" dirty="0">
                 <a:latin typeface="Courier New" panose="02070309020205020404" pitchFamily="49" charset="0"/>
                 <a:cs typeface="Courier New" panose="02070309020205020404" pitchFamily="49" charset="0"/>
               </a:rPr>
               <a:t>clWeather2.py</a:t>
             </a:r>
-            <a:endParaRPr lang="en-US" dirty="0">
-              <a:latin typeface="Courier New" panose="02070309020205020404" pitchFamily="49" charset="0"/>
-              <a:cs typeface="Courier New" panose="02070309020205020404" pitchFamily="49" charset="0"/>
-            </a:endParaRPr>
           </a:p>
           <a:p>
             <a:endParaRPr lang="en-US" dirty="0"/>
@@ -26338,7 +26825,7 @@
           <a:p>
             <a:fld id="{4577FE26-ACD1-4964-932B-823877B1C5B5}" type="slidenum">
               <a:rPr lang="en-US" smtClean="0"/>
-              <a:t>24</a:t>
+              <a:t>25</a:t>
             </a:fld>
             <a:endParaRPr lang="en-US" dirty="0"/>
           </a:p>
@@ -26354,17 +26841,10 @@
   <p:clrMapOvr>
     <a:masterClrMapping/>
   </p:clrMapOvr>
-  <p:timing>
-    <p:tnLst>
-      <p:par>
-        <p:cTn id="1" dur="indefinite" restart="never" nodeType="tmRoot"/>
-      </p:par>
-    </p:tnLst>
-  </p:timing>
 </p:sld>
 </file>
 
-<file path=ppt/slides/slide25.xml><?xml version="1.0" encoding="utf-8"?>
+<file path=ppt/slides/slide26.xml><?xml version="1.0" encoding="utf-8"?>
 <p:sld xmlns:a="http://schemas.openxmlformats.org/drawingml/2006/main" xmlns:r="http://schemas.openxmlformats.org/officeDocument/2006/relationships" xmlns:p="http://schemas.openxmlformats.org/presentationml/2006/main">
   <p:cSld>
     <p:spTree>
@@ -26403,13 +26883,8 @@
           <a:p>
             <a:r>
               <a:rPr lang="en-US" dirty="0"/>
-              <a:t>Writing Command Line </a:t>
-            </a:r>
-            <a:r>
-              <a:rPr lang="en-US" dirty="0" smtClean="0"/>
-              <a:t>Programs</a:t>
-            </a:r>
-            <a:endParaRPr lang="en-US" dirty="0"/>
+              <a:t>Writing Command Line Programs</a:t>
+            </a:r>
           </a:p>
         </p:txBody>
       </p:sp>
@@ -26441,22 +26916,18 @@
             </a:r>
             <a:r>
               <a:rPr lang="en-US" dirty="0"/>
-              <a:t> </a:t>
-            </a:r>
-            <a:r>
-              <a:rPr lang="en-US" dirty="0" smtClean="0"/>
-              <a:t>Package</a:t>
-            </a:r>
-          </a:p>
-          <a:p>
-            <a:r>
-              <a:rPr lang="en-US" dirty="0" smtClean="0">
+              <a:t> Package</a:t>
+            </a:r>
+          </a:p>
+          <a:p>
+            <a:r>
+              <a:rPr lang="en-US" dirty="0">
                 <a:cs typeface="Courier New" panose="02070309020205020404" pitchFamily="49" charset="0"/>
               </a:rPr>
               <a:t>See </a:t>
             </a:r>
             <a:r>
-              <a:rPr lang="en-US" dirty="0" smtClean="0">
+              <a:rPr lang="en-US" dirty="0">
                 <a:latin typeface="Courier New" panose="02070309020205020404" pitchFamily="49" charset="0"/>
                 <a:cs typeface="Courier New" panose="02070309020205020404" pitchFamily="49" charset="0"/>
               </a:rPr>
@@ -26465,34 +26936,34 @@
           </a:p>
           <a:p>
             <a:r>
-              <a:rPr lang="en-US" dirty="0" smtClean="0">
+              <a:rPr lang="en-US" dirty="0">
                 <a:latin typeface="Courier New" panose="02070309020205020404" pitchFamily="49" charset="0"/>
                 <a:cs typeface="Courier New" panose="02070309020205020404" pitchFamily="49" charset="0"/>
               </a:rPr>
               <a:t>argparse</a:t>
             </a:r>
             <a:r>
-              <a:rPr lang="en-US" dirty="0" smtClean="0"/>
+              <a:rPr lang="en-US" dirty="0"/>
               <a:t> package permits</a:t>
             </a:r>
           </a:p>
           <a:p>
             <a:pPr lvl="1"/>
             <a:r>
-              <a:rPr lang="en-US" dirty="0" smtClean="0"/>
+              <a:rPr lang="en-US" dirty="0"/>
               <a:t>Various types of arguments</a:t>
             </a:r>
           </a:p>
           <a:p>
             <a:pPr lvl="1"/>
             <a:r>
-              <a:rPr lang="en-US" dirty="0" smtClean="0"/>
+              <a:rPr lang="en-US" dirty="0"/>
               <a:t>Help menu</a:t>
             </a:r>
           </a:p>
           <a:p>
             <a:r>
-              <a:rPr lang="en-US" dirty="0" smtClean="0">
+              <a:rPr lang="en-US" dirty="0">
                 <a:cs typeface="Courier New" panose="02070309020205020404" pitchFamily="49" charset="0"/>
               </a:rPr>
               <a:t>Import package</a:t>
@@ -26501,7 +26972,7 @@
           <a:p>
             <a:pPr lvl="1"/>
             <a:r>
-              <a:rPr lang="en-US" dirty="0" smtClean="0">
+              <a:rPr lang="en-US" dirty="0">
                 <a:latin typeface="Courier New" panose="02070309020205020404" pitchFamily="49" charset="0"/>
                 <a:cs typeface="Courier New" panose="02070309020205020404" pitchFamily="49" charset="0"/>
               </a:rPr>
@@ -26511,12 +26982,12 @@
           <a:p>
             <a:pPr lvl="1"/>
             <a:r>
-              <a:rPr lang="en-US" dirty="0" smtClean="0">
+              <a:rPr lang="en-US" dirty="0">
                 <a:hlinkClick r:id="rId2"/>
               </a:rPr>
               <a:t>https://docs.python.org/3/library/argparse.html</a:t>
             </a:r>
-            <a:endParaRPr lang="en-US" dirty="0" smtClean="0"/>
+            <a:endParaRPr lang="en-US" dirty="0"/>
           </a:p>
           <a:p>
             <a:endParaRPr lang="en-US" dirty="0"/>
@@ -26540,7 +27011,7 @@
           <a:p>
             <a:fld id="{4577FE26-ACD1-4964-932B-823877B1C5B5}" type="slidenum">
               <a:rPr lang="en-US" smtClean="0"/>
-              <a:t>25</a:t>
+              <a:t>26</a:t>
             </a:fld>
             <a:endParaRPr lang="en-US" dirty="0"/>
           </a:p>
@@ -26556,171 +27027,6 @@
   <p:clrMapOvr>
     <a:masterClrMapping/>
   </p:clrMapOvr>
-  <p:timing>
-    <p:tnLst>
-      <p:par>
-        <p:cTn id="1" dur="indefinite" restart="never" nodeType="tmRoot"/>
-      </p:par>
-    </p:tnLst>
-  </p:timing>
-</p:sld>
-</file>
-
-<file path=ppt/slides/slide26.xml><?xml version="1.0" encoding="utf-8"?>
-<p:sld xmlns:a="http://schemas.openxmlformats.org/drawingml/2006/main" xmlns:r="http://schemas.openxmlformats.org/officeDocument/2006/relationships" xmlns:p="http://schemas.openxmlformats.org/presentationml/2006/main">
-  <p:cSld>
-    <p:spTree>
-      <p:nvGrpSpPr>
-        <p:cNvPr id="1" name=""/>
-        <p:cNvGrpSpPr/>
-        <p:nvPr/>
-      </p:nvGrpSpPr>
-      <p:grpSpPr>
-        <a:xfrm>
-          <a:off x="0" y="0"/>
-          <a:ext cx="0" cy="0"/>
-          <a:chOff x="0" y="0"/>
-          <a:chExt cx="0" cy="0"/>
-        </a:xfrm>
-      </p:grpSpPr>
-      <p:sp>
-        <p:nvSpPr>
-          <p:cNvPr id="2" name="Title 1"/>
-          <p:cNvSpPr>
-            <a:spLocks noGrp="1"/>
-          </p:cNvSpPr>
-          <p:nvPr>
-            <p:ph type="title"/>
-          </p:nvPr>
-        </p:nvSpPr>
-        <p:spPr>
-          <a:xfrm>
-            <a:off x="914399" y="274638"/>
-            <a:ext cx="7916563" cy="944562"/>
-          </a:xfrm>
-        </p:spPr>
-        <p:txBody>
-          <a:bodyPr/>
-          <a:lstStyle/>
-          <a:p>
-            <a:r>
-              <a:rPr lang="en-US" dirty="0" smtClean="0"/>
-              <a:t>Writing Command Line Programs</a:t>
-            </a:r>
-            <a:endParaRPr lang="en-US" dirty="0"/>
-          </a:p>
-        </p:txBody>
-      </p:sp>
-      <p:sp>
-        <p:nvSpPr>
-          <p:cNvPr id="3" name="Content Placeholder 2"/>
-          <p:cNvSpPr>
-            <a:spLocks noGrp="1"/>
-          </p:cNvSpPr>
-          <p:nvPr>
-            <p:ph idx="1"/>
-          </p:nvPr>
-        </p:nvSpPr>
-        <p:spPr>
-          <a:xfrm>
-            <a:off x="914400" y="963828"/>
-            <a:ext cx="8031892" cy="5162336"/>
-          </a:xfrm>
-        </p:spPr>
-        <p:txBody>
-          <a:bodyPr/>
-          <a:lstStyle/>
-          <a:p>
-            <a:r>
-              <a:rPr lang="en-US" dirty="0" smtClean="0"/>
-              <a:t>It is more convenient to run programs in Spyder during development</a:t>
-            </a:r>
-          </a:p>
-          <a:p>
-            <a:r>
-              <a:rPr lang="en-US" dirty="0" smtClean="0"/>
-              <a:t>Mimic command line execution</a:t>
-            </a:r>
-          </a:p>
-          <a:p>
-            <a:pPr lvl="1"/>
-            <a:r>
-              <a:rPr lang="en-US" dirty="0" smtClean="0">
-                <a:latin typeface="Courier New" panose="02070309020205020404" pitchFamily="49" charset="0"/>
-                <a:cs typeface="Courier New" panose="02070309020205020404" pitchFamily="49" charset="0"/>
-              </a:rPr>
-              <a:t>Select Run&gt;Configuration per File</a:t>
-            </a:r>
-            <a:endParaRPr lang="en-US" dirty="0">
-              <a:latin typeface="Courier New" panose="02070309020205020404" pitchFamily="49" charset="0"/>
-              <a:cs typeface="Courier New" panose="02070309020205020404" pitchFamily="49" charset="0"/>
-            </a:endParaRPr>
-          </a:p>
-        </p:txBody>
-      </p:sp>
-      <p:sp>
-        <p:nvSpPr>
-          <p:cNvPr id="4" name="Slide Number Placeholder 3"/>
-          <p:cNvSpPr>
-            <a:spLocks noGrp="1"/>
-          </p:cNvSpPr>
-          <p:nvPr>
-            <p:ph type="sldNum" sz="quarter" idx="12"/>
-          </p:nvPr>
-        </p:nvSpPr>
-        <p:spPr/>
-        <p:txBody>
-          <a:bodyPr/>
-          <a:lstStyle/>
-          <a:p>
-            <a:fld id="{4577FE26-ACD1-4964-932B-823877B1C5B5}" type="slidenum">
-              <a:rPr lang="en-US" smtClean="0"/>
-              <a:t>26</a:t>
-            </a:fld>
-            <a:endParaRPr lang="en-US" dirty="0"/>
-          </a:p>
-        </p:txBody>
-      </p:sp>
-      <p:pic>
-        <p:nvPicPr>
-          <p:cNvPr id="5" name="Picture 4"/>
-          <p:cNvPicPr>
-            <a:picLocks noChangeAspect="1"/>
-          </p:cNvPicPr>
-          <p:nvPr/>
-        </p:nvPicPr>
-        <p:blipFill rotWithShape="1">
-          <a:blip r:embed="rId2"/>
-          <a:srcRect r="64603" b="66806"/>
-          <a:stretch/>
-        </p:blipFill>
-        <p:spPr>
-          <a:xfrm>
-            <a:off x="1524000" y="3135870"/>
-            <a:ext cx="6345951" cy="3347480"/>
-          </a:xfrm>
-          <a:prstGeom prst="rect">
-            <a:avLst/>
-          </a:prstGeom>
-        </p:spPr>
-      </p:pic>
-    </p:spTree>
-    <p:extLst>
-      <p:ext uri="{BB962C8B-B14F-4D97-AF65-F5344CB8AC3E}">
-        <p14:creationId xmlns:p14="http://schemas.microsoft.com/office/powerpoint/2010/main" val="499578217"/>
-      </p:ext>
-    </p:extLst>
-  </p:cSld>
-  <p:clrMapOvr>
-    <a:masterClrMapping/>
-  </p:clrMapOvr>
-  <p:timing>
-    <p:tnLst>
-      <p:par>
-        <p:cTn id="1" dur="indefinite" restart="never" nodeType="tmRoot"/>
-      </p:par>
-    </p:tnLst>
-  </p:timing>
 </p:sld>
 </file>
 
@@ -26762,10 +27068,155 @@
           <a:lstStyle/>
           <a:p>
             <a:r>
-              <a:rPr lang="en-US" dirty="0" smtClean="0"/>
+              <a:rPr lang="en-US" dirty="0"/>
               <a:t>Writing Command Line Programs</a:t>
             </a:r>
+          </a:p>
+        </p:txBody>
+      </p:sp>
+      <p:sp>
+        <p:nvSpPr>
+          <p:cNvPr id="3" name="Content Placeholder 2"/>
+          <p:cNvSpPr>
+            <a:spLocks noGrp="1"/>
+          </p:cNvSpPr>
+          <p:nvPr>
+            <p:ph idx="1"/>
+          </p:nvPr>
+        </p:nvSpPr>
+        <p:spPr>
+          <a:xfrm>
+            <a:off x="914400" y="963828"/>
+            <a:ext cx="8031892" cy="5162336"/>
+          </a:xfrm>
+        </p:spPr>
+        <p:txBody>
+          <a:bodyPr/>
+          <a:lstStyle/>
+          <a:p>
+            <a:r>
+              <a:rPr lang="en-US" dirty="0"/>
+              <a:t>It is more convenient to run programs in Spyder during development</a:t>
+            </a:r>
+          </a:p>
+          <a:p>
+            <a:r>
+              <a:rPr lang="en-US" dirty="0"/>
+              <a:t>Mimic command line execution</a:t>
+            </a:r>
+          </a:p>
+          <a:p>
+            <a:pPr lvl="1"/>
+            <a:r>
+              <a:rPr lang="en-US" dirty="0">
+                <a:latin typeface="Courier New" panose="02070309020205020404" pitchFamily="49" charset="0"/>
+                <a:cs typeface="Courier New" panose="02070309020205020404" pitchFamily="49" charset="0"/>
+              </a:rPr>
+              <a:t>Select Run&gt;Configuration per File</a:t>
+            </a:r>
+          </a:p>
+        </p:txBody>
+      </p:sp>
+      <p:sp>
+        <p:nvSpPr>
+          <p:cNvPr id="4" name="Slide Number Placeholder 3"/>
+          <p:cNvSpPr>
+            <a:spLocks noGrp="1"/>
+          </p:cNvSpPr>
+          <p:nvPr>
+            <p:ph type="sldNum" sz="quarter" idx="12"/>
+          </p:nvPr>
+        </p:nvSpPr>
+        <p:spPr/>
+        <p:txBody>
+          <a:bodyPr/>
+          <a:lstStyle/>
+          <a:p>
+            <a:fld id="{4577FE26-ACD1-4964-932B-823877B1C5B5}" type="slidenum">
+              <a:rPr lang="en-US" smtClean="0"/>
+              <a:t>27</a:t>
+            </a:fld>
             <a:endParaRPr lang="en-US" dirty="0"/>
+          </a:p>
+        </p:txBody>
+      </p:sp>
+      <p:pic>
+        <p:nvPicPr>
+          <p:cNvPr id="5" name="Picture 4"/>
+          <p:cNvPicPr>
+            <a:picLocks noChangeAspect="1"/>
+          </p:cNvPicPr>
+          <p:nvPr/>
+        </p:nvPicPr>
+        <p:blipFill rotWithShape="1">
+          <a:blip r:embed="rId2"/>
+          <a:srcRect r="64603" b="66806"/>
+          <a:stretch/>
+        </p:blipFill>
+        <p:spPr>
+          <a:xfrm>
+            <a:off x="1524000" y="3135870"/>
+            <a:ext cx="6345951" cy="3347480"/>
+          </a:xfrm>
+          <a:prstGeom prst="rect">
+            <a:avLst/>
+          </a:prstGeom>
+        </p:spPr>
+      </p:pic>
+    </p:spTree>
+    <p:extLst>
+      <p:ext uri="{BB962C8B-B14F-4D97-AF65-F5344CB8AC3E}">
+        <p14:creationId xmlns:p14="http://schemas.microsoft.com/office/powerpoint/2010/main" val="499578217"/>
+      </p:ext>
+    </p:extLst>
+  </p:cSld>
+  <p:clrMapOvr>
+    <a:masterClrMapping/>
+  </p:clrMapOvr>
+</p:sld>
+</file>
+
+<file path=ppt/slides/slide28.xml><?xml version="1.0" encoding="utf-8"?>
+<p:sld xmlns:a="http://schemas.openxmlformats.org/drawingml/2006/main" xmlns:r="http://schemas.openxmlformats.org/officeDocument/2006/relationships" xmlns:p="http://schemas.openxmlformats.org/presentationml/2006/main">
+  <p:cSld>
+    <p:spTree>
+      <p:nvGrpSpPr>
+        <p:cNvPr id="1" name=""/>
+        <p:cNvGrpSpPr/>
+        <p:nvPr/>
+      </p:nvGrpSpPr>
+      <p:grpSpPr>
+        <a:xfrm>
+          <a:off x="0" y="0"/>
+          <a:ext cx="0" cy="0"/>
+          <a:chOff x="0" y="0"/>
+          <a:chExt cx="0" cy="0"/>
+        </a:xfrm>
+      </p:grpSpPr>
+      <p:sp>
+        <p:nvSpPr>
+          <p:cNvPr id="2" name="Title 1"/>
+          <p:cNvSpPr>
+            <a:spLocks noGrp="1"/>
+          </p:cNvSpPr>
+          <p:nvPr>
+            <p:ph type="title"/>
+          </p:nvPr>
+        </p:nvSpPr>
+        <p:spPr>
+          <a:xfrm>
+            <a:off x="914399" y="274638"/>
+            <a:ext cx="7916563" cy="944562"/>
+          </a:xfrm>
+        </p:spPr>
+        <p:txBody>
+          <a:bodyPr/>
+          <a:lstStyle/>
+          <a:p>
+            <a:r>
+              <a:rPr lang="en-US" dirty="0"/>
+              <a:t>Writing Command Line Programs</a:t>
+            </a:r>
           </a:p>
         </p:txBody>
       </p:sp>
@@ -26795,24 +27246,24 @@
               </a:spcBef>
             </a:pPr>
             <a:r>
-              <a:rPr lang="en-US" dirty="0" smtClean="0"/>
+              <a:rPr lang="en-US" dirty="0"/>
               <a:t>Check </a:t>
             </a:r>
             <a:r>
-              <a:rPr lang="en-US" dirty="0" smtClean="0">
+              <a:rPr lang="en-US" dirty="0">
                 <a:latin typeface="Courier New" panose="02070309020205020404" pitchFamily="49" charset="0"/>
                 <a:cs typeface="Courier New" panose="02070309020205020404" pitchFamily="49" charset="0"/>
               </a:rPr>
               <a:t>Command </a:t>
             </a:r>
             <a:br>
-              <a:rPr lang="en-US" dirty="0" smtClean="0">
+              <a:rPr lang="en-US" dirty="0">
                 <a:latin typeface="Courier New" panose="02070309020205020404" pitchFamily="49" charset="0"/>
                 <a:cs typeface="Courier New" panose="02070309020205020404" pitchFamily="49" charset="0"/>
               </a:rPr>
             </a:br>
             <a:r>
-              <a:rPr lang="en-US" dirty="0" smtClean="0">
+              <a:rPr lang="en-US" dirty="0">
                 <a:latin typeface="Courier New" panose="02070309020205020404" pitchFamily="49" charset="0"/>
                 <a:cs typeface="Courier New" panose="02070309020205020404" pitchFamily="49" charset="0"/>
               </a:rPr>
@@ -26826,18 +27277,18 @@
               </a:spcBef>
             </a:pPr>
             <a:r>
-              <a:rPr lang="en-US" dirty="0" smtClean="0">
+              <a:rPr lang="en-US" dirty="0">
                 <a:cs typeface="Courier New" panose="02070309020205020404" pitchFamily="49" charset="0"/>
               </a:rPr>
               <a:t>Enter arguments </a:t>
             </a:r>
             <a:br>
-              <a:rPr lang="en-US" dirty="0" smtClean="0">
+              <a:rPr lang="en-US" dirty="0">
                 <a:cs typeface="Courier New" panose="02070309020205020404" pitchFamily="49" charset="0"/>
               </a:rPr>
             </a:br>
             <a:r>
-              <a:rPr lang="en-US" dirty="0" smtClean="0">
+              <a:rPr lang="en-US" dirty="0">
                 <a:cs typeface="Courier New" panose="02070309020205020404" pitchFamily="49" charset="0"/>
               </a:rPr>
               <a:t>into text box</a:t>
@@ -26850,27 +27301,23 @@
               </a:spcBef>
             </a:pPr>
             <a:r>
-              <a:rPr lang="en-US" dirty="0" smtClean="0">
+              <a:rPr lang="en-US" dirty="0">
                 <a:cs typeface="Courier New" panose="02070309020205020404" pitchFamily="49" charset="0"/>
               </a:rPr>
               <a:t>See </a:t>
             </a:r>
             <a:br>
-              <a:rPr lang="en-US" dirty="0" smtClean="0">
+              <a:rPr lang="en-US" dirty="0">
                 <a:cs typeface="Courier New" panose="02070309020205020404" pitchFamily="49" charset="0"/>
               </a:rPr>
             </a:br>
             <a:r>
-              <a:rPr lang="en-US" dirty="0" smtClean="0">
+              <a:rPr lang="en-US" dirty="0">
                 <a:latin typeface="Courier New" panose="02070309020205020404" pitchFamily="49" charset="0"/>
                 <a:cs typeface="Courier New" panose="02070309020205020404" pitchFamily="49" charset="0"/>
               </a:rPr>
               <a:t>clWeather4.py</a:t>
             </a:r>
-            <a:endParaRPr lang="en-US" dirty="0">
-              <a:latin typeface="Courier New" panose="02070309020205020404" pitchFamily="49" charset="0"/>
-              <a:cs typeface="Courier New" panose="02070309020205020404" pitchFamily="49" charset="0"/>
-            </a:endParaRPr>
           </a:p>
         </p:txBody>
       </p:sp>
@@ -26891,7 +27338,7 @@
           <a:p>
             <a:fld id="{4577FE26-ACD1-4964-932B-823877B1C5B5}" type="slidenum">
               <a:rPr lang="en-US" smtClean="0"/>
-              <a:t>27</a:t>
+              <a:t>28</a:t>
             </a:fld>
             <a:endParaRPr lang="en-US" dirty="0"/>
           </a:p>
@@ -26931,13 +27378,6 @@
   <p:clrMapOvr>
     <a:masterClrMapping/>
   </p:clrMapOvr>
-  <p:timing>
-    <p:tnLst>
-      <p:par>
-        <p:cTn id="1" dur="indefinite" restart="never" nodeType="tmRoot"/>
-      </p:par>
-    </p:tnLst>
-  </p:timing>
 </p:sld>
 </file>
 
@@ -26974,10 +27414,9 @@
           <a:lstStyle/>
           <a:p>
             <a:r>
-              <a:rPr lang="en-US" dirty="0" smtClean="0"/>
+              <a:rPr lang="en-US" dirty="0"/>
               <a:t>What is the Command Line?</a:t>
             </a:r>
-            <a:endParaRPr lang="en-US" dirty="0"/>
           </a:p>
         </p:txBody>
       </p:sp>
@@ -27001,19 +27440,28 @@
           <a:bodyPr/>
           <a:lstStyle/>
           <a:p>
-            <a:r>
-              <a:rPr lang="en-US" dirty="0" smtClean="0"/>
+            <a:pPr>
+              <a:spcBef>
+                <a:spcPts val="0"/>
+              </a:spcBef>
+            </a:pPr>
+            <a:r>
+              <a:rPr lang="en-US" dirty="0"/>
               <a:t>Command prompt</a:t>
             </a:r>
           </a:p>
           <a:p>
-            <a:pPr lvl="1"/>
-            <a:r>
-              <a:rPr lang="en-US" dirty="0" smtClean="0"/>
+            <a:pPr lvl="1">
+              <a:spcBef>
+                <a:spcPts val="0"/>
+              </a:spcBef>
+            </a:pPr>
+            <a:r>
+              <a:rPr lang="en-US" dirty="0"/>
               <a:t>On Start menu search for </a:t>
             </a:r>
             <a:r>
-              <a:rPr lang="en-US" i="1" dirty="0" smtClean="0"/>
+              <a:rPr lang="en-US" i="1" dirty="0"/>
               <a:t>command prompt</a:t>
             </a:r>
           </a:p>
@@ -27023,7 +27471,7 @@
           </a:p>
           <a:p>
             <a:pPr lvl="1"/>
-            <a:endParaRPr lang="en-US" i="1" dirty="0" smtClean="0"/>
+            <a:endParaRPr lang="en-US" i="1" dirty="0"/>
           </a:p>
           <a:p>
             <a:pPr lvl="1"/>
@@ -27031,7 +27479,7 @@
           </a:p>
           <a:p>
             <a:pPr lvl="1"/>
-            <a:endParaRPr lang="en-US" i="1" dirty="0" smtClean="0"/>
+            <a:endParaRPr lang="en-US" i="1" dirty="0"/>
           </a:p>
           <a:p>
             <a:pPr lvl="1"/>
@@ -27039,27 +27487,23 @@
           </a:p>
           <a:p>
             <a:pPr lvl="1"/>
-            <a:endParaRPr lang="en-US" i="1" dirty="0" smtClean="0"/>
-          </a:p>
-          <a:p>
-            <a:endParaRPr lang="en-US" dirty="0" smtClean="0"/>
-          </a:p>
-          <a:p>
-            <a:r>
-              <a:rPr lang="en-US" dirty="0" smtClean="0"/>
-              <a:t>We </a:t>
-            </a:r>
+            <a:endParaRPr lang="en-US" i="1" dirty="0"/>
+          </a:p>
+          <a:p>
+            <a:endParaRPr lang="en-US" dirty="0"/>
+          </a:p>
+          <a:p>
             <a:r>
               <a:rPr lang="en-US" dirty="0"/>
-              <a:t>will execute Python programs from the command line</a:t>
-            </a:r>
-          </a:p>
-          <a:p>
-            <a:endParaRPr lang="en-US" i="1" dirty="0" smtClean="0"/>
+              <a:t>We will execute Python programs from the command line</a:t>
+            </a:r>
+          </a:p>
+          <a:p>
+            <a:endParaRPr lang="en-US" i="1" dirty="0"/>
           </a:p>
           <a:p>
             <a:pPr lvl="1"/>
-            <a:endParaRPr lang="en-US" dirty="0" smtClean="0"/>
+            <a:endParaRPr lang="en-US" dirty="0"/>
           </a:p>
         </p:txBody>
       </p:sp>
@@ -27079,7 +27523,7 @@
         </p:blipFill>
         <p:spPr>
           <a:xfrm>
-            <a:off x="2264559" y="2138470"/>
+            <a:off x="2248517" y="2034197"/>
             <a:ext cx="4795271" cy="3637302"/>
           </a:xfrm>
           <a:prstGeom prst="rect">
@@ -27120,13 +27564,6 @@
   <p:clrMapOvr>
     <a:masterClrMapping/>
   </p:clrMapOvr>
-  <p:timing>
-    <p:tnLst>
-      <p:par>
-        <p:cTn id="1" dur="indefinite" restart="never" nodeType="tmRoot"/>
-      </p:par>
-    </p:tnLst>
-  </p:timing>
 </p:sld>
 </file>
 
@@ -27163,313 +27600,9 @@
           <a:lstStyle/>
           <a:p>
             <a:r>
-              <a:rPr lang="en-US" dirty="0" smtClean="0"/>
+              <a:rPr lang="en-US" dirty="0"/>
               <a:t>What is the Command Line?</a:t>
             </a:r>
-            <a:endParaRPr lang="en-US" dirty="0"/>
-          </a:p>
-        </p:txBody>
-      </p:sp>
-      <p:sp>
-        <p:nvSpPr>
-          <p:cNvPr id="3" name="Content Placeholder 2"/>
-          <p:cNvSpPr>
-            <a:spLocks noGrp="1"/>
-          </p:cNvSpPr>
-          <p:nvPr>
-            <p:ph idx="1"/>
-          </p:nvPr>
-        </p:nvSpPr>
-        <p:spPr>
-          <a:xfrm>
-            <a:off x="914400" y="1021492"/>
-            <a:ext cx="8147222" cy="5104671"/>
-          </a:xfrm>
-        </p:spPr>
-        <p:txBody>
-          <a:bodyPr/>
-          <a:lstStyle/>
-          <a:p>
-            <a:r>
-              <a:rPr lang="en-US" dirty="0" smtClean="0"/>
-              <a:t>Why are we talking about the command line?</a:t>
-            </a:r>
-          </a:p>
-          <a:p>
-            <a:r>
-              <a:rPr lang="en-US" dirty="0" smtClean="0"/>
-              <a:t>We designed this degree program with the minimum of software packages </a:t>
-            </a:r>
-          </a:p>
-          <a:p>
-            <a:pPr lvl="1"/>
-            <a:r>
-              <a:rPr lang="en-US" dirty="0" smtClean="0"/>
-              <a:t>Teach analytics content, not software training</a:t>
-            </a:r>
-          </a:p>
-          <a:p>
-            <a:r>
-              <a:rPr lang="en-US" dirty="0" smtClean="0"/>
-              <a:t>However, you must be familiar with the command line</a:t>
-            </a:r>
-          </a:p>
-          <a:p>
-            <a:pPr lvl="1"/>
-            <a:r>
-              <a:rPr lang="en-US" dirty="0" smtClean="0"/>
-              <a:t>Most of you will use it when you graduate</a:t>
-            </a:r>
-          </a:p>
-          <a:p>
-            <a:pPr lvl="1"/>
-            <a:r>
-              <a:rPr lang="en-US" dirty="0" smtClean="0"/>
-              <a:t>You will use the Linux command line in Big Data</a:t>
-            </a:r>
-          </a:p>
-          <a:p>
-            <a:r>
-              <a:rPr lang="en-US" dirty="0" smtClean="0"/>
-              <a:t>An increasing amount of work is done on the command line, especially with the cloud and Big Data</a:t>
-            </a:r>
-          </a:p>
-          <a:p>
-            <a:pPr lvl="1"/>
-            <a:r>
-              <a:rPr lang="en-US" dirty="0" smtClean="0"/>
-              <a:t>You need to know about it</a:t>
-            </a:r>
-            <a:endParaRPr lang="en-US" dirty="0"/>
-          </a:p>
-        </p:txBody>
-      </p:sp>
-      <p:sp>
-        <p:nvSpPr>
-          <p:cNvPr id="4" name="Slide Number Placeholder 3"/>
-          <p:cNvSpPr>
-            <a:spLocks noGrp="1"/>
-          </p:cNvSpPr>
-          <p:nvPr>
-            <p:ph type="sldNum" sz="quarter" idx="12"/>
-          </p:nvPr>
-        </p:nvSpPr>
-        <p:spPr/>
-        <p:txBody>
-          <a:bodyPr/>
-          <a:lstStyle/>
-          <a:p>
-            <a:fld id="{4577FE26-ACD1-4964-932B-823877B1C5B5}" type="slidenum">
-              <a:rPr lang="en-US" smtClean="0"/>
-              <a:t>4</a:t>
-            </a:fld>
-            <a:endParaRPr lang="en-US" dirty="0"/>
-          </a:p>
-        </p:txBody>
-      </p:sp>
-    </p:spTree>
-    <p:extLst>
-      <p:ext uri="{BB962C8B-B14F-4D97-AF65-F5344CB8AC3E}">
-        <p14:creationId xmlns:p14="http://schemas.microsoft.com/office/powerpoint/2010/main" val="1653912049"/>
-      </p:ext>
-    </p:extLst>
-  </p:cSld>
-  <p:clrMapOvr>
-    <a:masterClrMapping/>
-  </p:clrMapOvr>
-  <p:timing>
-    <p:tnLst>
-      <p:par>
-        <p:cTn id="1" dur="indefinite" restart="never" nodeType="tmRoot"/>
-      </p:par>
-    </p:tnLst>
-  </p:timing>
-</p:sld>
-</file>
-
-<file path=ppt/slides/slide5.xml><?xml version="1.0" encoding="utf-8"?>
-<p:sld xmlns:a="http://schemas.openxmlformats.org/drawingml/2006/main" xmlns:r="http://schemas.openxmlformats.org/officeDocument/2006/relationships" xmlns:p="http://schemas.openxmlformats.org/presentationml/2006/main">
-  <p:cSld>
-    <p:spTree>
-      <p:nvGrpSpPr>
-        <p:cNvPr id="1" name=""/>
-        <p:cNvGrpSpPr/>
-        <p:nvPr/>
-      </p:nvGrpSpPr>
-      <p:grpSpPr>
-        <a:xfrm>
-          <a:off x="0" y="0"/>
-          <a:ext cx="0" cy="0"/>
-          <a:chOff x="0" y="0"/>
-          <a:chExt cx="0" cy="0"/>
-        </a:xfrm>
-      </p:grpSpPr>
-      <p:sp>
-        <p:nvSpPr>
-          <p:cNvPr id="2" name="Title 1"/>
-          <p:cNvSpPr>
-            <a:spLocks noGrp="1"/>
-          </p:cNvSpPr>
-          <p:nvPr>
-            <p:ph type="title"/>
-          </p:nvPr>
-        </p:nvSpPr>
-        <p:spPr/>
-        <p:txBody>
-          <a:bodyPr/>
-          <a:lstStyle/>
-          <a:p>
-            <a:r>
-              <a:rPr lang="en-US" dirty="0" smtClean="0"/>
-              <a:t>Session Topics</a:t>
-            </a:r>
-            <a:endParaRPr lang="en-US" dirty="0"/>
-          </a:p>
-        </p:txBody>
-      </p:sp>
-      <p:sp>
-        <p:nvSpPr>
-          <p:cNvPr id="3" name="Content Placeholder 2"/>
-          <p:cNvSpPr>
-            <a:spLocks noGrp="1"/>
-          </p:cNvSpPr>
-          <p:nvPr>
-            <p:ph idx="1"/>
-          </p:nvPr>
-        </p:nvSpPr>
-        <p:spPr/>
-        <p:txBody>
-          <a:bodyPr/>
-          <a:lstStyle/>
-          <a:p>
-            <a:r>
-              <a:rPr lang="en-US" dirty="0" smtClean="0"/>
-              <a:t>Running programs from the command line</a:t>
-            </a:r>
-          </a:p>
-          <a:p>
-            <a:r>
-              <a:rPr lang="en-US" dirty="0" smtClean="0"/>
-              <a:t>Navigating through the folder hierarchy with command line commands</a:t>
-            </a:r>
-          </a:p>
-          <a:p>
-            <a:r>
-              <a:rPr lang="en-US" dirty="0" smtClean="0"/>
-              <a:t>Writing </a:t>
-            </a:r>
-            <a:r>
-              <a:rPr lang="en-US" dirty="0"/>
-              <a:t>Python command </a:t>
-            </a:r>
-            <a:r>
-              <a:rPr lang="en-US" dirty="0" smtClean="0"/>
-              <a:t>line programs</a:t>
-            </a:r>
-          </a:p>
-          <a:p>
-            <a:pPr lvl="1"/>
-            <a:r>
-              <a:rPr lang="en-US" dirty="0" smtClean="0"/>
-              <a:t>From simple to more refined</a:t>
-            </a:r>
-          </a:p>
-          <a:p>
-            <a:r>
-              <a:rPr lang="en-US" dirty="0" smtClean="0"/>
-              <a:t>Sub-theme</a:t>
-            </a:r>
-          </a:p>
-          <a:p>
-            <a:pPr lvl="1"/>
-            <a:r>
-              <a:rPr lang="en-US" dirty="0" smtClean="0"/>
-              <a:t>APIs</a:t>
-            </a:r>
-            <a:endParaRPr lang="en-US" dirty="0"/>
-          </a:p>
-        </p:txBody>
-      </p:sp>
-      <p:sp>
-        <p:nvSpPr>
-          <p:cNvPr id="4" name="Slide Number Placeholder 3"/>
-          <p:cNvSpPr>
-            <a:spLocks noGrp="1"/>
-          </p:cNvSpPr>
-          <p:nvPr>
-            <p:ph type="sldNum" sz="quarter" idx="12"/>
-          </p:nvPr>
-        </p:nvSpPr>
-        <p:spPr/>
-        <p:txBody>
-          <a:bodyPr/>
-          <a:lstStyle/>
-          <a:p>
-            <a:fld id="{4577FE26-ACD1-4964-932B-823877B1C5B5}" type="slidenum">
-              <a:rPr lang="en-US" smtClean="0"/>
-              <a:t>5</a:t>
-            </a:fld>
-            <a:endParaRPr lang="en-US" dirty="0"/>
-          </a:p>
-        </p:txBody>
-      </p:sp>
-    </p:spTree>
-    <p:extLst>
-      <p:ext uri="{BB962C8B-B14F-4D97-AF65-F5344CB8AC3E}">
-        <p14:creationId xmlns:p14="http://schemas.microsoft.com/office/powerpoint/2010/main" val="1626089781"/>
-      </p:ext>
-    </p:extLst>
-  </p:cSld>
-  <p:clrMapOvr>
-    <a:masterClrMapping/>
-  </p:clrMapOvr>
-  <p:timing>
-    <p:tnLst>
-      <p:par>
-        <p:cTn id="1" dur="indefinite" restart="never" nodeType="tmRoot"/>
-      </p:par>
-    </p:tnLst>
-  </p:timing>
-</p:sld>
-</file>
-
-<file path=ppt/slides/slide6.xml><?xml version="1.0" encoding="utf-8"?>
-<p:sld xmlns:a="http://schemas.openxmlformats.org/drawingml/2006/main" xmlns:r="http://schemas.openxmlformats.org/officeDocument/2006/relationships" xmlns:p="http://schemas.openxmlformats.org/presentationml/2006/main">
-  <p:cSld>
-    <p:spTree>
-      <p:nvGrpSpPr>
-        <p:cNvPr id="1" name=""/>
-        <p:cNvGrpSpPr/>
-        <p:nvPr/>
-      </p:nvGrpSpPr>
-      <p:grpSpPr>
-        <a:xfrm>
-          <a:off x="0" y="0"/>
-          <a:ext cx="0" cy="0"/>
-          <a:chOff x="0" y="0"/>
-          <a:chExt cx="0" cy="0"/>
-        </a:xfrm>
-      </p:grpSpPr>
-      <p:sp>
-        <p:nvSpPr>
-          <p:cNvPr id="2" name="Title 1"/>
-          <p:cNvSpPr>
-            <a:spLocks noGrp="1"/>
-          </p:cNvSpPr>
-          <p:nvPr>
-            <p:ph type="title"/>
-          </p:nvPr>
-        </p:nvSpPr>
-        <p:spPr/>
-        <p:txBody>
-          <a:bodyPr/>
-          <a:lstStyle/>
-          <a:p>
-            <a:r>
-              <a:rPr lang="en-US" dirty="0" smtClean="0"/>
-              <a:t>What is the Command Line?</a:t>
-            </a:r>
-            <a:endParaRPr lang="en-US" dirty="0"/>
           </a:p>
         </p:txBody>
       </p:sp>
@@ -27494,28 +27627,28 @@
           <a:lstStyle/>
           <a:p>
             <a:r>
-              <a:rPr lang="en-US" dirty="0" smtClean="0"/>
+              <a:rPr lang="en-US" dirty="0"/>
               <a:t>Open </a:t>
             </a:r>
             <a:r>
-              <a:rPr lang="en-US" i="1" dirty="0" smtClean="0"/>
+              <a:rPr lang="en-US" i="1" dirty="0"/>
               <a:t>Anaconda command prompt</a:t>
             </a:r>
           </a:p>
           <a:p>
             <a:pPr lvl="1"/>
             <a:r>
-              <a:rPr lang="en-US" dirty="0" smtClean="0"/>
+              <a:rPr lang="en-US" dirty="0"/>
               <a:t>Current directory is </a:t>
             </a:r>
             <a:r>
-              <a:rPr lang="en-US" i="1" dirty="0" smtClean="0"/>
+              <a:rPr lang="en-US" i="1" dirty="0"/>
               <a:t>C:\WINDOWS\System32</a:t>
             </a:r>
           </a:p>
           <a:p>
             <a:pPr lvl="1"/>
-            <a:endParaRPr lang="en-US" dirty="0" smtClean="0"/>
+            <a:endParaRPr lang="en-US" dirty="0"/>
           </a:p>
         </p:txBody>
       </p:sp>
@@ -27559,7 +27692,7 @@
           <a:p>
             <a:fld id="{4577FE26-ACD1-4964-932B-823877B1C5B5}" type="slidenum">
               <a:rPr lang="en-US" smtClean="0"/>
-              <a:t>6</a:t>
+              <a:t>4</a:t>
             </a:fld>
             <a:endParaRPr lang="en-US" dirty="0"/>
           </a:p>
@@ -27599,13 +27732,276 @@
   <p:clrMapOvr>
     <a:masterClrMapping/>
   </p:clrMapOvr>
-  <p:timing>
-    <p:tnLst>
-      <p:par>
-        <p:cTn id="1" dur="indefinite" restart="never" nodeType="tmRoot"/>
-      </p:par>
-    </p:tnLst>
-  </p:timing>
+</p:sld>
+</file>
+
+<file path=ppt/slides/slide5.xml><?xml version="1.0" encoding="utf-8"?>
+<p:sld xmlns:a="http://schemas.openxmlformats.org/drawingml/2006/main" xmlns:r="http://schemas.openxmlformats.org/officeDocument/2006/relationships" xmlns:p="http://schemas.openxmlformats.org/presentationml/2006/main">
+  <p:cSld>
+    <p:spTree>
+      <p:nvGrpSpPr>
+        <p:cNvPr id="1" name=""/>
+        <p:cNvGrpSpPr/>
+        <p:nvPr/>
+      </p:nvGrpSpPr>
+      <p:grpSpPr>
+        <a:xfrm>
+          <a:off x="0" y="0"/>
+          <a:ext cx="0" cy="0"/>
+          <a:chOff x="0" y="0"/>
+          <a:chExt cx="0" cy="0"/>
+        </a:xfrm>
+      </p:grpSpPr>
+      <p:sp>
+        <p:nvSpPr>
+          <p:cNvPr id="2" name="Title 1"/>
+          <p:cNvSpPr>
+            <a:spLocks noGrp="1"/>
+          </p:cNvSpPr>
+          <p:nvPr>
+            <p:ph type="title"/>
+          </p:nvPr>
+        </p:nvSpPr>
+        <p:spPr/>
+        <p:txBody>
+          <a:bodyPr/>
+          <a:lstStyle/>
+          <a:p>
+            <a:r>
+              <a:rPr lang="en-US" dirty="0"/>
+              <a:t>What is the Command Line?</a:t>
+            </a:r>
+          </a:p>
+        </p:txBody>
+      </p:sp>
+      <p:sp>
+        <p:nvSpPr>
+          <p:cNvPr id="3" name="Content Placeholder 2"/>
+          <p:cNvSpPr>
+            <a:spLocks noGrp="1"/>
+          </p:cNvSpPr>
+          <p:nvPr>
+            <p:ph idx="1"/>
+          </p:nvPr>
+        </p:nvSpPr>
+        <p:spPr>
+          <a:xfrm>
+            <a:off x="914400" y="1021492"/>
+            <a:ext cx="8147222" cy="5104671"/>
+          </a:xfrm>
+        </p:spPr>
+        <p:txBody>
+          <a:bodyPr/>
+          <a:lstStyle/>
+          <a:p>
+            <a:r>
+              <a:rPr lang="en-US" dirty="0"/>
+              <a:t>Why are we talking about the command line?</a:t>
+            </a:r>
+          </a:p>
+          <a:p>
+            <a:r>
+              <a:rPr lang="en-US" dirty="0"/>
+              <a:t>GUIs dominate human-computer interaction</a:t>
+            </a:r>
+          </a:p>
+          <a:p>
+            <a:r>
+              <a:rPr lang="en-US" dirty="0"/>
+              <a:t>But, you must be familiar with command line</a:t>
+            </a:r>
+          </a:p>
+          <a:p>
+            <a:pPr lvl="1"/>
+            <a:r>
+              <a:rPr lang="en-US" dirty="0"/>
+              <a:t>Most of you will use it when you graduate</a:t>
+            </a:r>
+          </a:p>
+          <a:p>
+            <a:pPr lvl="1"/>
+            <a:r>
+              <a:rPr lang="en-US" dirty="0"/>
+              <a:t>You will use the Linux command line in Big Data</a:t>
+            </a:r>
+          </a:p>
+          <a:p>
+            <a:r>
+              <a:rPr lang="en-US" dirty="0"/>
+              <a:t>An increasing amount of work is done on the command line, especially with the cloud and Big Data</a:t>
+            </a:r>
+          </a:p>
+          <a:p>
+            <a:pPr lvl="1"/>
+            <a:r>
+              <a:rPr lang="en-US" dirty="0"/>
+              <a:t>Trend toward GUIs is reversing to some degree</a:t>
+            </a:r>
+          </a:p>
+        </p:txBody>
+      </p:sp>
+      <p:sp>
+        <p:nvSpPr>
+          <p:cNvPr id="4" name="Slide Number Placeholder 3"/>
+          <p:cNvSpPr>
+            <a:spLocks noGrp="1"/>
+          </p:cNvSpPr>
+          <p:nvPr>
+            <p:ph type="sldNum" sz="quarter" idx="12"/>
+          </p:nvPr>
+        </p:nvSpPr>
+        <p:spPr/>
+        <p:txBody>
+          <a:bodyPr/>
+          <a:lstStyle/>
+          <a:p>
+            <a:fld id="{4577FE26-ACD1-4964-932B-823877B1C5B5}" type="slidenum">
+              <a:rPr lang="en-US" smtClean="0"/>
+              <a:t>5</a:t>
+            </a:fld>
+            <a:endParaRPr lang="en-US" dirty="0"/>
+          </a:p>
+        </p:txBody>
+      </p:sp>
+    </p:spTree>
+    <p:extLst>
+      <p:ext uri="{BB962C8B-B14F-4D97-AF65-F5344CB8AC3E}">
+        <p14:creationId xmlns:p14="http://schemas.microsoft.com/office/powerpoint/2010/main" val="1653912049"/>
+      </p:ext>
+    </p:extLst>
+  </p:cSld>
+  <p:clrMapOvr>
+    <a:masterClrMapping/>
+  </p:clrMapOvr>
+</p:sld>
+</file>
+
+<file path=ppt/slides/slide6.xml><?xml version="1.0" encoding="utf-8"?>
+<p:sld xmlns:a="http://schemas.openxmlformats.org/drawingml/2006/main" xmlns:r="http://schemas.openxmlformats.org/officeDocument/2006/relationships" xmlns:p="http://schemas.openxmlformats.org/presentationml/2006/main">
+  <p:cSld>
+    <p:spTree>
+      <p:nvGrpSpPr>
+        <p:cNvPr id="1" name=""/>
+        <p:cNvGrpSpPr/>
+        <p:nvPr/>
+      </p:nvGrpSpPr>
+      <p:grpSpPr>
+        <a:xfrm>
+          <a:off x="0" y="0"/>
+          <a:ext cx="0" cy="0"/>
+          <a:chOff x="0" y="0"/>
+          <a:chExt cx="0" cy="0"/>
+        </a:xfrm>
+      </p:grpSpPr>
+      <p:sp>
+        <p:nvSpPr>
+          <p:cNvPr id="2" name="Title 1"/>
+          <p:cNvSpPr>
+            <a:spLocks noGrp="1"/>
+          </p:cNvSpPr>
+          <p:nvPr>
+            <p:ph type="title"/>
+          </p:nvPr>
+        </p:nvSpPr>
+        <p:spPr/>
+        <p:txBody>
+          <a:bodyPr/>
+          <a:lstStyle/>
+          <a:p>
+            <a:r>
+              <a:rPr lang="en-US" dirty="0"/>
+              <a:t>Session Topics</a:t>
+            </a:r>
+          </a:p>
+        </p:txBody>
+      </p:sp>
+      <p:sp>
+        <p:nvSpPr>
+          <p:cNvPr id="3" name="Content Placeholder 2"/>
+          <p:cNvSpPr>
+            <a:spLocks noGrp="1"/>
+          </p:cNvSpPr>
+          <p:nvPr>
+            <p:ph idx="1"/>
+          </p:nvPr>
+        </p:nvSpPr>
+        <p:spPr/>
+        <p:txBody>
+          <a:bodyPr/>
+          <a:lstStyle/>
+          <a:p>
+            <a:r>
+              <a:rPr lang="en-US" dirty="0"/>
+              <a:t>Running programs from the command line</a:t>
+            </a:r>
+          </a:p>
+          <a:p>
+            <a:r>
+              <a:rPr lang="en-US" dirty="0"/>
+              <a:t>Navigating through the folder hierarchy with command line commands</a:t>
+            </a:r>
+          </a:p>
+          <a:p>
+            <a:r>
+              <a:rPr lang="en-US" dirty="0"/>
+              <a:t>Writing Python command line programs</a:t>
+            </a:r>
+          </a:p>
+          <a:p>
+            <a:pPr lvl="1"/>
+            <a:r>
+              <a:rPr lang="en-US" dirty="0"/>
+              <a:t>From simple to more refined</a:t>
+            </a:r>
+          </a:p>
+          <a:p>
+            <a:r>
+              <a:rPr lang="en-US" dirty="0"/>
+              <a:t>Sub-theme</a:t>
+            </a:r>
+          </a:p>
+          <a:p>
+            <a:pPr lvl="1"/>
+            <a:r>
+              <a:rPr lang="en-US" dirty="0"/>
+              <a:t>APIs</a:t>
+            </a:r>
+          </a:p>
+        </p:txBody>
+      </p:sp>
+      <p:sp>
+        <p:nvSpPr>
+          <p:cNvPr id="4" name="Slide Number Placeholder 3"/>
+          <p:cNvSpPr>
+            <a:spLocks noGrp="1"/>
+          </p:cNvSpPr>
+          <p:nvPr>
+            <p:ph type="sldNum" sz="quarter" idx="12"/>
+          </p:nvPr>
+        </p:nvSpPr>
+        <p:spPr/>
+        <p:txBody>
+          <a:bodyPr/>
+          <a:lstStyle/>
+          <a:p>
+            <a:fld id="{4577FE26-ACD1-4964-932B-823877B1C5B5}" type="slidenum">
+              <a:rPr lang="en-US" smtClean="0"/>
+              <a:t>6</a:t>
+            </a:fld>
+            <a:endParaRPr lang="en-US" dirty="0"/>
+          </a:p>
+        </p:txBody>
+      </p:sp>
+    </p:spTree>
+    <p:extLst>
+      <p:ext uri="{BB962C8B-B14F-4D97-AF65-F5344CB8AC3E}">
+        <p14:creationId xmlns:p14="http://schemas.microsoft.com/office/powerpoint/2010/main" val="1626089781"/>
+      </p:ext>
+    </p:extLst>
+  </p:cSld>
+  <p:clrMapOvr>
+    <a:masterClrMapping/>
+  </p:clrMapOvr>
 </p:sld>
 </file>
 
@@ -27642,10 +28038,9 @@
           <a:lstStyle/>
           <a:p>
             <a:r>
-              <a:rPr lang="en-US" dirty="0" smtClean="0"/>
+              <a:rPr lang="en-US" dirty="0"/>
               <a:t>What is the Command Line?</a:t>
             </a:r>
-            <a:endParaRPr lang="en-US" dirty="0"/>
           </a:p>
         </p:txBody>
       </p:sp>
@@ -27670,49 +28065,49 @@
           <a:lstStyle/>
           <a:p>
             <a:r>
-              <a:rPr lang="en-US" dirty="0" smtClean="0">
+              <a:rPr lang="en-US" dirty="0">
                 <a:latin typeface="Courier New" panose="02070309020205020404" pitchFamily="49" charset="0"/>
                 <a:cs typeface="Courier New" panose="02070309020205020404" pitchFamily="49" charset="0"/>
               </a:rPr>
               <a:t>conda</a:t>
             </a:r>
             <a:r>
-              <a:rPr lang="en-US" dirty="0" smtClean="0"/>
+              <a:rPr lang="en-US" dirty="0"/>
               <a:t> is a program that you will run from the command line</a:t>
             </a:r>
           </a:p>
           <a:p>
             <a:pPr lvl="1"/>
             <a:r>
-              <a:rPr lang="en-US" dirty="0" smtClean="0"/>
+              <a:rPr lang="en-US" dirty="0"/>
               <a:t>Install packages</a:t>
             </a:r>
           </a:p>
           <a:p>
             <a:pPr lvl="1"/>
             <a:r>
-              <a:rPr lang="en-US" dirty="0" smtClean="0"/>
+              <a:rPr lang="en-US" dirty="0"/>
               <a:t>Create environments</a:t>
             </a:r>
           </a:p>
           <a:p>
             <a:r>
-              <a:rPr lang="en-US" dirty="0" smtClean="0"/>
+              <a:rPr lang="en-US" dirty="0"/>
               <a:t>Type </a:t>
             </a:r>
             <a:r>
-              <a:rPr lang="en-US" dirty="0" smtClean="0">
+              <a:rPr lang="en-US" dirty="0">
                 <a:latin typeface="Courier New" panose="02070309020205020404" pitchFamily="49" charset="0"/>
                 <a:cs typeface="Courier New" panose="02070309020205020404" pitchFamily="49" charset="0"/>
               </a:rPr>
               <a:t>conda -h</a:t>
             </a:r>
             <a:r>
-              <a:rPr lang="en-US" dirty="0" smtClean="0"/>
+              <a:rPr lang="en-US" dirty="0"/>
               <a:t> and then </a:t>
             </a:r>
             <a:r>
-              <a:rPr lang="en-US" dirty="0" smtClean="0">
+              <a:rPr lang="en-US" dirty="0">
                 <a:latin typeface="Courier New" panose="02070309020205020404" pitchFamily="49" charset="0"/>
                 <a:cs typeface="Courier New" panose="02070309020205020404" pitchFamily="49" charset="0"/>
               </a:rPr>
@@ -27722,7 +28117,7 @@
           <a:p>
             <a:pPr lvl="1"/>
             <a:r>
-              <a:rPr lang="en-US" dirty="0" smtClean="0"/>
+              <a:rPr lang="en-US" dirty="0"/>
               <a:t> </a:t>
             </a:r>
             <a:r>
@@ -27734,36 +28129,39 @@
             </a:r>
             <a:r>
               <a:rPr lang="en-US" dirty="0"/>
-              <a:t> </a:t>
-            </a:r>
-            <a:r>
-              <a:rPr lang="en-US" dirty="0" smtClean="0"/>
-              <a:t>is a ubiquitous argument to get </a:t>
-            </a:r>
-            <a:r>
-              <a:rPr lang="en-US" i="1" dirty="0" smtClean="0"/>
+              <a:t> is a ubiquitous argument to get </a:t>
+            </a:r>
+            <a:r>
+              <a:rPr lang="en-US" i="1" dirty="0"/>
               <a:t>help</a:t>
             </a:r>
             <a:r>
-              <a:rPr lang="en-US" dirty="0" smtClean="0"/>
+              <a:rPr lang="en-US" dirty="0"/>
               <a:t> in well-written command line programs</a:t>
             </a:r>
           </a:p>
           <a:p>
             <a:r>
-              <a:rPr lang="en-US" i="1" dirty="0" smtClean="0"/>
+              <a:rPr lang="en-US" i="1" dirty="0"/>
               <a:t>Arguments</a:t>
             </a:r>
             <a:r>
-              <a:rPr lang="en-US" dirty="0" smtClean="0"/>
-              <a:t> are data that we pass to a command line program to tell it what we would like it to do</a:t>
-            </a:r>
-          </a:p>
-          <a:p>
-            <a:endParaRPr lang="en-US" dirty="0" smtClean="0"/>
-          </a:p>
-          <a:p>
-            <a:endParaRPr lang="en-US" dirty="0" smtClean="0"/>
+              <a:rPr lang="en-US" dirty="0"/>
+              <a:t> are data we pass to command line programs to tell specifically what to do</a:t>
+            </a:r>
+          </a:p>
+          <a:p>
+            <a:pPr lvl="1"/>
+            <a:r>
+              <a:rPr lang="en-US" dirty="0"/>
+              <a:t>Like arguments to a function</a:t>
+            </a:r>
+          </a:p>
+          <a:p>
+            <a:endParaRPr lang="en-US" dirty="0"/>
+          </a:p>
+          <a:p>
+            <a:endParaRPr lang="en-US" dirty="0"/>
           </a:p>
         </p:txBody>
       </p:sp>
@@ -27800,13 +28198,6 @@
   <p:clrMapOvr>
     <a:masterClrMapping/>
   </p:clrMapOvr>
-  <p:timing>
-    <p:tnLst>
-      <p:par>
-        <p:cTn id="1" dur="indefinite" restart="never" nodeType="tmRoot"/>
-      </p:par>
-    </p:tnLst>
-  </p:timing>
 </p:sld>
 </file>
 
@@ -27843,10 +28234,9 @@
           <a:lstStyle/>
           <a:p>
             <a:r>
-              <a:rPr lang="en-US" dirty="0" smtClean="0"/>
+              <a:rPr lang="en-US" dirty="0"/>
               <a:t>What is the Command Line?</a:t>
             </a:r>
-            <a:endParaRPr lang="en-US" dirty="0"/>
           </a:p>
         </p:txBody>
       </p:sp>
@@ -27870,10 +28260,10 @@
           <a:bodyPr/>
           <a:lstStyle/>
           <a:p>
-            <a:endParaRPr lang="en-US" dirty="0" smtClean="0"/>
-          </a:p>
-          <a:p>
-            <a:endParaRPr lang="en-US" dirty="0" smtClean="0"/>
+            <a:endParaRPr lang="en-US" dirty="0"/>
+          </a:p>
+          <a:p>
+            <a:endParaRPr lang="en-US" dirty="0"/>
           </a:p>
         </p:txBody>
       </p:sp>
@@ -27934,13 +28324,6 @@
   <p:clrMapOvr>
     <a:masterClrMapping/>
   </p:clrMapOvr>
-  <p:timing>
-    <p:tnLst>
-      <p:par>
-        <p:cTn id="1" dur="indefinite" restart="never" nodeType="tmRoot"/>
-      </p:par>
-    </p:tnLst>
-  </p:timing>
 </p:sld>
 </file>
 
@@ -27977,10 +28360,9 @@
           <a:lstStyle/>
           <a:p>
             <a:r>
-              <a:rPr lang="en-US" dirty="0" smtClean="0"/>
+              <a:rPr lang="en-US" dirty="0"/>
               <a:t>What is the Command Line?</a:t>
             </a:r>
-            <a:endParaRPr lang="en-US" dirty="0"/>
           </a:p>
         </p:txBody>
       </p:sp>
@@ -28005,118 +28387,104 @@
           <a:lstStyle/>
           <a:p>
             <a:r>
-              <a:rPr lang="en-US" i="1" dirty="0" smtClean="0"/>
-              <a:t>Arguments</a:t>
-            </a:r>
-            <a:r>
-              <a:rPr lang="en-US" dirty="0" smtClean="0"/>
-              <a:t> (such as </a:t>
-            </a:r>
-            <a:r>
-              <a:rPr lang="en-US" dirty="0" smtClean="0">
+              <a:rPr lang="en-US" dirty="0" err="1">
                 <a:latin typeface="Courier New" panose="02070309020205020404" pitchFamily="49" charset="0"/>
                 <a:cs typeface="Courier New" panose="02070309020205020404" pitchFamily="49" charset="0"/>
               </a:rPr>
-              <a:t>–h</a:t>
-            </a:r>
-            <a:r>
-              <a:rPr lang="en-US" dirty="0" smtClean="0"/>
-              <a:t>) are data that we pass to a command line program to tell it what we would like it to do</a:t>
-            </a:r>
-          </a:p>
-          <a:p>
-            <a:pPr lvl="1"/>
-            <a:r>
-              <a:rPr lang="en-US" dirty="0" smtClean="0"/>
-              <a:t>Like arguments to a function</a:t>
-            </a:r>
-          </a:p>
-          <a:p>
-            <a:r>
-              <a:rPr lang="en-US" dirty="0" smtClean="0">
-                <a:latin typeface="Courier New" panose="02070309020205020404" pitchFamily="49" charset="0"/>
-                <a:cs typeface="Courier New" panose="02070309020205020404" pitchFamily="49" charset="0"/>
-              </a:rPr>
-              <a:t>conda install seaborn</a:t>
-            </a:r>
-          </a:p>
-          <a:p>
-            <a:pPr lvl="1"/>
+              <a:t>conda</a:t>
+            </a:r>
             <a:r>
               <a:rPr lang="en-US" dirty="0">
                 <a:latin typeface="Courier New" panose="02070309020205020404" pitchFamily="49" charset="0"/>
                 <a:cs typeface="Courier New" panose="02070309020205020404" pitchFamily="49" charset="0"/>
               </a:rPr>
-              <a:t>i</a:t>
-            </a:r>
-            <a:r>
-              <a:rPr lang="en-US" dirty="0" smtClean="0">
+              <a:t> install seaborn</a:t>
+            </a:r>
+          </a:p>
+          <a:p>
+            <a:pPr lvl="1"/>
+            <a:r>
+              <a:rPr lang="en-US" dirty="0">
                 <a:latin typeface="Courier New" panose="02070309020205020404" pitchFamily="49" charset="0"/>
                 <a:cs typeface="Courier New" panose="02070309020205020404" pitchFamily="49" charset="0"/>
               </a:rPr>
-              <a:t>nstall</a:t>
-            </a:r>
-            <a:r>
-              <a:rPr lang="en-US" dirty="0" smtClean="0"/>
+              <a:t>install</a:t>
+            </a:r>
+            <a:r>
+              <a:rPr lang="en-US" dirty="0"/>
               <a:t> and </a:t>
             </a:r>
             <a:r>
-              <a:rPr lang="en-US" dirty="0" smtClean="0">
+              <a:rPr lang="en-US" dirty="0">
                 <a:latin typeface="Courier New" panose="02070309020205020404" pitchFamily="49" charset="0"/>
                 <a:cs typeface="Courier New" panose="02070309020205020404" pitchFamily="49" charset="0"/>
               </a:rPr>
               <a:t>seaborn</a:t>
             </a:r>
-            <a:r>
-              <a:rPr lang="en-US" dirty="0" smtClean="0"/>
-              <a:t> are two arguments that tell </a:t>
-            </a:r>
-            <a:r>
-              <a:rPr lang="en-US" dirty="0" smtClean="0">
+            <a:endParaRPr lang="en-US" dirty="0"/>
+          </a:p>
+          <a:p>
+            <a:pPr lvl="2"/>
+            <a:r>
+              <a:rPr lang="en-US" dirty="0"/>
+              <a:t>2 arguments telling </a:t>
+            </a:r>
+            <a:r>
+              <a:rPr lang="en-US" dirty="0">
                 <a:latin typeface="Courier New" panose="02070309020205020404" pitchFamily="49" charset="0"/>
                 <a:cs typeface="Courier New" panose="02070309020205020404" pitchFamily="49" charset="0"/>
               </a:rPr>
               <a:t>conda</a:t>
             </a:r>
             <a:r>
-              <a:rPr lang="en-US" dirty="0" smtClean="0"/>
-              <a:t> to install the </a:t>
-            </a:r>
-            <a:r>
-              <a:rPr lang="en-US" dirty="0" smtClean="0">
+              <a:rPr lang="en-US" dirty="0"/>
+              <a:t> to </a:t>
+            </a:r>
+            <a:r>
+              <a:rPr lang="en-US" dirty="0">
+                <a:latin typeface="Courier New" panose="02070309020205020404" pitchFamily="49" charset="0"/>
+                <a:cs typeface="Courier New" panose="02070309020205020404" pitchFamily="49" charset="0"/>
+              </a:rPr>
+              <a:t>install</a:t>
+            </a:r>
+            <a:r>
+              <a:rPr lang="en-US" dirty="0"/>
+              <a:t> the </a:t>
+            </a:r>
+            <a:r>
+              <a:rPr lang="en-US" dirty="0">
                 <a:latin typeface="Courier New" panose="02070309020205020404" pitchFamily="49" charset="0"/>
                 <a:cs typeface="Courier New" panose="02070309020205020404" pitchFamily="49" charset="0"/>
               </a:rPr>
               <a:t>seaborn</a:t>
             </a:r>
             <a:r>
-              <a:rPr lang="en-US" dirty="0" smtClean="0"/>
+              <a:rPr lang="en-US" dirty="0"/>
               <a:t> package</a:t>
             </a:r>
           </a:p>
           <a:p>
             <a:pPr lvl="1"/>
             <a:r>
-              <a:rPr lang="en-US" dirty="0" smtClean="0"/>
+              <a:rPr lang="en-US" dirty="0"/>
               <a:t>Arguments are everything that comes after the name of the program we are going to execute</a:t>
             </a:r>
           </a:p>
           <a:p>
             <a:pPr lvl="2"/>
             <a:r>
-              <a:rPr lang="en-US" dirty="0" smtClean="0"/>
+              <a:rPr lang="en-US" dirty="0"/>
               <a:t>These direct the program to do what we desire </a:t>
             </a:r>
+          </a:p>
+          <a:p>
             <a:endParaRPr lang="en-US" dirty="0"/>
           </a:p>
           <a:p>
-            <a:endParaRPr lang="en-US" dirty="0" smtClean="0"/>
-          </a:p>
-          <a:p>
-            <a:endParaRPr lang="en-US" dirty="0" smtClean="0"/>
-          </a:p>
-          <a:p>
-            <a:endParaRPr lang="en-US" dirty="0" smtClean="0"/>
+            <a:endParaRPr lang="en-US" dirty="0"/>
+          </a:p>
+          <a:p>
+            <a:endParaRPr lang="en-US" dirty="0"/>
           </a:p>
         </p:txBody>
       </p:sp>
@@ -28153,13 +28521,6 @@
   <p:clrMapOvr>
     <a:masterClrMapping/>
   </p:clrMapOvr>
-  <p:timing>
-    <p:tnLst>
-      <p:par>
-        <p:cTn id="1" dur="indefinite" restart="never" nodeType="tmRoot"/>
-      </p:par>
-    </p:tnLst>
-  </p:timing>
 </p:sld>
 </file>
 
